--- a/계획서/인코포스트 발표자료.pptx
+++ b/계획서/인코포스트 발표자료.pptx
@@ -5,10 +5,10 @@
     <p:sldMasterId id="2147483648" r:id="rId4"/>
   </p:sldMasterIdLst>
   <p:notesMasterIdLst>
-    <p:notesMasterId r:id="rId24"/>
+    <p:notesMasterId r:id="rId27"/>
   </p:notesMasterIdLst>
   <p:handoutMasterIdLst>
-    <p:handoutMasterId r:id="rId25"/>
+    <p:handoutMasterId r:id="rId28"/>
   </p:handoutMasterIdLst>
   <p:sldIdLst>
     <p:sldId id="256" r:id="rId5"/>
@@ -18,18 +18,21 @@
     <p:sldId id="287" r:id="rId9"/>
     <p:sldId id="286" r:id="rId10"/>
     <p:sldId id="289" r:id="rId11"/>
-    <p:sldId id="290" r:id="rId12"/>
-    <p:sldId id="257" r:id="rId13"/>
-    <p:sldId id="291" r:id="rId14"/>
-    <p:sldId id="297" r:id="rId15"/>
-    <p:sldId id="296" r:id="rId16"/>
-    <p:sldId id="262" r:id="rId17"/>
-    <p:sldId id="292" r:id="rId18"/>
-    <p:sldId id="280" r:id="rId19"/>
-    <p:sldId id="260" r:id="rId20"/>
-    <p:sldId id="294" r:id="rId21"/>
-    <p:sldId id="293" r:id="rId22"/>
-    <p:sldId id="285" r:id="rId23"/>
+    <p:sldId id="299" r:id="rId12"/>
+    <p:sldId id="298" r:id="rId13"/>
+    <p:sldId id="290" r:id="rId14"/>
+    <p:sldId id="257" r:id="rId15"/>
+    <p:sldId id="276" r:id="rId16"/>
+    <p:sldId id="291" r:id="rId17"/>
+    <p:sldId id="297" r:id="rId18"/>
+    <p:sldId id="296" r:id="rId19"/>
+    <p:sldId id="262" r:id="rId20"/>
+    <p:sldId id="292" r:id="rId21"/>
+    <p:sldId id="280" r:id="rId22"/>
+    <p:sldId id="260" r:id="rId23"/>
+    <p:sldId id="294" r:id="rId24"/>
+    <p:sldId id="293" r:id="rId25"/>
+    <p:sldId id="285" r:id="rId26"/>
   </p:sldIdLst>
   <p:sldSz cx="12192000" cy="6858000"/>
   <p:notesSz cx="6858000" cy="9144000"/>
@@ -190,8 +193,8 @@
               </a:defRPr>
             </a:pPr>
             <a:r>
-              <a:rPr lang="ko-KR" altLang="en-US"/>
-              <a:t>국내 오토바이 판매 비중</a:t>
+              <a:rPr lang="ko-KR" altLang="en-US" dirty="0"/>
+              <a:t>국내 오토바이 신규 등록 대수</a:t>
             </a:r>
           </a:p>
         </c:rich>
@@ -200,7 +203,7 @@
         <c:manualLayout>
           <c:xMode val="edge"/>
           <c:yMode val="edge"/>
-          <c:x val="0.33839687887188541"/>
+          <c:x val="0.29366430054325532"/>
           <c:y val="2.1635217875800646E-2"/>
         </c:manualLayout>
       </c:layout>
@@ -671,27 +674,31 @@
               </a:defRPr>
             </a:pPr>
             <a:r>
-              <a:rPr lang="ko-KR"/>
-              <a:t>이륜차 판매 대수</a:t>
+              <a:rPr lang="ko-KR" dirty="0"/>
+              <a:t>이륜차 </a:t>
             </a:r>
             <a:r>
-              <a:rPr lang="en-US"/>
+              <a:rPr lang="ko-KR" altLang="en-US" dirty="0"/>
+              <a:t>전체 등록대수</a:t>
+            </a:r>
+            <a:r>
+              <a:rPr lang="en-US" dirty="0"/>
               <a:t>(</a:t>
             </a:r>
             <a:r>
-              <a:rPr lang="ko-KR"/>
+              <a:rPr lang="ko-KR" dirty="0"/>
               <a:t>단위</a:t>
             </a:r>
             <a:r>
-              <a:rPr lang="en-US"/>
+              <a:rPr lang="en-US" dirty="0"/>
               <a:t>=</a:t>
             </a:r>
             <a:r>
-              <a:rPr lang="ko-KR"/>
+              <a:rPr lang="ko-KR" dirty="0"/>
               <a:t>대</a:t>
             </a:r>
             <a:r>
-              <a:rPr lang="en-US"/>
+              <a:rPr lang="en-US" dirty="0"/>
               <a:t>)</a:t>
             </a:r>
           </a:p>
@@ -741,7 +748,7 @@
               <c:strCache>
                 <c:ptCount val="1"/>
                 <c:pt idx="0">
-                  <c:v>전년대비 증가수</c:v>
+                  <c:v>년도별 등록대수</c:v>
                 </c:pt>
               </c:strCache>
             </c:strRef>
@@ -957,19 +964,19 @@
                 <c:formatCode>#,##0</c:formatCode>
                 <c:ptCount val="5"/>
                 <c:pt idx="0">
-                  <c:v>18914</c:v>
+                  <c:v>2154314</c:v>
                 </c:pt>
                 <c:pt idx="1">
-                  <c:v>15787</c:v>
+                  <c:v>2169629</c:v>
                 </c:pt>
                 <c:pt idx="2">
-                  <c:v>11949</c:v>
+                  <c:v>2181510</c:v>
                 </c:pt>
                 <c:pt idx="3">
-                  <c:v>28471</c:v>
+                  <c:v>2209812</c:v>
                 </c:pt>
                 <c:pt idx="4">
-                  <c:v>52114</c:v>
+                  <c:v>2262199</c:v>
                 </c:pt>
               </c:numCache>
             </c:numRef>
@@ -6478,13 +6485,13 @@
   <p:clrMapOvr>
     <a:masterClrMapping/>
   </p:clrMapOvr>
-  <mc:AlternateContent xmlns:mc="http://schemas.openxmlformats.org/markup-compatibility/2006">
-    <mc:Choice xmlns:p159="http://schemas.microsoft.com/office/powerpoint/2015/09/main" Requires="p159">
+  <mc:AlternateContent xmlns:mc="http://schemas.openxmlformats.org/markup-compatibility/2006" xmlns:p159="http://schemas.microsoft.com/office/powerpoint/2015/09/main">
+    <mc:Choice Requires="p159">
       <p:transition xmlns:p14="http://schemas.microsoft.com/office/powerpoint/2010/main" spd="slow" p14:dur="2000">
         <p159:morph option="byObject"/>
       </p:transition>
     </mc:Choice>
-    <mc:Fallback>
+    <mc:Fallback xmlns="">
       <p:transition spd="slow">
         <p:fade/>
       </p:transition>
@@ -6524,8 +6531,8 @@
         </p:nvSpPr>
         <p:spPr>
           <a:xfrm>
-            <a:off x="0" y="-2"/>
-            <a:ext cx="2438400" cy="160423"/>
+            <a:off x="-1" y="-1"/>
+            <a:ext cx="5467319" cy="159759"/>
           </a:xfrm>
           <a:prstGeom prst="rect">
             <a:avLst/>
@@ -6561,10 +6568,10 @@
       </p:sp>
       <p:sp>
         <p:nvSpPr>
-          <p:cNvPr id="3" name="직사각형 2">
+          <p:cNvPr id="6" name="직사각형 5">
             <a:extLst>
               <a:ext uri="{FF2B5EF4-FFF2-40B4-BE49-F238E27FC236}">
-                <a16:creationId xmlns:a16="http://schemas.microsoft.com/office/drawing/2014/main" id="{5911BEAA-E3C2-4AE3-963F-87E3CAF3FB81}"/>
+                <a16:creationId xmlns:a16="http://schemas.microsoft.com/office/drawing/2014/main" id="{D73FA5A3-7443-4A4A-A0C2-99EF274D1D5C}"/>
               </a:ext>
             </a:extLst>
           </p:cNvPr>
@@ -6573,14 +6580,14 @@
         </p:nvSpPr>
         <p:spPr>
           <a:xfrm>
-            <a:off x="2438400" y="-1"/>
-            <a:ext cx="2535014" cy="160422"/>
+            <a:off x="9753600" y="-3"/>
+            <a:ext cx="2438400" cy="160423"/>
           </a:xfrm>
           <a:prstGeom prst="rect">
             <a:avLst/>
           </a:prstGeom>
           <a:solidFill>
-            <a:schemeClr val="accent1"/>
+            <a:schemeClr val="accent3"/>
           </a:solidFill>
           <a:ln>
             <a:noFill/>
@@ -6613,10 +6620,133 @@
       </p:sp>
       <p:sp>
         <p:nvSpPr>
-          <p:cNvPr id="5" name="직사각형 4">
+          <p:cNvPr id="8" name="TextBox 7">
             <a:extLst>
               <a:ext uri="{FF2B5EF4-FFF2-40B4-BE49-F238E27FC236}">
-                <a16:creationId xmlns:a16="http://schemas.microsoft.com/office/drawing/2014/main" id="{F13425E8-514E-4A6A-80B1-6C04D22E0E7B}"/>
+                <a16:creationId xmlns:a16="http://schemas.microsoft.com/office/drawing/2014/main" id="{348BFED9-3247-4858-97FC-29981B727AB9}"/>
+              </a:ext>
+            </a:extLst>
+          </p:cNvPr>
+          <p:cNvSpPr txBox="1"/>
+          <p:nvPr/>
+        </p:nvSpPr>
+        <p:spPr>
+          <a:xfrm>
+            <a:off x="160421" y="304800"/>
+            <a:ext cx="726866" cy="338554"/>
+          </a:xfrm>
+          <a:prstGeom prst="rect">
+            <a:avLst/>
+          </a:prstGeom>
+          <a:noFill/>
+        </p:spPr>
+        <p:txBody>
+          <a:bodyPr wrap="none" rtlCol="0">
+            <a:spAutoFit/>
+          </a:bodyPr>
+          <a:lstStyle/>
+          <a:p>
+            <a:r>
+              <a:rPr lang="en-US" altLang="ko-KR" sz="1600">
+                <a:solidFill>
+                  <a:schemeClr val="accent2"/>
+                </a:solidFill>
+                <a:latin typeface="+mj-lt"/>
+              </a:rPr>
+              <a:t>Part 1,</a:t>
+            </a:r>
+            <a:endParaRPr lang="ko-KR" altLang="en-US" sz="1600">
+              <a:solidFill>
+                <a:schemeClr val="accent2"/>
+              </a:solidFill>
+              <a:latin typeface="+mj-lt"/>
+            </a:endParaRPr>
+          </a:p>
+        </p:txBody>
+      </p:sp>
+      <p:sp>
+        <p:nvSpPr>
+          <p:cNvPr id="9" name="TextBox 8">
+            <a:extLst>
+              <a:ext uri="{FF2B5EF4-FFF2-40B4-BE49-F238E27FC236}">
+                <a16:creationId xmlns:a16="http://schemas.microsoft.com/office/drawing/2014/main" id="{AE05A515-73BD-4F7C-A919-EAFE378DB41F}"/>
+              </a:ext>
+            </a:extLst>
+          </p:cNvPr>
+          <p:cNvSpPr txBox="1"/>
+          <p:nvPr/>
+        </p:nvSpPr>
+        <p:spPr>
+          <a:xfrm>
+            <a:off x="1061630" y="320188"/>
+            <a:ext cx="3624710" cy="646331"/>
+          </a:xfrm>
+          <a:prstGeom prst="rect">
+            <a:avLst/>
+          </a:prstGeom>
+          <a:noFill/>
+        </p:spPr>
+        <p:txBody>
+          <a:bodyPr wrap="none" rtlCol="0">
+            <a:spAutoFit/>
+          </a:bodyPr>
+          <a:lstStyle/>
+          <a:p>
+            <a:r>
+              <a:rPr lang="ko-KR" altLang="en-US" sz="3600" dirty="0">
+                <a:solidFill>
+                  <a:schemeClr val="accent2"/>
+                </a:solidFill>
+              </a:rPr>
+              <a:t>중고 거래 플랫폼</a:t>
+            </a:r>
+          </a:p>
+        </p:txBody>
+      </p:sp>
+      <p:cxnSp>
+        <p:nvCxnSpPr>
+          <p:cNvPr id="11" name="직선 연결선 10">
+            <a:extLst>
+              <a:ext uri="{FF2B5EF4-FFF2-40B4-BE49-F238E27FC236}">
+                <a16:creationId xmlns:a16="http://schemas.microsoft.com/office/drawing/2014/main" id="{D594AD39-1264-44FB-9659-7901314242FB}"/>
+              </a:ext>
+            </a:extLst>
+          </p:cNvPr>
+          <p:cNvCxnSpPr>
+            <a:cxnSpLocks/>
+          </p:cNvCxnSpPr>
+          <p:nvPr/>
+        </p:nvCxnSpPr>
+        <p:spPr>
+          <a:xfrm>
+            <a:off x="1061630" y="1097280"/>
+            <a:ext cx="11130370" cy="0"/>
+          </a:xfrm>
+          <a:prstGeom prst="line">
+            <a:avLst/>
+          </a:prstGeom>
+        </p:spPr>
+        <p:style>
+          <a:lnRef idx="1">
+            <a:schemeClr val="accent1"/>
+          </a:lnRef>
+          <a:fillRef idx="0">
+            <a:schemeClr val="accent1"/>
+          </a:fillRef>
+          <a:effectRef idx="0">
+            <a:schemeClr val="accent1"/>
+          </a:effectRef>
+          <a:fontRef idx="minor">
+            <a:schemeClr val="tx1"/>
+          </a:fontRef>
+        </p:style>
+      </p:cxnSp>
+      <p:sp>
+        <p:nvSpPr>
+          <p:cNvPr id="212" name="자유형: 도형 211">
+            <a:extLst>
+              <a:ext uri="{FF2B5EF4-FFF2-40B4-BE49-F238E27FC236}">
+                <a16:creationId xmlns:a16="http://schemas.microsoft.com/office/drawing/2014/main" id="{82E920FE-5039-4712-9C49-62E4AE82D2BE}"/>
               </a:ext>
             </a:extLst>
           </p:cNvPr>
@@ -6625,8 +6755,2488 @@
         </p:nvSpPr>
         <p:spPr>
           <a:xfrm>
-            <a:off x="4973413" y="-2"/>
-            <a:ext cx="4780187" cy="160422"/>
+            <a:off x="2121195" y="4890013"/>
+            <a:ext cx="20944" cy="99483"/>
+          </a:xfrm>
+          <a:custGeom>
+            <a:avLst/>
+            <a:gdLst>
+              <a:gd name="connsiteX0" fmla="*/ 19995 w 24384"/>
+              <a:gd name="connsiteY0" fmla="*/ 108997 h 115824"/>
+              <a:gd name="connsiteX1" fmla="*/ 19995 w 24384"/>
+              <a:gd name="connsiteY1" fmla="*/ 108997 h 115824"/>
+              <a:gd name="connsiteX2" fmla="*/ 18776 w 24384"/>
+              <a:gd name="connsiteY2" fmla="*/ 110825 h 115824"/>
+              <a:gd name="connsiteX3" fmla="*/ 18776 w 24384"/>
+              <a:gd name="connsiteY3" fmla="*/ 112045 h 115824"/>
+              <a:gd name="connsiteX4" fmla="*/ 21214 w 24384"/>
+              <a:gd name="connsiteY4" fmla="*/ 114483 h 115824"/>
+              <a:gd name="connsiteX5" fmla="*/ 19995 w 24384"/>
+              <a:gd name="connsiteY5" fmla="*/ 108997 h 115824"/>
+              <a:gd name="connsiteX6" fmla="*/ 10241 w 24384"/>
+              <a:gd name="connsiteY6" fmla="*/ 103510 h 115824"/>
+              <a:gd name="connsiteX7" fmla="*/ 9022 w 24384"/>
+              <a:gd name="connsiteY7" fmla="*/ 103510 h 115824"/>
+              <a:gd name="connsiteX8" fmla="*/ 10241 w 24384"/>
+              <a:gd name="connsiteY8" fmla="*/ 102901 h 115824"/>
+              <a:gd name="connsiteX9" fmla="*/ 7803 w 24384"/>
+              <a:gd name="connsiteY9" fmla="*/ 101681 h 115824"/>
+              <a:gd name="connsiteX10" fmla="*/ 5364 w 24384"/>
+              <a:gd name="connsiteY10" fmla="*/ 101681 h 115824"/>
+              <a:gd name="connsiteX11" fmla="*/ 4145 w 24384"/>
+              <a:gd name="connsiteY11" fmla="*/ 101072 h 115824"/>
+              <a:gd name="connsiteX12" fmla="*/ 4145 w 24384"/>
+              <a:gd name="connsiteY12" fmla="*/ 99853 h 115824"/>
+              <a:gd name="connsiteX13" fmla="*/ 2926 w 24384"/>
+              <a:gd name="connsiteY13" fmla="*/ 101681 h 115824"/>
+              <a:gd name="connsiteX14" fmla="*/ 4145 w 24384"/>
+              <a:gd name="connsiteY14" fmla="*/ 103510 h 115824"/>
+              <a:gd name="connsiteX15" fmla="*/ 9632 w 24384"/>
+              <a:gd name="connsiteY15" fmla="*/ 105949 h 115824"/>
+              <a:gd name="connsiteX16" fmla="*/ 11460 w 24384"/>
+              <a:gd name="connsiteY16" fmla="*/ 107168 h 115824"/>
+              <a:gd name="connsiteX17" fmla="*/ 12680 w 24384"/>
+              <a:gd name="connsiteY17" fmla="*/ 103510 h 115824"/>
+              <a:gd name="connsiteX18" fmla="*/ 12680 w 24384"/>
+              <a:gd name="connsiteY18" fmla="*/ 102291 h 115824"/>
+              <a:gd name="connsiteX19" fmla="*/ 10851 w 24384"/>
+              <a:gd name="connsiteY19" fmla="*/ 102901 h 115824"/>
+              <a:gd name="connsiteX20" fmla="*/ 10851 w 24384"/>
+              <a:gd name="connsiteY20" fmla="*/ 103510 h 115824"/>
+              <a:gd name="connsiteX21" fmla="*/ 10241 w 24384"/>
+              <a:gd name="connsiteY21" fmla="*/ 103510 h 115824"/>
+              <a:gd name="connsiteX22" fmla="*/ 25481 w 24384"/>
+              <a:gd name="connsiteY22" fmla="*/ 5974 h 115824"/>
+              <a:gd name="connsiteX23" fmla="*/ 26091 w 24384"/>
+              <a:gd name="connsiteY23" fmla="*/ 4755 h 115824"/>
+              <a:gd name="connsiteX24" fmla="*/ 26091 w 24384"/>
+              <a:gd name="connsiteY24" fmla="*/ 3536 h 115824"/>
+              <a:gd name="connsiteX25" fmla="*/ 24262 w 24384"/>
+              <a:gd name="connsiteY25" fmla="*/ 2926 h 115824"/>
+              <a:gd name="connsiteX26" fmla="*/ 23652 w 24384"/>
+              <a:gd name="connsiteY26" fmla="*/ 2926 h 115824"/>
+              <a:gd name="connsiteX27" fmla="*/ 21824 w 24384"/>
+              <a:gd name="connsiteY27" fmla="*/ 5974 h 115824"/>
+              <a:gd name="connsiteX28" fmla="*/ 22433 w 24384"/>
+              <a:gd name="connsiteY28" fmla="*/ 6584 h 115824"/>
+              <a:gd name="connsiteX29" fmla="*/ 24262 w 24384"/>
+              <a:gd name="connsiteY29" fmla="*/ 7803 h 115824"/>
+              <a:gd name="connsiteX30" fmla="*/ 24872 w 24384"/>
+              <a:gd name="connsiteY30" fmla="*/ 7803 h 115824"/>
+              <a:gd name="connsiteX31" fmla="*/ 25481 w 24384"/>
+              <a:gd name="connsiteY31" fmla="*/ 5974 h 115824"/>
+            </a:gdLst>
+            <a:ahLst/>
+            <a:cxnLst>
+              <a:cxn ang="0">
+                <a:pos x="connsiteX0" y="connsiteY0"/>
+              </a:cxn>
+              <a:cxn ang="0">
+                <a:pos x="connsiteX1" y="connsiteY1"/>
+              </a:cxn>
+              <a:cxn ang="0">
+                <a:pos x="connsiteX2" y="connsiteY2"/>
+              </a:cxn>
+              <a:cxn ang="0">
+                <a:pos x="connsiteX3" y="connsiteY3"/>
+              </a:cxn>
+              <a:cxn ang="0">
+                <a:pos x="connsiteX4" y="connsiteY4"/>
+              </a:cxn>
+              <a:cxn ang="0">
+                <a:pos x="connsiteX5" y="connsiteY5"/>
+              </a:cxn>
+              <a:cxn ang="0">
+                <a:pos x="connsiteX6" y="connsiteY6"/>
+              </a:cxn>
+              <a:cxn ang="0">
+                <a:pos x="connsiteX7" y="connsiteY7"/>
+              </a:cxn>
+              <a:cxn ang="0">
+                <a:pos x="connsiteX8" y="connsiteY8"/>
+              </a:cxn>
+              <a:cxn ang="0">
+                <a:pos x="connsiteX9" y="connsiteY9"/>
+              </a:cxn>
+              <a:cxn ang="0">
+                <a:pos x="connsiteX10" y="connsiteY10"/>
+              </a:cxn>
+              <a:cxn ang="0">
+                <a:pos x="connsiteX11" y="connsiteY11"/>
+              </a:cxn>
+              <a:cxn ang="0">
+                <a:pos x="connsiteX12" y="connsiteY12"/>
+              </a:cxn>
+              <a:cxn ang="0">
+                <a:pos x="connsiteX13" y="connsiteY13"/>
+              </a:cxn>
+              <a:cxn ang="0">
+                <a:pos x="connsiteX14" y="connsiteY14"/>
+              </a:cxn>
+              <a:cxn ang="0">
+                <a:pos x="connsiteX15" y="connsiteY15"/>
+              </a:cxn>
+              <a:cxn ang="0">
+                <a:pos x="connsiteX16" y="connsiteY16"/>
+              </a:cxn>
+              <a:cxn ang="0">
+                <a:pos x="connsiteX17" y="connsiteY17"/>
+              </a:cxn>
+              <a:cxn ang="0">
+                <a:pos x="connsiteX18" y="connsiteY18"/>
+              </a:cxn>
+              <a:cxn ang="0">
+                <a:pos x="connsiteX19" y="connsiteY19"/>
+              </a:cxn>
+              <a:cxn ang="0">
+                <a:pos x="connsiteX20" y="connsiteY20"/>
+              </a:cxn>
+              <a:cxn ang="0">
+                <a:pos x="connsiteX21" y="connsiteY21"/>
+              </a:cxn>
+              <a:cxn ang="0">
+                <a:pos x="connsiteX22" y="connsiteY22"/>
+              </a:cxn>
+              <a:cxn ang="0">
+                <a:pos x="connsiteX23" y="connsiteY23"/>
+              </a:cxn>
+              <a:cxn ang="0">
+                <a:pos x="connsiteX24" y="connsiteY24"/>
+              </a:cxn>
+              <a:cxn ang="0">
+                <a:pos x="connsiteX25" y="connsiteY25"/>
+              </a:cxn>
+              <a:cxn ang="0">
+                <a:pos x="connsiteX26" y="connsiteY26"/>
+              </a:cxn>
+              <a:cxn ang="0">
+                <a:pos x="connsiteX27" y="connsiteY27"/>
+              </a:cxn>
+              <a:cxn ang="0">
+                <a:pos x="connsiteX28" y="connsiteY28"/>
+              </a:cxn>
+              <a:cxn ang="0">
+                <a:pos x="connsiteX29" y="connsiteY29"/>
+              </a:cxn>
+              <a:cxn ang="0">
+                <a:pos x="connsiteX30" y="connsiteY30"/>
+              </a:cxn>
+              <a:cxn ang="0">
+                <a:pos x="connsiteX31" y="connsiteY31"/>
+              </a:cxn>
+            </a:cxnLst>
+            <a:rect l="l" t="t" r="r" b="b"/>
+            <a:pathLst>
+              <a:path w="24384" h="115824">
+                <a:moveTo>
+                  <a:pt x="19995" y="108997"/>
+                </a:moveTo>
+                <a:lnTo>
+                  <a:pt x="19995" y="108997"/>
+                </a:lnTo>
+                <a:lnTo>
+                  <a:pt x="18776" y="110825"/>
+                </a:lnTo>
+                <a:lnTo>
+                  <a:pt x="18776" y="112045"/>
+                </a:lnTo>
+                <a:lnTo>
+                  <a:pt x="21214" y="114483"/>
+                </a:lnTo>
+                <a:lnTo>
+                  <a:pt x="19995" y="108997"/>
+                </a:lnTo>
+                <a:close/>
+                <a:moveTo>
+                  <a:pt x="10241" y="103510"/>
+                </a:moveTo>
+                <a:lnTo>
+                  <a:pt x="9022" y="103510"/>
+                </a:lnTo>
+                <a:lnTo>
+                  <a:pt x="10241" y="102901"/>
+                </a:lnTo>
+                <a:lnTo>
+                  <a:pt x="7803" y="101681"/>
+                </a:lnTo>
+                <a:lnTo>
+                  <a:pt x="5364" y="101681"/>
+                </a:lnTo>
+                <a:lnTo>
+                  <a:pt x="4145" y="101072"/>
+                </a:lnTo>
+                <a:lnTo>
+                  <a:pt x="4145" y="99853"/>
+                </a:lnTo>
+                <a:lnTo>
+                  <a:pt x="2926" y="101681"/>
+                </a:lnTo>
+                <a:lnTo>
+                  <a:pt x="4145" y="103510"/>
+                </a:lnTo>
+                <a:lnTo>
+                  <a:pt x="9632" y="105949"/>
+                </a:lnTo>
+                <a:lnTo>
+                  <a:pt x="11460" y="107168"/>
+                </a:lnTo>
+                <a:lnTo>
+                  <a:pt x="12680" y="103510"/>
+                </a:lnTo>
+                <a:lnTo>
+                  <a:pt x="12680" y="102291"/>
+                </a:lnTo>
+                <a:lnTo>
+                  <a:pt x="10851" y="102901"/>
+                </a:lnTo>
+                <a:lnTo>
+                  <a:pt x="10851" y="103510"/>
+                </a:lnTo>
+                <a:lnTo>
+                  <a:pt x="10241" y="103510"/>
+                </a:lnTo>
+                <a:close/>
+                <a:moveTo>
+                  <a:pt x="25481" y="5974"/>
+                </a:moveTo>
+                <a:lnTo>
+                  <a:pt x="26091" y="4755"/>
+                </a:lnTo>
+                <a:lnTo>
+                  <a:pt x="26091" y="3536"/>
+                </a:lnTo>
+                <a:lnTo>
+                  <a:pt x="24262" y="2926"/>
+                </a:lnTo>
+                <a:lnTo>
+                  <a:pt x="23652" y="2926"/>
+                </a:lnTo>
+                <a:lnTo>
+                  <a:pt x="21824" y="5974"/>
+                </a:lnTo>
+                <a:lnTo>
+                  <a:pt x="22433" y="6584"/>
+                </a:lnTo>
+                <a:lnTo>
+                  <a:pt x="24262" y="7803"/>
+                </a:lnTo>
+                <a:lnTo>
+                  <a:pt x="24872" y="7803"/>
+                </a:lnTo>
+                <a:lnTo>
+                  <a:pt x="25481" y="5974"/>
+                </a:lnTo>
+                <a:close/>
+              </a:path>
+            </a:pathLst>
+          </a:custGeom>
+          <a:solidFill>
+            <a:schemeClr val="bg2">
+              <a:lumMod val="25000"/>
+            </a:schemeClr>
+          </a:solidFill>
+          <a:ln w="6096" cap="flat">
+            <a:solidFill>
+              <a:schemeClr val="bg1"/>
+            </a:solidFill>
+            <a:prstDash val="solid"/>
+            <a:round/>
+          </a:ln>
+        </p:spPr>
+        <p:txBody>
+          <a:bodyPr rtlCol="0" anchor="ctr"/>
+          <a:lstStyle/>
+          <a:p>
+            <a:endParaRPr lang="ko-KR" altLang="en-US"/>
+          </a:p>
+        </p:txBody>
+      </p:sp>
+      <p:sp>
+        <p:nvSpPr>
+          <p:cNvPr id="229" name="テキスト ボックス 18">
+            <a:extLst>
+              <a:ext uri="{FF2B5EF4-FFF2-40B4-BE49-F238E27FC236}">
+                <a16:creationId xmlns:a16="http://schemas.microsoft.com/office/drawing/2014/main" id="{35BCC408-6524-4B7F-B7BF-4F341113117D}"/>
+              </a:ext>
+            </a:extLst>
+          </p:cNvPr>
+          <p:cNvSpPr txBox="1"/>
+          <p:nvPr/>
+        </p:nvSpPr>
+        <p:spPr>
+          <a:xfrm>
+            <a:off x="2209999" y="6230035"/>
+            <a:ext cx="2191617" cy="307777"/>
+          </a:xfrm>
+          <a:prstGeom prst="rect">
+            <a:avLst/>
+          </a:prstGeom>
+          <a:noFill/>
+        </p:spPr>
+        <p:txBody>
+          <a:bodyPr wrap="square" rtlCol="0">
+            <a:spAutoFit/>
+          </a:bodyPr>
+          <a:lstStyle/>
+          <a:p>
+            <a:pPr algn="just"/>
+            <a:r>
+              <a:rPr kumimoji="1" lang="ko-KR" altLang="en-US" sz="1400">
+                <a:latin typeface="Arial" panose="020B0604020202020204" pitchFamily="34" charset="0"/>
+                <a:ea typeface="Malgun Gothic" panose="020B0503020000020004" pitchFamily="34" charset="-127"/>
+                <a:cs typeface="Arial" panose="020B0604020202020204" pitchFamily="34" charset="0"/>
+              </a:rPr>
+              <a:t>상세 필터링 옵션의 부재</a:t>
+            </a:r>
+            <a:endParaRPr kumimoji="1" lang="ja-JP" altLang="en-US" sz="1400">
+              <a:latin typeface="Arial" panose="020B0604020202020204" pitchFamily="34" charset="0"/>
+              <a:ea typeface="Malgun Gothic" panose="020B0503020000020004" pitchFamily="34" charset="-127"/>
+              <a:cs typeface="Arial" panose="020B0604020202020204" pitchFamily="34" charset="0"/>
+            </a:endParaRPr>
+          </a:p>
+        </p:txBody>
+      </p:sp>
+      <p:sp>
+        <p:nvSpPr>
+          <p:cNvPr id="233" name="テキスト ボックス 18">
+            <a:extLst>
+              <a:ext uri="{FF2B5EF4-FFF2-40B4-BE49-F238E27FC236}">
+                <a16:creationId xmlns:a16="http://schemas.microsoft.com/office/drawing/2014/main" id="{41F142C6-179F-48D3-9DD6-464E39CB7461}"/>
+              </a:ext>
+            </a:extLst>
+          </p:cNvPr>
+          <p:cNvSpPr txBox="1"/>
+          <p:nvPr/>
+        </p:nvSpPr>
+        <p:spPr>
+          <a:xfrm>
+            <a:off x="5775811" y="6212250"/>
+            <a:ext cx="3516389" cy="523220"/>
+          </a:xfrm>
+          <a:prstGeom prst="rect">
+            <a:avLst/>
+          </a:prstGeom>
+          <a:noFill/>
+        </p:spPr>
+        <p:txBody>
+          <a:bodyPr wrap="square" rtlCol="0">
+            <a:spAutoFit/>
+          </a:bodyPr>
+          <a:lstStyle/>
+          <a:p>
+            <a:pPr algn="just"/>
+            <a:r>
+              <a:rPr kumimoji="1" lang="ko-KR" altLang="en-US" sz="1400">
+                <a:latin typeface="Arial" panose="020B0604020202020204" pitchFamily="34" charset="0"/>
+                <a:ea typeface="Malgun Gothic" panose="020B0503020000020004" pitchFamily="34" charset="-127"/>
+                <a:cs typeface="Arial" panose="020B0604020202020204" pitchFamily="34" charset="0"/>
+              </a:rPr>
+              <a:t>구매자가 직접 모든 게시물을 확인 하거나</a:t>
+            </a:r>
+            <a:endParaRPr kumimoji="1" lang="en-US" altLang="ko-KR" sz="1400">
+              <a:latin typeface="Arial" panose="020B0604020202020204" pitchFamily="34" charset="0"/>
+              <a:ea typeface="Malgun Gothic" panose="020B0503020000020004" pitchFamily="34" charset="-127"/>
+              <a:cs typeface="Arial" panose="020B0604020202020204" pitchFamily="34" charset="0"/>
+            </a:endParaRPr>
+          </a:p>
+          <a:p>
+            <a:pPr algn="just"/>
+            <a:r>
+              <a:rPr kumimoji="1" lang="ko-KR" altLang="en-US" sz="1400">
+                <a:latin typeface="Arial" panose="020B0604020202020204" pitchFamily="34" charset="0"/>
+                <a:ea typeface="Malgun Gothic" panose="020B0503020000020004" pitchFamily="34" charset="-127"/>
+                <a:cs typeface="Arial" panose="020B0604020202020204" pitchFamily="34" charset="0"/>
+              </a:rPr>
+              <a:t>판매자가 정확한 검색어를 제목에 게시  </a:t>
+            </a:r>
+            <a:endParaRPr kumimoji="1" lang="ja-JP" altLang="en-US" sz="1400">
+              <a:latin typeface="Arial" panose="020B0604020202020204" pitchFamily="34" charset="0"/>
+              <a:ea typeface="Malgun Gothic" panose="020B0503020000020004" pitchFamily="34" charset="-127"/>
+              <a:cs typeface="Arial" panose="020B0604020202020204" pitchFamily="34" charset="0"/>
+            </a:endParaRPr>
+          </a:p>
+        </p:txBody>
+      </p:sp>
+      <p:sp>
+        <p:nvSpPr>
+          <p:cNvPr id="237" name="テキスト ボックス 18">
+            <a:extLst>
+              <a:ext uri="{FF2B5EF4-FFF2-40B4-BE49-F238E27FC236}">
+                <a16:creationId xmlns:a16="http://schemas.microsoft.com/office/drawing/2014/main" id="{7327F9AF-D00D-4062-93F4-3D69F2C54E83}"/>
+              </a:ext>
+            </a:extLst>
+          </p:cNvPr>
+          <p:cNvSpPr txBox="1"/>
+          <p:nvPr/>
+        </p:nvSpPr>
+        <p:spPr>
+          <a:xfrm>
+            <a:off x="9416536" y="6212250"/>
+            <a:ext cx="2947543" cy="307777"/>
+          </a:xfrm>
+          <a:prstGeom prst="rect">
+            <a:avLst/>
+          </a:prstGeom>
+          <a:noFill/>
+        </p:spPr>
+        <p:txBody>
+          <a:bodyPr wrap="square" rtlCol="0">
+            <a:spAutoFit/>
+          </a:bodyPr>
+          <a:lstStyle/>
+          <a:p>
+            <a:pPr algn="just"/>
+            <a:r>
+              <a:rPr kumimoji="1" lang="ko-KR" altLang="en-US" sz="1400">
+                <a:latin typeface="Arial" panose="020B0604020202020204" pitchFamily="34" charset="0"/>
+                <a:ea typeface="Malgun Gothic" panose="020B0503020000020004" pitchFamily="34" charset="-127"/>
+                <a:cs typeface="Arial" panose="020B0604020202020204" pitchFamily="34" charset="0"/>
+              </a:rPr>
+              <a:t>당근마켓 내의 </a:t>
+            </a:r>
+            <a:r>
+              <a:rPr kumimoji="1" lang="en-US" altLang="ko-KR" sz="1400">
+                <a:latin typeface="Arial" panose="020B0604020202020204" pitchFamily="34" charset="0"/>
+                <a:ea typeface="Malgun Gothic" panose="020B0503020000020004" pitchFamily="34" charset="-127"/>
+                <a:cs typeface="Arial" panose="020B0604020202020204" pitchFamily="34" charset="0"/>
+              </a:rPr>
+              <a:t>1:1 </a:t>
+            </a:r>
+            <a:r>
+              <a:rPr kumimoji="1" lang="ko-KR" altLang="en-US" sz="1400" err="1">
+                <a:latin typeface="Arial" panose="020B0604020202020204" pitchFamily="34" charset="0"/>
+                <a:ea typeface="Malgun Gothic" panose="020B0503020000020004" pitchFamily="34" charset="-127"/>
+                <a:cs typeface="Arial" panose="020B0604020202020204" pitchFamily="34" charset="0"/>
+              </a:rPr>
+              <a:t>채팅방</a:t>
+            </a:r>
+            <a:r>
+              <a:rPr kumimoji="1" lang="ko-KR" altLang="en-US" sz="1400">
+                <a:latin typeface="Arial" panose="020B0604020202020204" pitchFamily="34" charset="0"/>
+                <a:ea typeface="Malgun Gothic" panose="020B0503020000020004" pitchFamily="34" charset="-127"/>
+                <a:cs typeface="Arial" panose="020B0604020202020204" pitchFamily="34" charset="0"/>
+              </a:rPr>
+              <a:t> 기능</a:t>
+            </a:r>
+            <a:endParaRPr kumimoji="1" lang="ja-JP" altLang="en-US" sz="1400">
+              <a:latin typeface="Arial" panose="020B0604020202020204" pitchFamily="34" charset="0"/>
+              <a:ea typeface="Malgun Gothic" panose="020B0503020000020004" pitchFamily="34" charset="-127"/>
+              <a:cs typeface="Arial" panose="020B0604020202020204" pitchFamily="34" charset="0"/>
+            </a:endParaRPr>
+          </a:p>
+        </p:txBody>
+      </p:sp>
+      <p:pic>
+        <p:nvPicPr>
+          <p:cNvPr id="12" name="그림 11">
+            <a:extLst>
+              <a:ext uri="{FF2B5EF4-FFF2-40B4-BE49-F238E27FC236}">
+                <a16:creationId xmlns:a16="http://schemas.microsoft.com/office/drawing/2014/main" id="{4A112DAF-FD41-FE71-C938-F33058B61C72}"/>
+              </a:ext>
+            </a:extLst>
+          </p:cNvPr>
+          <p:cNvPicPr>
+            <a:picLocks noChangeAspect="1"/>
+          </p:cNvPicPr>
+          <p:nvPr/>
+        </p:nvPicPr>
+        <p:blipFill>
+          <a:blip r:embed="rId2" cstate="screen">
+            <a:extLst>
+              <a:ext uri="{28A0092B-C50C-407E-A947-70E740481C1C}">
+                <a14:useLocalDpi xmlns:a14="http://schemas.microsoft.com/office/drawing/2010/main" val="0"/>
+              </a:ext>
+            </a:extLst>
+          </a:blip>
+          <a:stretch>
+            <a:fillRect/>
+          </a:stretch>
+        </p:blipFill>
+        <p:spPr>
+          <a:xfrm>
+            <a:off x="9642189" y="1235978"/>
+            <a:ext cx="2125061" cy="4722357"/>
+          </a:xfrm>
+          <a:prstGeom prst="rect">
+            <a:avLst/>
+          </a:prstGeom>
+        </p:spPr>
+      </p:pic>
+      <p:pic>
+        <p:nvPicPr>
+          <p:cNvPr id="16" name="그림 15">
+            <a:extLst>
+              <a:ext uri="{FF2B5EF4-FFF2-40B4-BE49-F238E27FC236}">
+                <a16:creationId xmlns:a16="http://schemas.microsoft.com/office/drawing/2014/main" id="{FC886E33-CD70-1E13-EF70-67747B58FEF9}"/>
+              </a:ext>
+            </a:extLst>
+          </p:cNvPr>
+          <p:cNvPicPr>
+            <a:picLocks noChangeAspect="1"/>
+          </p:cNvPicPr>
+          <p:nvPr/>
+        </p:nvPicPr>
+        <p:blipFill>
+          <a:blip r:embed="rId3" cstate="screen">
+            <a:extLst>
+              <a:ext uri="{28A0092B-C50C-407E-A947-70E740481C1C}">
+                <a14:useLocalDpi xmlns:a14="http://schemas.microsoft.com/office/drawing/2010/main" val="0"/>
+              </a:ext>
+            </a:extLst>
+          </a:blip>
+          <a:stretch>
+            <a:fillRect/>
+          </a:stretch>
+        </p:blipFill>
+        <p:spPr>
+          <a:xfrm>
+            <a:off x="6460059" y="1235978"/>
+            <a:ext cx="2125061" cy="4722356"/>
+          </a:xfrm>
+          <a:prstGeom prst="rect">
+            <a:avLst/>
+          </a:prstGeom>
+        </p:spPr>
+      </p:pic>
+      <p:sp>
+        <p:nvSpPr>
+          <p:cNvPr id="24" name="テキスト ボックス 18">
+            <a:extLst>
+              <a:ext uri="{FF2B5EF4-FFF2-40B4-BE49-F238E27FC236}">
+                <a16:creationId xmlns:a16="http://schemas.microsoft.com/office/drawing/2014/main" id="{DC4F4F37-945C-916A-3943-52D771CEA714}"/>
+              </a:ext>
+            </a:extLst>
+          </p:cNvPr>
+          <p:cNvSpPr txBox="1"/>
+          <p:nvPr/>
+        </p:nvSpPr>
+        <p:spPr>
+          <a:xfrm>
+            <a:off x="2945822" y="5941332"/>
+            <a:ext cx="719973" cy="253916"/>
+          </a:xfrm>
+          <a:prstGeom prst="rect">
+            <a:avLst/>
+          </a:prstGeom>
+          <a:noFill/>
+        </p:spPr>
+        <p:txBody>
+          <a:bodyPr wrap="square" rtlCol="0">
+            <a:spAutoFit/>
+          </a:bodyPr>
+          <a:lstStyle/>
+          <a:p>
+            <a:pPr algn="just"/>
+            <a:r>
+              <a:rPr kumimoji="1" lang="ko-KR" altLang="en-US" sz="1050">
+                <a:latin typeface="Arial" panose="020B0604020202020204" pitchFamily="34" charset="0"/>
+                <a:ea typeface="Malgun Gothic" panose="020B0503020000020004" pitchFamily="34" charset="-127"/>
+                <a:cs typeface="Arial" panose="020B0604020202020204" pitchFamily="34" charset="0"/>
+              </a:rPr>
+              <a:t>번개장터</a:t>
+            </a:r>
+            <a:endParaRPr kumimoji="1" lang="ja-JP" altLang="en-US" sz="1050">
+              <a:latin typeface="Arial" panose="020B0604020202020204" pitchFamily="34" charset="0"/>
+              <a:ea typeface="Malgun Gothic" panose="020B0503020000020004" pitchFamily="34" charset="-127"/>
+              <a:cs typeface="Arial" panose="020B0604020202020204" pitchFamily="34" charset="0"/>
+            </a:endParaRPr>
+          </a:p>
+        </p:txBody>
+      </p:sp>
+      <p:sp>
+        <p:nvSpPr>
+          <p:cNvPr id="25" name="テキスト ボックス 18">
+            <a:extLst>
+              <a:ext uri="{FF2B5EF4-FFF2-40B4-BE49-F238E27FC236}">
+                <a16:creationId xmlns:a16="http://schemas.microsoft.com/office/drawing/2014/main" id="{CF6283BF-9C16-04ED-39BB-16A914C2A314}"/>
+              </a:ext>
+            </a:extLst>
+          </p:cNvPr>
+          <p:cNvSpPr txBox="1"/>
+          <p:nvPr/>
+        </p:nvSpPr>
+        <p:spPr>
+          <a:xfrm>
+            <a:off x="7002677" y="5938804"/>
+            <a:ext cx="864674" cy="253916"/>
+          </a:xfrm>
+          <a:prstGeom prst="rect">
+            <a:avLst/>
+          </a:prstGeom>
+          <a:noFill/>
+        </p:spPr>
+        <p:txBody>
+          <a:bodyPr wrap="square" rtlCol="0">
+            <a:spAutoFit/>
+          </a:bodyPr>
+          <a:lstStyle/>
+          <a:p>
+            <a:pPr algn="just"/>
+            <a:r>
+              <a:rPr kumimoji="1" lang="ko-KR" altLang="en-US" sz="1050">
+                <a:latin typeface="Arial" panose="020B0604020202020204" pitchFamily="34" charset="0"/>
+                <a:ea typeface="Malgun Gothic" panose="020B0503020000020004" pitchFamily="34" charset="-127"/>
+                <a:cs typeface="Arial" panose="020B0604020202020204" pitchFamily="34" charset="0"/>
+              </a:rPr>
+              <a:t>네이버카페</a:t>
+            </a:r>
+            <a:endParaRPr kumimoji="1" lang="ja-JP" altLang="en-US" sz="1050">
+              <a:latin typeface="Arial" panose="020B0604020202020204" pitchFamily="34" charset="0"/>
+              <a:ea typeface="Malgun Gothic" panose="020B0503020000020004" pitchFamily="34" charset="-127"/>
+              <a:cs typeface="Arial" panose="020B0604020202020204" pitchFamily="34" charset="0"/>
+            </a:endParaRPr>
+          </a:p>
+        </p:txBody>
+      </p:sp>
+      <p:sp>
+        <p:nvSpPr>
+          <p:cNvPr id="26" name="テキスト ボックス 18">
+            <a:extLst>
+              <a:ext uri="{FF2B5EF4-FFF2-40B4-BE49-F238E27FC236}">
+                <a16:creationId xmlns:a16="http://schemas.microsoft.com/office/drawing/2014/main" id="{DC9E5E18-C9F1-4811-DE25-A368E98FD8C2}"/>
+              </a:ext>
+            </a:extLst>
+          </p:cNvPr>
+          <p:cNvSpPr txBox="1"/>
+          <p:nvPr/>
+        </p:nvSpPr>
+        <p:spPr>
+          <a:xfrm>
+            <a:off x="10383764" y="5938447"/>
+            <a:ext cx="719973" cy="253916"/>
+          </a:xfrm>
+          <a:prstGeom prst="rect">
+            <a:avLst/>
+          </a:prstGeom>
+          <a:noFill/>
+        </p:spPr>
+        <p:txBody>
+          <a:bodyPr wrap="square" rtlCol="0">
+            <a:spAutoFit/>
+          </a:bodyPr>
+          <a:lstStyle/>
+          <a:p>
+            <a:pPr algn="just"/>
+            <a:r>
+              <a:rPr kumimoji="1" lang="ko-KR" altLang="en-US" sz="1050">
+                <a:latin typeface="Arial" panose="020B0604020202020204" pitchFamily="34" charset="0"/>
+                <a:ea typeface="Malgun Gothic" panose="020B0503020000020004" pitchFamily="34" charset="-127"/>
+                <a:cs typeface="Arial" panose="020B0604020202020204" pitchFamily="34" charset="0"/>
+              </a:rPr>
+              <a:t>당근마켓</a:t>
+            </a:r>
+            <a:endParaRPr kumimoji="1" lang="ja-JP" altLang="en-US" sz="1050">
+              <a:latin typeface="Arial" panose="020B0604020202020204" pitchFamily="34" charset="0"/>
+              <a:ea typeface="Malgun Gothic" panose="020B0503020000020004" pitchFamily="34" charset="-127"/>
+              <a:cs typeface="Arial" panose="020B0604020202020204" pitchFamily="34" charset="0"/>
+            </a:endParaRPr>
+          </a:p>
+        </p:txBody>
+      </p:sp>
+      <p:pic>
+        <p:nvPicPr>
+          <p:cNvPr id="21" name="그림 20">
+            <a:extLst>
+              <a:ext uri="{FF2B5EF4-FFF2-40B4-BE49-F238E27FC236}">
+                <a16:creationId xmlns:a16="http://schemas.microsoft.com/office/drawing/2014/main" id="{93E27791-9344-0447-48AD-D51F2B00E6C3}"/>
+              </a:ext>
+            </a:extLst>
+          </p:cNvPr>
+          <p:cNvPicPr>
+            <a:picLocks noChangeAspect="1"/>
+          </p:cNvPicPr>
+          <p:nvPr/>
+        </p:nvPicPr>
+        <p:blipFill>
+          <a:blip r:embed="rId4" cstate="screen">
+            <a:extLst>
+              <a:ext uri="{28A0092B-C50C-407E-A947-70E740481C1C}">
+                <a14:useLocalDpi xmlns:a14="http://schemas.microsoft.com/office/drawing/2010/main" val="0"/>
+              </a:ext>
+            </a:extLst>
+          </a:blip>
+          <a:stretch>
+            <a:fillRect/>
+          </a:stretch>
+        </p:blipFill>
+        <p:spPr>
+          <a:xfrm>
+            <a:off x="3305810" y="1228043"/>
+            <a:ext cx="2121489" cy="4714419"/>
+          </a:xfrm>
+          <a:prstGeom prst="rect">
+            <a:avLst/>
+          </a:prstGeom>
+        </p:spPr>
+      </p:pic>
+      <p:pic>
+        <p:nvPicPr>
+          <p:cNvPr id="23" name="그림 22">
+            <a:extLst>
+              <a:ext uri="{FF2B5EF4-FFF2-40B4-BE49-F238E27FC236}">
+                <a16:creationId xmlns:a16="http://schemas.microsoft.com/office/drawing/2014/main" id="{ED4D31C9-47F5-F272-F4E7-688448D6AB4A}"/>
+              </a:ext>
+            </a:extLst>
+          </p:cNvPr>
+          <p:cNvPicPr>
+            <a:picLocks noChangeAspect="1"/>
+          </p:cNvPicPr>
+          <p:nvPr/>
+        </p:nvPicPr>
+        <p:blipFill>
+          <a:blip r:embed="rId5" cstate="screen">
+            <a:extLst>
+              <a:ext uri="{28A0092B-C50C-407E-A947-70E740481C1C}">
+                <a14:useLocalDpi xmlns:a14="http://schemas.microsoft.com/office/drawing/2010/main" val="0"/>
+              </a:ext>
+            </a:extLst>
+          </a:blip>
+          <a:stretch>
+            <a:fillRect/>
+          </a:stretch>
+        </p:blipFill>
+        <p:spPr>
+          <a:xfrm>
+            <a:off x="1061630" y="1228042"/>
+            <a:ext cx="2125059" cy="4722355"/>
+          </a:xfrm>
+          <a:prstGeom prst="rect">
+            <a:avLst/>
+          </a:prstGeom>
+        </p:spPr>
+      </p:pic>
+      <p:cxnSp>
+        <p:nvCxnSpPr>
+          <p:cNvPr id="32" name="직선 연결선 31">
+            <a:extLst>
+              <a:ext uri="{FF2B5EF4-FFF2-40B4-BE49-F238E27FC236}">
+                <a16:creationId xmlns:a16="http://schemas.microsoft.com/office/drawing/2014/main" id="{AD44E401-EF85-2307-7362-63483A7AD02F}"/>
+              </a:ext>
+            </a:extLst>
+          </p:cNvPr>
+          <p:cNvCxnSpPr>
+            <a:cxnSpLocks/>
+          </p:cNvCxnSpPr>
+          <p:nvPr/>
+        </p:nvCxnSpPr>
+        <p:spPr>
+          <a:xfrm>
+            <a:off x="5865769" y="1228043"/>
+            <a:ext cx="0" cy="4789630"/>
+          </a:xfrm>
+          <a:prstGeom prst="line">
+            <a:avLst/>
+          </a:prstGeom>
+        </p:spPr>
+        <p:style>
+          <a:lnRef idx="1">
+            <a:schemeClr val="accent1"/>
+          </a:lnRef>
+          <a:fillRef idx="0">
+            <a:schemeClr val="accent1"/>
+          </a:fillRef>
+          <a:effectRef idx="0">
+            <a:schemeClr val="accent1"/>
+          </a:effectRef>
+          <a:fontRef idx="minor">
+            <a:schemeClr val="tx1"/>
+          </a:fontRef>
+        </p:style>
+      </p:cxnSp>
+      <p:cxnSp>
+        <p:nvCxnSpPr>
+          <p:cNvPr id="34" name="직선 연결선 33">
+            <a:extLst>
+              <a:ext uri="{FF2B5EF4-FFF2-40B4-BE49-F238E27FC236}">
+                <a16:creationId xmlns:a16="http://schemas.microsoft.com/office/drawing/2014/main" id="{CF6E4C8D-8CE7-964B-9CE2-59F9ACDAAD1F}"/>
+              </a:ext>
+            </a:extLst>
+          </p:cNvPr>
+          <p:cNvCxnSpPr>
+            <a:cxnSpLocks/>
+          </p:cNvCxnSpPr>
+          <p:nvPr/>
+        </p:nvCxnSpPr>
+        <p:spPr>
+          <a:xfrm>
+            <a:off x="9163083" y="1168704"/>
+            <a:ext cx="0" cy="4789630"/>
+          </a:xfrm>
+          <a:prstGeom prst="line">
+            <a:avLst/>
+          </a:prstGeom>
+        </p:spPr>
+        <p:style>
+          <a:lnRef idx="1">
+            <a:schemeClr val="accent1"/>
+          </a:lnRef>
+          <a:fillRef idx="0">
+            <a:schemeClr val="accent1"/>
+          </a:fillRef>
+          <a:effectRef idx="0">
+            <a:schemeClr val="accent1"/>
+          </a:effectRef>
+          <a:fontRef idx="minor">
+            <a:schemeClr val="tx1"/>
+          </a:fontRef>
+        </p:style>
+      </p:cxnSp>
+      <p:sp>
+        <p:nvSpPr>
+          <p:cNvPr id="39" name="직사각형 38">
+            <a:extLst>
+              <a:ext uri="{FF2B5EF4-FFF2-40B4-BE49-F238E27FC236}">
+                <a16:creationId xmlns:a16="http://schemas.microsoft.com/office/drawing/2014/main" id="{52758953-9019-E64F-FD26-114C73D95178}"/>
+              </a:ext>
+            </a:extLst>
+          </p:cNvPr>
+          <p:cNvSpPr/>
+          <p:nvPr/>
+        </p:nvSpPr>
+        <p:spPr>
+          <a:xfrm>
+            <a:off x="5467318" y="1"/>
+            <a:ext cx="3695765" cy="159766"/>
+          </a:xfrm>
+          <a:prstGeom prst="rect">
+            <a:avLst/>
+          </a:prstGeom>
+          <a:solidFill>
+            <a:schemeClr val="accent3"/>
+          </a:solidFill>
+          <a:ln>
+            <a:noFill/>
+          </a:ln>
+        </p:spPr>
+        <p:style>
+          <a:lnRef idx="2">
+            <a:schemeClr val="accent1">
+              <a:shade val="50000"/>
+            </a:schemeClr>
+          </a:lnRef>
+          <a:fillRef idx="1">
+            <a:schemeClr val="accent1"/>
+          </a:fillRef>
+          <a:effectRef idx="0">
+            <a:schemeClr val="accent1"/>
+          </a:effectRef>
+          <a:fontRef idx="minor">
+            <a:schemeClr val="lt1"/>
+          </a:fontRef>
+        </p:style>
+        <p:txBody>
+          <a:bodyPr rtlCol="0" anchor="ctr"/>
+          <a:lstStyle/>
+          <a:p>
+            <a:pPr algn="ctr"/>
+            <a:endParaRPr lang="ko-KR" altLang="en-US"/>
+          </a:p>
+        </p:txBody>
+      </p:sp>
+      <p:sp>
+        <p:nvSpPr>
+          <p:cNvPr id="40" name="직사각형 39">
+            <a:extLst>
+              <a:ext uri="{FF2B5EF4-FFF2-40B4-BE49-F238E27FC236}">
+                <a16:creationId xmlns:a16="http://schemas.microsoft.com/office/drawing/2014/main" id="{990EFD49-69A8-FAB9-A3C5-9887EDCC23D1}"/>
+              </a:ext>
+            </a:extLst>
+          </p:cNvPr>
+          <p:cNvSpPr/>
+          <p:nvPr/>
+        </p:nvSpPr>
+        <p:spPr>
+          <a:xfrm>
+            <a:off x="9155932" y="652"/>
+            <a:ext cx="604819" cy="159768"/>
+          </a:xfrm>
+          <a:prstGeom prst="rect">
+            <a:avLst/>
+          </a:prstGeom>
+          <a:solidFill>
+            <a:schemeClr val="accent3"/>
+          </a:solidFill>
+          <a:ln>
+            <a:noFill/>
+          </a:ln>
+        </p:spPr>
+        <p:style>
+          <a:lnRef idx="2">
+            <a:schemeClr val="accent1">
+              <a:shade val="50000"/>
+            </a:schemeClr>
+          </a:lnRef>
+          <a:fillRef idx="1">
+            <a:schemeClr val="accent1"/>
+          </a:fillRef>
+          <a:effectRef idx="0">
+            <a:schemeClr val="accent1"/>
+          </a:effectRef>
+          <a:fontRef idx="minor">
+            <a:schemeClr val="lt1"/>
+          </a:fontRef>
+        </p:style>
+        <p:txBody>
+          <a:bodyPr rtlCol="0" anchor="ctr"/>
+          <a:lstStyle/>
+          <a:p>
+            <a:pPr algn="ctr"/>
+            <a:endParaRPr lang="ko-KR" altLang="en-US"/>
+          </a:p>
+        </p:txBody>
+      </p:sp>
+    </p:spTree>
+    <p:extLst>
+      <p:ext uri="{BB962C8B-B14F-4D97-AF65-F5344CB8AC3E}">
+        <p14:creationId xmlns:p14="http://schemas.microsoft.com/office/powerpoint/2010/main" val="2187801951"/>
+      </p:ext>
+    </p:extLst>
+  </p:cSld>
+  <p:clrMapOvr>
+    <a:masterClrMapping/>
+  </p:clrMapOvr>
+  <mc:AlternateContent xmlns:mc="http://schemas.openxmlformats.org/markup-compatibility/2006" xmlns:p159="http://schemas.microsoft.com/office/powerpoint/2015/09/main">
+    <mc:Choice Requires="p159">
+      <p:transition xmlns:p14="http://schemas.microsoft.com/office/powerpoint/2010/main" spd="slow" p14:dur="2000">
+        <p159:morph option="byObject"/>
+      </p:transition>
+    </mc:Choice>
+    <mc:Fallback xmlns="">
+      <p:transition spd="slow">
+        <p:fade/>
+      </p:transition>
+    </mc:Fallback>
+  </mc:AlternateContent>
+</p:sld>
+</file>
+
+<file path=ppt/slides/slide11.xml><?xml version="1.0" encoding="utf-8"?>
+<p:sld xmlns:a="http://schemas.openxmlformats.org/drawingml/2006/main" xmlns:r="http://schemas.openxmlformats.org/officeDocument/2006/relationships" xmlns:p="http://schemas.openxmlformats.org/presentationml/2006/main">
+  <p:cSld>
+    <p:spTree>
+      <p:nvGrpSpPr>
+        <p:cNvPr id="1" name=""/>
+        <p:cNvGrpSpPr/>
+        <p:nvPr/>
+      </p:nvGrpSpPr>
+      <p:grpSpPr>
+        <a:xfrm>
+          <a:off x="0" y="0"/>
+          <a:ext cx="0" cy="0"/>
+          <a:chOff x="0" y="0"/>
+          <a:chExt cx="0" cy="0"/>
+        </a:xfrm>
+      </p:grpSpPr>
+      <p:pic>
+        <p:nvPicPr>
+          <p:cNvPr id="3" name="그림 2">
+            <a:extLst>
+              <a:ext uri="{FF2B5EF4-FFF2-40B4-BE49-F238E27FC236}">
+                <a16:creationId xmlns:a16="http://schemas.microsoft.com/office/drawing/2014/main" id="{4AF0F17C-FC18-4643-9928-A34703BA4C95}"/>
+              </a:ext>
+            </a:extLst>
+          </p:cNvPr>
+          <p:cNvPicPr>
+            <a:picLocks noChangeAspect="1"/>
+          </p:cNvPicPr>
+          <p:nvPr/>
+        </p:nvPicPr>
+        <p:blipFill rotWithShape="1">
+          <a:blip r:embed="rId2" cstate="screen">
+            <a:extLst>
+              <a:ext uri="{28A0092B-C50C-407E-A947-70E740481C1C}">
+                <a14:useLocalDpi xmlns:a14="http://schemas.microsoft.com/office/drawing/2010/main" val="0"/>
+              </a:ext>
+            </a:extLst>
+          </a:blip>
+          <a:srcRect/>
+          <a:stretch/>
+        </p:blipFill>
+        <p:spPr>
+          <a:xfrm>
+            <a:off x="0" y="0"/>
+            <a:ext cx="12192000" cy="6858000"/>
+          </a:xfrm>
+          <a:prstGeom prst="rect">
+            <a:avLst/>
+          </a:prstGeom>
+        </p:spPr>
+      </p:pic>
+      <p:sp>
+        <p:nvSpPr>
+          <p:cNvPr id="7" name="TextBox 6">
+            <a:extLst>
+              <a:ext uri="{FF2B5EF4-FFF2-40B4-BE49-F238E27FC236}">
+                <a16:creationId xmlns:a16="http://schemas.microsoft.com/office/drawing/2014/main" id="{C61AB87D-ADA5-49F5-BDA9-2D3455D30BCF}"/>
+              </a:ext>
+            </a:extLst>
+          </p:cNvPr>
+          <p:cNvSpPr txBox="1"/>
+          <p:nvPr/>
+        </p:nvSpPr>
+        <p:spPr>
+          <a:xfrm>
+            <a:off x="9811098" y="6588607"/>
+            <a:ext cx="2390399" cy="246221"/>
+          </a:xfrm>
+          <a:prstGeom prst="rect">
+            <a:avLst/>
+          </a:prstGeom>
+          <a:noFill/>
+        </p:spPr>
+        <p:txBody>
+          <a:bodyPr wrap="none" rtlCol="0">
+            <a:spAutoFit/>
+          </a:bodyPr>
+          <a:lstStyle/>
+          <a:p>
+            <a:pPr algn="r"/>
+            <a:r>
+              <a:rPr lang="en-US" altLang="ko-KR" sz="1000">
+                <a:solidFill>
+                  <a:schemeClr val="bg1"/>
+                </a:solidFill>
+                <a:latin typeface="Arial" panose="020B0604020202020204" pitchFamily="34" charset="0"/>
+                <a:cs typeface="Arial" panose="020B0604020202020204" pitchFamily="34" charset="0"/>
+              </a:rPr>
+              <a:t>ⓒSaebyeol Yu.</a:t>
+            </a:r>
+            <a:r>
+              <a:rPr lang="ko-KR" altLang="en-US" sz="1000">
+                <a:solidFill>
+                  <a:schemeClr val="bg1"/>
+                </a:solidFill>
+                <a:latin typeface="Arial" panose="020B0604020202020204" pitchFamily="34" charset="0"/>
+                <a:cs typeface="Arial" panose="020B0604020202020204" pitchFamily="34" charset="0"/>
+              </a:rPr>
+              <a:t> </a:t>
+            </a:r>
+            <a:r>
+              <a:rPr lang="en-US" altLang="ko-KR" sz="1000" err="1">
+                <a:solidFill>
+                  <a:schemeClr val="bg1"/>
+                </a:solidFill>
+                <a:latin typeface="Arial" panose="020B0604020202020204" pitchFamily="34" charset="0"/>
+                <a:cs typeface="Arial" panose="020B0604020202020204" pitchFamily="34" charset="0"/>
+              </a:rPr>
+              <a:t>Saebyeol’s</a:t>
+            </a:r>
+            <a:r>
+              <a:rPr lang="ko-KR" altLang="en-US" sz="1000">
+                <a:solidFill>
+                  <a:schemeClr val="bg1"/>
+                </a:solidFill>
+                <a:latin typeface="Arial" panose="020B0604020202020204" pitchFamily="34" charset="0"/>
+                <a:cs typeface="Arial" panose="020B0604020202020204" pitchFamily="34" charset="0"/>
+              </a:rPr>
+              <a:t> </a:t>
+            </a:r>
+            <a:r>
+              <a:rPr lang="en-US" altLang="ko-KR" sz="1000">
+                <a:solidFill>
+                  <a:schemeClr val="bg1"/>
+                </a:solidFill>
+                <a:latin typeface="Arial" panose="020B0604020202020204" pitchFamily="34" charset="0"/>
+                <a:cs typeface="Arial" panose="020B0604020202020204" pitchFamily="34" charset="0"/>
+              </a:rPr>
+              <a:t>PowerPoint</a:t>
+            </a:r>
+            <a:endParaRPr lang="ko-KR" altLang="en-US" sz="1000">
+              <a:solidFill>
+                <a:schemeClr val="bg1"/>
+              </a:solidFill>
+              <a:latin typeface="Arial" panose="020B0604020202020204" pitchFamily="34" charset="0"/>
+              <a:cs typeface="Arial" panose="020B0604020202020204" pitchFamily="34" charset="0"/>
+            </a:endParaRPr>
+          </a:p>
+        </p:txBody>
+      </p:sp>
+      <p:sp>
+        <p:nvSpPr>
+          <p:cNvPr id="8" name="직사각형 7">
+            <a:extLst>
+              <a:ext uri="{FF2B5EF4-FFF2-40B4-BE49-F238E27FC236}">
+                <a16:creationId xmlns:a16="http://schemas.microsoft.com/office/drawing/2014/main" id="{400491FE-F21D-4481-BC36-5BF0EE82CF41}"/>
+              </a:ext>
+            </a:extLst>
+          </p:cNvPr>
+          <p:cNvSpPr/>
+          <p:nvPr/>
+        </p:nvSpPr>
+        <p:spPr>
+          <a:xfrm>
+            <a:off x="0" y="0"/>
+            <a:ext cx="12192000" cy="6858000"/>
+          </a:xfrm>
+          <a:prstGeom prst="rect">
+            <a:avLst/>
+          </a:prstGeom>
+          <a:solidFill>
+            <a:schemeClr val="accent5">
+              <a:lumMod val="50000"/>
+              <a:alpha val="60000"/>
+            </a:schemeClr>
+          </a:solidFill>
+        </p:spPr>
+        <p:style>
+          <a:lnRef idx="2">
+            <a:schemeClr val="accent1">
+              <a:shade val="50000"/>
+            </a:schemeClr>
+          </a:lnRef>
+          <a:fillRef idx="1">
+            <a:schemeClr val="accent1"/>
+          </a:fillRef>
+          <a:effectRef idx="0">
+            <a:schemeClr val="accent1"/>
+          </a:effectRef>
+          <a:fontRef idx="minor">
+            <a:schemeClr val="lt1"/>
+          </a:fontRef>
+        </p:style>
+        <p:txBody>
+          <a:bodyPr rtlCol="0" anchor="ctr"/>
+          <a:lstStyle/>
+          <a:p>
+            <a:pPr algn="ctr"/>
+            <a:endParaRPr lang="ko-KR" altLang="en-US"/>
+          </a:p>
+        </p:txBody>
+      </p:sp>
+      <p:grpSp>
+        <p:nvGrpSpPr>
+          <p:cNvPr id="9" name="그룹 8">
+            <a:extLst>
+              <a:ext uri="{FF2B5EF4-FFF2-40B4-BE49-F238E27FC236}">
+                <a16:creationId xmlns:a16="http://schemas.microsoft.com/office/drawing/2014/main" id="{6DBDD5CB-B3CE-497E-8B7B-49BC6661C3BF}"/>
+              </a:ext>
+            </a:extLst>
+          </p:cNvPr>
+          <p:cNvGrpSpPr/>
+          <p:nvPr/>
+        </p:nvGrpSpPr>
+        <p:grpSpPr>
+          <a:xfrm>
+            <a:off x="4503257" y="2579222"/>
+            <a:ext cx="3185487" cy="1699555"/>
+            <a:chOff x="4503257" y="2117558"/>
+            <a:chExt cx="3185487" cy="1699555"/>
+          </a:xfrm>
+        </p:grpSpPr>
+        <p:sp>
+          <p:nvSpPr>
+            <p:cNvPr id="10" name="TextBox 9">
+              <a:extLst>
+                <a:ext uri="{FF2B5EF4-FFF2-40B4-BE49-F238E27FC236}">
+                  <a16:creationId xmlns:a16="http://schemas.microsoft.com/office/drawing/2014/main" id="{3482747F-3DD6-4BB3-A2D1-442486C7EA04}"/>
+                </a:ext>
+              </a:extLst>
+            </p:cNvPr>
+            <p:cNvSpPr txBox="1"/>
+            <p:nvPr/>
+          </p:nvSpPr>
+          <p:spPr>
+            <a:xfrm>
+              <a:off x="4798209" y="2117558"/>
+              <a:ext cx="2728632" cy="923330"/>
+            </a:xfrm>
+            <a:prstGeom prst="rect">
+              <a:avLst/>
+            </a:prstGeom>
+            <a:noFill/>
+          </p:spPr>
+          <p:txBody>
+            <a:bodyPr wrap="none" rtlCol="0">
+              <a:spAutoFit/>
+            </a:bodyPr>
+            <a:lstStyle/>
+            <a:p>
+              <a:r>
+                <a:rPr lang="en-US" altLang="ko-KR" sz="5400" dirty="0">
+                  <a:solidFill>
+                    <a:schemeClr val="bg1"/>
+                  </a:solidFill>
+                  <a:latin typeface="+mj-lt"/>
+                </a:rPr>
+                <a:t>Part 2.</a:t>
+              </a:r>
+              <a:endParaRPr lang="ko-KR" altLang="en-US" sz="5400" dirty="0">
+                <a:solidFill>
+                  <a:schemeClr val="bg1"/>
+                </a:solidFill>
+                <a:latin typeface="+mj-lt"/>
+              </a:endParaRPr>
+            </a:p>
+          </p:txBody>
+        </p:sp>
+        <p:sp>
+          <p:nvSpPr>
+            <p:cNvPr id="11" name="TextBox 10">
+              <a:extLst>
+                <a:ext uri="{FF2B5EF4-FFF2-40B4-BE49-F238E27FC236}">
+                  <a16:creationId xmlns:a16="http://schemas.microsoft.com/office/drawing/2014/main" id="{DC7A67CC-F92B-4DF7-8973-3969389967A2}"/>
+                </a:ext>
+              </a:extLst>
+            </p:cNvPr>
+            <p:cNvSpPr txBox="1"/>
+            <p:nvPr/>
+          </p:nvSpPr>
+          <p:spPr>
+            <a:xfrm>
+              <a:off x="4503257" y="3109227"/>
+              <a:ext cx="3185487" cy="707886"/>
+            </a:xfrm>
+            <a:prstGeom prst="rect">
+              <a:avLst/>
+            </a:prstGeom>
+            <a:noFill/>
+          </p:spPr>
+          <p:txBody>
+            <a:bodyPr wrap="none" rtlCol="0">
+              <a:spAutoFit/>
+            </a:bodyPr>
+            <a:lstStyle/>
+            <a:p>
+              <a:pPr algn="ctr"/>
+              <a:r>
+                <a:rPr lang="ko-KR" altLang="en-US" sz="4000" spc="-300">
+                  <a:solidFill>
+                    <a:schemeClr val="bg1"/>
+                  </a:solidFill>
+                </a:rPr>
+                <a:t>특장점 및 기능</a:t>
+              </a:r>
+            </a:p>
+          </p:txBody>
+        </p:sp>
+      </p:grpSp>
+    </p:spTree>
+    <p:extLst>
+      <p:ext uri="{BB962C8B-B14F-4D97-AF65-F5344CB8AC3E}">
+        <p14:creationId xmlns:p14="http://schemas.microsoft.com/office/powerpoint/2010/main" val="201256539"/>
+      </p:ext>
+    </p:extLst>
+  </p:cSld>
+  <p:clrMapOvr>
+    <a:masterClrMapping/>
+  </p:clrMapOvr>
+  <mc:AlternateContent xmlns:mc="http://schemas.openxmlformats.org/markup-compatibility/2006" xmlns:p159="http://schemas.microsoft.com/office/powerpoint/2015/09/main">
+    <mc:Choice Requires="p159">
+      <p:transition xmlns:p14="http://schemas.microsoft.com/office/powerpoint/2010/main" spd="slow" p14:dur="2000">
+        <p159:morph option="byObject"/>
+      </p:transition>
+    </mc:Choice>
+    <mc:Fallback xmlns="">
+      <p:transition spd="slow">
+        <p:fade/>
+      </p:transition>
+    </mc:Fallback>
+  </mc:AlternateContent>
+</p:sld>
+</file>
+
+<file path=ppt/slides/slide12.xml><?xml version="1.0" encoding="utf-8"?>
+<p:sld xmlns:a="http://schemas.openxmlformats.org/drawingml/2006/main" xmlns:r="http://schemas.openxmlformats.org/officeDocument/2006/relationships" xmlns:p="http://schemas.openxmlformats.org/presentationml/2006/main">
+  <p:cSld>
+    <p:spTree>
+      <p:nvGrpSpPr>
+        <p:cNvPr id="1" name=""/>
+        <p:cNvGrpSpPr/>
+        <p:nvPr/>
+      </p:nvGrpSpPr>
+      <p:grpSpPr>
+        <a:xfrm>
+          <a:off x="0" y="0"/>
+          <a:ext cx="0" cy="0"/>
+          <a:chOff x="0" y="0"/>
+          <a:chExt cx="0" cy="0"/>
+        </a:xfrm>
+      </p:grpSpPr>
+      <p:sp>
+        <p:nvSpPr>
+          <p:cNvPr id="2" name="직사각형 1">
+            <a:extLst>
+              <a:ext uri="{FF2B5EF4-FFF2-40B4-BE49-F238E27FC236}">
+                <a16:creationId xmlns:a16="http://schemas.microsoft.com/office/drawing/2014/main" id="{35793BFC-7410-4CA5-9F33-BBE620E91B97}"/>
+              </a:ext>
+            </a:extLst>
+          </p:cNvPr>
+          <p:cNvSpPr/>
+          <p:nvPr/>
+        </p:nvSpPr>
+        <p:spPr>
+          <a:xfrm>
+            <a:off x="-1" y="0"/>
+            <a:ext cx="5770486" cy="160402"/>
+          </a:xfrm>
+          <a:prstGeom prst="rect">
+            <a:avLst/>
+          </a:prstGeom>
+          <a:ln>
+            <a:noFill/>
+          </a:ln>
+        </p:spPr>
+        <p:style>
+          <a:lnRef idx="2">
+            <a:schemeClr val="accent1">
+              <a:shade val="50000"/>
+            </a:schemeClr>
+          </a:lnRef>
+          <a:fillRef idx="1">
+            <a:schemeClr val="accent1"/>
+          </a:fillRef>
+          <a:effectRef idx="0">
+            <a:schemeClr val="accent1"/>
+          </a:effectRef>
+          <a:fontRef idx="minor">
+            <a:schemeClr val="lt1"/>
+          </a:fontRef>
+        </p:style>
+        <p:txBody>
+          <a:bodyPr rtlCol="0" anchor="ctr"/>
+          <a:lstStyle/>
+          <a:p>
+            <a:pPr algn="ctr"/>
+            <a:endParaRPr lang="ko-KR" altLang="en-US"/>
+          </a:p>
+        </p:txBody>
+      </p:sp>
+      <p:sp>
+        <p:nvSpPr>
+          <p:cNvPr id="5" name="직사각형 4">
+            <a:extLst>
+              <a:ext uri="{FF2B5EF4-FFF2-40B4-BE49-F238E27FC236}">
+                <a16:creationId xmlns:a16="http://schemas.microsoft.com/office/drawing/2014/main" id="{F13425E8-514E-4A6A-80B1-6C04D22E0E7B}"/>
+              </a:ext>
+            </a:extLst>
+          </p:cNvPr>
+          <p:cNvSpPr/>
+          <p:nvPr/>
+        </p:nvSpPr>
+        <p:spPr>
+          <a:xfrm>
+            <a:off x="5770485" y="-2"/>
+            <a:ext cx="3983115" cy="160404"/>
+          </a:xfrm>
+          <a:prstGeom prst="rect">
+            <a:avLst/>
+          </a:prstGeom>
+          <a:solidFill>
+            <a:schemeClr val="accent3"/>
+          </a:solidFill>
+          <a:ln>
+            <a:noFill/>
+          </a:ln>
+        </p:spPr>
+        <p:style>
+          <a:lnRef idx="2">
+            <a:schemeClr val="accent1">
+              <a:shade val="50000"/>
+            </a:schemeClr>
+          </a:lnRef>
+          <a:fillRef idx="1">
+            <a:schemeClr val="accent1"/>
+          </a:fillRef>
+          <a:effectRef idx="0">
+            <a:schemeClr val="accent1"/>
+          </a:effectRef>
+          <a:fontRef idx="minor">
+            <a:schemeClr val="lt1"/>
+          </a:fontRef>
+        </p:style>
+        <p:txBody>
+          <a:bodyPr rtlCol="0" anchor="ctr"/>
+          <a:lstStyle/>
+          <a:p>
+            <a:pPr algn="ctr"/>
+            <a:endParaRPr lang="ko-KR" altLang="en-US"/>
+          </a:p>
+        </p:txBody>
+      </p:sp>
+      <p:sp>
+        <p:nvSpPr>
+          <p:cNvPr id="6" name="직사각형 5">
+            <a:extLst>
+              <a:ext uri="{FF2B5EF4-FFF2-40B4-BE49-F238E27FC236}">
+                <a16:creationId xmlns:a16="http://schemas.microsoft.com/office/drawing/2014/main" id="{D73FA5A3-7443-4A4A-A0C2-99EF274D1D5C}"/>
+              </a:ext>
+            </a:extLst>
+          </p:cNvPr>
+          <p:cNvSpPr/>
+          <p:nvPr/>
+        </p:nvSpPr>
+        <p:spPr>
+          <a:xfrm>
+            <a:off x="9753600" y="-3"/>
+            <a:ext cx="2438400" cy="160423"/>
+          </a:xfrm>
+          <a:prstGeom prst="rect">
+            <a:avLst/>
+          </a:prstGeom>
+          <a:solidFill>
+            <a:schemeClr val="accent3"/>
+          </a:solidFill>
+          <a:ln>
+            <a:noFill/>
+          </a:ln>
+        </p:spPr>
+        <p:style>
+          <a:lnRef idx="2">
+            <a:schemeClr val="accent1">
+              <a:shade val="50000"/>
+            </a:schemeClr>
+          </a:lnRef>
+          <a:fillRef idx="1">
+            <a:schemeClr val="accent1"/>
+          </a:fillRef>
+          <a:effectRef idx="0">
+            <a:schemeClr val="accent1"/>
+          </a:effectRef>
+          <a:fontRef idx="minor">
+            <a:schemeClr val="lt1"/>
+          </a:fontRef>
+        </p:style>
+        <p:txBody>
+          <a:bodyPr rtlCol="0" anchor="ctr"/>
+          <a:lstStyle/>
+          <a:p>
+            <a:pPr algn="ctr"/>
+            <a:endParaRPr lang="ko-KR" altLang="en-US"/>
+          </a:p>
+        </p:txBody>
+      </p:sp>
+      <p:sp>
+        <p:nvSpPr>
+          <p:cNvPr id="8" name="TextBox 7">
+            <a:extLst>
+              <a:ext uri="{FF2B5EF4-FFF2-40B4-BE49-F238E27FC236}">
+                <a16:creationId xmlns:a16="http://schemas.microsoft.com/office/drawing/2014/main" id="{348BFED9-3247-4858-97FC-29981B727AB9}"/>
+              </a:ext>
+            </a:extLst>
+          </p:cNvPr>
+          <p:cNvSpPr txBox="1"/>
+          <p:nvPr/>
+        </p:nvSpPr>
+        <p:spPr>
+          <a:xfrm>
+            <a:off x="160421" y="304800"/>
+            <a:ext cx="726866" cy="338554"/>
+          </a:xfrm>
+          <a:prstGeom prst="rect">
+            <a:avLst/>
+          </a:prstGeom>
+          <a:noFill/>
+        </p:spPr>
+        <p:txBody>
+          <a:bodyPr wrap="none" rtlCol="0">
+            <a:spAutoFit/>
+          </a:bodyPr>
+          <a:lstStyle/>
+          <a:p>
+            <a:r>
+              <a:rPr lang="en-US" altLang="ko-KR" sz="1600" dirty="0">
+                <a:solidFill>
+                  <a:schemeClr val="accent2"/>
+                </a:solidFill>
+                <a:latin typeface="+mj-lt"/>
+              </a:rPr>
+              <a:t>Part 2,</a:t>
+            </a:r>
+            <a:endParaRPr lang="ko-KR" altLang="en-US" sz="1600" dirty="0">
+              <a:solidFill>
+                <a:schemeClr val="accent2"/>
+              </a:solidFill>
+              <a:latin typeface="+mj-lt"/>
+            </a:endParaRPr>
+          </a:p>
+        </p:txBody>
+      </p:sp>
+      <p:sp>
+        <p:nvSpPr>
+          <p:cNvPr id="9" name="TextBox 8">
+            <a:extLst>
+              <a:ext uri="{FF2B5EF4-FFF2-40B4-BE49-F238E27FC236}">
+                <a16:creationId xmlns:a16="http://schemas.microsoft.com/office/drawing/2014/main" id="{AE05A515-73BD-4F7C-A919-EAFE378DB41F}"/>
+              </a:ext>
+            </a:extLst>
+          </p:cNvPr>
+          <p:cNvSpPr txBox="1"/>
+          <p:nvPr/>
+        </p:nvSpPr>
+        <p:spPr>
+          <a:xfrm>
+            <a:off x="1061630" y="320188"/>
+            <a:ext cx="2339936" cy="646331"/>
+          </a:xfrm>
+          <a:prstGeom prst="rect">
+            <a:avLst/>
+          </a:prstGeom>
+          <a:noFill/>
+        </p:spPr>
+        <p:txBody>
+          <a:bodyPr wrap="none" rtlCol="0">
+            <a:spAutoFit/>
+          </a:bodyPr>
+          <a:lstStyle/>
+          <a:p>
+            <a:r>
+              <a:rPr lang="en-US" altLang="ko-KR" sz="3600" dirty="0">
+                <a:solidFill>
+                  <a:schemeClr val="accent2"/>
+                </a:solidFill>
+              </a:rPr>
+              <a:t>INCOPOST?</a:t>
+            </a:r>
+            <a:endParaRPr lang="ko-KR" altLang="en-US" sz="3600" dirty="0">
+              <a:solidFill>
+                <a:schemeClr val="accent2"/>
+              </a:solidFill>
+            </a:endParaRPr>
+          </a:p>
+        </p:txBody>
+      </p:sp>
+      <p:cxnSp>
+        <p:nvCxnSpPr>
+          <p:cNvPr id="11" name="직선 연결선 10">
+            <a:extLst>
+              <a:ext uri="{FF2B5EF4-FFF2-40B4-BE49-F238E27FC236}">
+                <a16:creationId xmlns:a16="http://schemas.microsoft.com/office/drawing/2014/main" id="{D594AD39-1264-44FB-9659-7901314242FB}"/>
+              </a:ext>
+            </a:extLst>
+          </p:cNvPr>
+          <p:cNvCxnSpPr>
+            <a:cxnSpLocks/>
+          </p:cNvCxnSpPr>
+          <p:nvPr/>
+        </p:nvCxnSpPr>
+        <p:spPr>
+          <a:xfrm>
+            <a:off x="1061630" y="1097280"/>
+            <a:ext cx="11130370" cy="0"/>
+          </a:xfrm>
+          <a:prstGeom prst="line">
+            <a:avLst/>
+          </a:prstGeom>
+        </p:spPr>
+        <p:style>
+          <a:lnRef idx="1">
+            <a:schemeClr val="accent1"/>
+          </a:lnRef>
+          <a:fillRef idx="0">
+            <a:schemeClr val="accent1"/>
+          </a:fillRef>
+          <a:effectRef idx="0">
+            <a:schemeClr val="accent1"/>
+          </a:effectRef>
+          <a:fontRef idx="minor">
+            <a:schemeClr val="tx1"/>
+          </a:fontRef>
+        </p:style>
+      </p:cxnSp>
+      <p:sp>
+        <p:nvSpPr>
+          <p:cNvPr id="17" name="타원 16">
+            <a:extLst>
+              <a:ext uri="{FF2B5EF4-FFF2-40B4-BE49-F238E27FC236}">
+                <a16:creationId xmlns:a16="http://schemas.microsoft.com/office/drawing/2014/main" id="{C06EBB56-A45D-465F-BADF-B9A3C15AAD55}"/>
+              </a:ext>
+            </a:extLst>
+          </p:cNvPr>
+          <p:cNvSpPr/>
+          <p:nvPr/>
+        </p:nvSpPr>
+        <p:spPr>
+          <a:xfrm>
+            <a:off x="3563596" y="1803900"/>
+            <a:ext cx="2094507" cy="1986866"/>
+          </a:xfrm>
+          <a:prstGeom prst="ellipse">
+            <a:avLst/>
+          </a:prstGeom>
+          <a:solidFill>
+            <a:schemeClr val="tx2"/>
+          </a:solidFill>
+          <a:ln>
+            <a:noFill/>
+          </a:ln>
+          <a:effectLst/>
+        </p:spPr>
+        <p:style>
+          <a:lnRef idx="2">
+            <a:schemeClr val="accent1">
+              <a:shade val="50000"/>
+            </a:schemeClr>
+          </a:lnRef>
+          <a:fillRef idx="1">
+            <a:schemeClr val="accent1"/>
+          </a:fillRef>
+          <a:effectRef idx="0">
+            <a:schemeClr val="accent1"/>
+          </a:effectRef>
+          <a:fontRef idx="minor">
+            <a:schemeClr val="lt1"/>
+          </a:fontRef>
+        </p:style>
+        <p:txBody>
+          <a:bodyPr rtlCol="0" anchor="ctr"/>
+          <a:lstStyle/>
+          <a:p>
+            <a:pPr algn="ctr"/>
+            <a:endParaRPr lang="ko-KR" altLang="en-US"/>
+          </a:p>
+        </p:txBody>
+      </p:sp>
+      <p:sp>
+        <p:nvSpPr>
+          <p:cNvPr id="18" name="타원 17">
+            <a:extLst>
+              <a:ext uri="{FF2B5EF4-FFF2-40B4-BE49-F238E27FC236}">
+                <a16:creationId xmlns:a16="http://schemas.microsoft.com/office/drawing/2014/main" id="{A726B1C0-B66C-4618-BB77-A9F7559D87D3}"/>
+              </a:ext>
+            </a:extLst>
+          </p:cNvPr>
+          <p:cNvSpPr/>
+          <p:nvPr/>
+        </p:nvSpPr>
+        <p:spPr>
+          <a:xfrm>
+            <a:off x="6847479" y="1803900"/>
+            <a:ext cx="2094507" cy="1986866"/>
+          </a:xfrm>
+          <a:prstGeom prst="ellipse">
+            <a:avLst/>
+          </a:prstGeom>
+          <a:solidFill>
+            <a:schemeClr val="accent2"/>
+          </a:solidFill>
+          <a:ln>
+            <a:noFill/>
+          </a:ln>
+          <a:effectLst/>
+        </p:spPr>
+        <p:style>
+          <a:lnRef idx="2">
+            <a:schemeClr val="accent1">
+              <a:shade val="50000"/>
+            </a:schemeClr>
+          </a:lnRef>
+          <a:fillRef idx="1">
+            <a:schemeClr val="accent1"/>
+          </a:fillRef>
+          <a:effectRef idx="0">
+            <a:schemeClr val="accent1"/>
+          </a:effectRef>
+          <a:fontRef idx="minor">
+            <a:schemeClr val="lt1"/>
+          </a:fontRef>
+        </p:style>
+        <p:txBody>
+          <a:bodyPr rtlCol="0" anchor="ctr"/>
+          <a:lstStyle/>
+          <a:p>
+            <a:pPr algn="ctr"/>
+            <a:endParaRPr lang="ko-KR" altLang="en-US"/>
+          </a:p>
+        </p:txBody>
+      </p:sp>
+      <p:sp>
+        <p:nvSpPr>
+          <p:cNvPr id="19" name="타원 18">
+            <a:extLst>
+              <a:ext uri="{FF2B5EF4-FFF2-40B4-BE49-F238E27FC236}">
+                <a16:creationId xmlns:a16="http://schemas.microsoft.com/office/drawing/2014/main" id="{8D6C4C6A-E704-4189-88FE-5E2B548F78F5}"/>
+              </a:ext>
+            </a:extLst>
+          </p:cNvPr>
+          <p:cNvSpPr/>
+          <p:nvPr/>
+        </p:nvSpPr>
+        <p:spPr>
+          <a:xfrm>
+            <a:off x="375693" y="1803900"/>
+            <a:ext cx="2094507" cy="1986866"/>
+          </a:xfrm>
+          <a:prstGeom prst="ellipse">
+            <a:avLst/>
+          </a:prstGeom>
+          <a:solidFill>
+            <a:schemeClr val="accent1"/>
+          </a:solidFill>
+          <a:ln>
+            <a:noFill/>
+          </a:ln>
+          <a:effectLst/>
+        </p:spPr>
+        <p:style>
+          <a:lnRef idx="2">
+            <a:schemeClr val="accent1">
+              <a:shade val="50000"/>
+            </a:schemeClr>
+          </a:lnRef>
+          <a:fillRef idx="1">
+            <a:schemeClr val="accent1"/>
+          </a:fillRef>
+          <a:effectRef idx="0">
+            <a:schemeClr val="accent1"/>
+          </a:effectRef>
+          <a:fontRef idx="minor">
+            <a:schemeClr val="lt1"/>
+          </a:fontRef>
+        </p:style>
+        <p:txBody>
+          <a:bodyPr rtlCol="0" anchor="ctr"/>
+          <a:lstStyle/>
+          <a:p>
+            <a:pPr algn="ctr"/>
+            <a:endParaRPr lang="ko-KR" altLang="en-US" dirty="0"/>
+          </a:p>
+        </p:txBody>
+      </p:sp>
+      <p:sp>
+        <p:nvSpPr>
+          <p:cNvPr id="20" name="TextBox 19">
+            <a:extLst>
+              <a:ext uri="{FF2B5EF4-FFF2-40B4-BE49-F238E27FC236}">
+                <a16:creationId xmlns:a16="http://schemas.microsoft.com/office/drawing/2014/main" id="{30AF4515-0ADB-48E7-B4A4-06A1C990D260}"/>
+              </a:ext>
+            </a:extLst>
+          </p:cNvPr>
+          <p:cNvSpPr txBox="1"/>
+          <p:nvPr/>
+        </p:nvSpPr>
+        <p:spPr>
+          <a:xfrm>
+            <a:off x="961958" y="4035720"/>
+            <a:ext cx="913547" cy="461665"/>
+          </a:xfrm>
+          <a:prstGeom prst="rect">
+            <a:avLst/>
+          </a:prstGeom>
+          <a:noFill/>
+        </p:spPr>
+        <p:txBody>
+          <a:bodyPr wrap="square" rtlCol="0">
+            <a:spAutoFit/>
+          </a:bodyPr>
+          <a:lstStyle/>
+          <a:p>
+            <a:pPr algn="ctr"/>
+            <a:r>
+              <a:rPr lang="en-US" altLang="ko-KR" sz="2400" spc="-300" dirty="0">
+                <a:solidFill>
+                  <a:schemeClr val="accent1"/>
+                </a:solidFill>
+                <a:latin typeface="+mj-ea"/>
+                <a:ea typeface="+mj-ea"/>
+              </a:rPr>
+              <a:t>In</a:t>
+            </a:r>
+            <a:r>
+              <a:rPr lang="en-US" altLang="ko-KR" sz="2400" spc="-300" dirty="0">
+                <a:solidFill>
+                  <a:schemeClr val="tx1">
+                    <a:lumMod val="75000"/>
+                    <a:lumOff val="25000"/>
+                  </a:schemeClr>
+                </a:solidFill>
+                <a:latin typeface="+mj-ea"/>
+                <a:ea typeface="+mj-ea"/>
+              </a:rPr>
+              <a:t>take</a:t>
+            </a:r>
+            <a:endParaRPr lang="ko-KR" altLang="en-US" sz="2400" spc="-300" dirty="0">
+              <a:solidFill>
+                <a:schemeClr val="tx1">
+                  <a:lumMod val="75000"/>
+                  <a:lumOff val="25000"/>
+                </a:schemeClr>
+              </a:solidFill>
+              <a:latin typeface="+mj-ea"/>
+              <a:ea typeface="+mj-ea"/>
+            </a:endParaRPr>
+          </a:p>
+        </p:txBody>
+      </p:sp>
+      <p:cxnSp>
+        <p:nvCxnSpPr>
+          <p:cNvPr id="21" name="직선 연결선 20">
+            <a:extLst>
+              <a:ext uri="{FF2B5EF4-FFF2-40B4-BE49-F238E27FC236}">
+                <a16:creationId xmlns:a16="http://schemas.microsoft.com/office/drawing/2014/main" id="{4D0ACF30-1700-41F7-B4C2-99C4F5919929}"/>
+              </a:ext>
+            </a:extLst>
+          </p:cNvPr>
+          <p:cNvCxnSpPr>
+            <a:cxnSpLocks/>
+          </p:cNvCxnSpPr>
+          <p:nvPr/>
+        </p:nvCxnSpPr>
+        <p:spPr>
+          <a:xfrm>
+            <a:off x="1223224" y="4038534"/>
+            <a:ext cx="399446" cy="0"/>
+          </a:xfrm>
+          <a:prstGeom prst="line">
+            <a:avLst/>
+          </a:prstGeom>
+          <a:ln w="38100">
+            <a:solidFill>
+              <a:schemeClr val="tx1">
+                <a:lumMod val="50000"/>
+                <a:lumOff val="50000"/>
+              </a:schemeClr>
+            </a:solidFill>
+          </a:ln>
+        </p:spPr>
+        <p:style>
+          <a:lnRef idx="1">
+            <a:schemeClr val="accent1"/>
+          </a:lnRef>
+          <a:fillRef idx="0">
+            <a:schemeClr val="accent1"/>
+          </a:fillRef>
+          <a:effectRef idx="0">
+            <a:schemeClr val="accent1"/>
+          </a:effectRef>
+          <a:fontRef idx="minor">
+            <a:schemeClr val="tx1"/>
+          </a:fontRef>
+        </p:style>
+      </p:cxnSp>
+      <p:sp>
+        <p:nvSpPr>
+          <p:cNvPr id="22" name="TextBox 21">
+            <a:extLst>
+              <a:ext uri="{FF2B5EF4-FFF2-40B4-BE49-F238E27FC236}">
+                <a16:creationId xmlns:a16="http://schemas.microsoft.com/office/drawing/2014/main" id="{2EC29918-8489-421A-8CD2-E1FA722E1A26}"/>
+              </a:ext>
+            </a:extLst>
+          </p:cNvPr>
+          <p:cNvSpPr txBox="1"/>
+          <p:nvPr/>
+        </p:nvSpPr>
+        <p:spPr>
+          <a:xfrm>
+            <a:off x="3752763" y="4061247"/>
+            <a:ext cx="1716745" cy="461665"/>
+          </a:xfrm>
+          <a:prstGeom prst="rect">
+            <a:avLst/>
+          </a:prstGeom>
+          <a:noFill/>
+        </p:spPr>
+        <p:txBody>
+          <a:bodyPr wrap="square" rtlCol="0">
+            <a:spAutoFit/>
+          </a:bodyPr>
+          <a:lstStyle/>
+          <a:p>
+            <a:pPr algn="ctr"/>
+            <a:r>
+              <a:rPr lang="en-US" altLang="ko-KR" sz="2400" spc="-300" dirty="0">
+                <a:solidFill>
+                  <a:schemeClr val="accent1"/>
+                </a:solidFill>
+                <a:latin typeface="+mj-ea"/>
+                <a:ea typeface="+mj-ea"/>
+              </a:rPr>
+              <a:t>Co</a:t>
+            </a:r>
+            <a:r>
+              <a:rPr lang="en-US" altLang="ko-KR" sz="2400" spc="-300" dirty="0">
+                <a:solidFill>
+                  <a:schemeClr val="tx1">
+                    <a:lumMod val="75000"/>
+                    <a:lumOff val="25000"/>
+                  </a:schemeClr>
+                </a:solidFill>
+                <a:latin typeface="+mj-ea"/>
+                <a:ea typeface="+mj-ea"/>
+              </a:rPr>
+              <a:t>mpression</a:t>
+            </a:r>
+            <a:endParaRPr lang="ko-KR" altLang="en-US" sz="2400" spc="-300" dirty="0">
+              <a:solidFill>
+                <a:schemeClr val="tx1">
+                  <a:lumMod val="75000"/>
+                  <a:lumOff val="25000"/>
+                </a:schemeClr>
+              </a:solidFill>
+              <a:latin typeface="+mj-ea"/>
+              <a:ea typeface="+mj-ea"/>
+            </a:endParaRPr>
+          </a:p>
+        </p:txBody>
+      </p:sp>
+      <p:cxnSp>
+        <p:nvCxnSpPr>
+          <p:cNvPr id="23" name="직선 연결선 22">
+            <a:extLst>
+              <a:ext uri="{FF2B5EF4-FFF2-40B4-BE49-F238E27FC236}">
+                <a16:creationId xmlns:a16="http://schemas.microsoft.com/office/drawing/2014/main" id="{A6CE6367-BE1B-4051-9B94-0AB9CC7BF1B3}"/>
+              </a:ext>
+            </a:extLst>
+          </p:cNvPr>
+          <p:cNvCxnSpPr>
+            <a:cxnSpLocks/>
+          </p:cNvCxnSpPr>
+          <p:nvPr/>
+        </p:nvCxnSpPr>
+        <p:spPr>
+          <a:xfrm>
+            <a:off x="4411126" y="4038534"/>
+            <a:ext cx="399446" cy="0"/>
+          </a:xfrm>
+          <a:prstGeom prst="line">
+            <a:avLst/>
+          </a:prstGeom>
+          <a:ln w="38100">
+            <a:solidFill>
+              <a:schemeClr val="tx1">
+                <a:lumMod val="50000"/>
+                <a:lumOff val="50000"/>
+              </a:schemeClr>
+            </a:solidFill>
+          </a:ln>
+        </p:spPr>
+        <p:style>
+          <a:lnRef idx="1">
+            <a:schemeClr val="accent1"/>
+          </a:lnRef>
+          <a:fillRef idx="0">
+            <a:schemeClr val="accent1"/>
+          </a:fillRef>
+          <a:effectRef idx="0">
+            <a:schemeClr val="accent1"/>
+          </a:effectRef>
+          <a:fontRef idx="minor">
+            <a:schemeClr val="tx1"/>
+          </a:fontRef>
+        </p:style>
+      </p:cxnSp>
+      <p:sp>
+        <p:nvSpPr>
+          <p:cNvPr id="24" name="TextBox 23">
+            <a:extLst>
+              <a:ext uri="{FF2B5EF4-FFF2-40B4-BE49-F238E27FC236}">
+                <a16:creationId xmlns:a16="http://schemas.microsoft.com/office/drawing/2014/main" id="{51367578-6588-4B8E-A553-AADD19FB29B1}"/>
+              </a:ext>
+            </a:extLst>
+          </p:cNvPr>
+          <p:cNvSpPr txBox="1"/>
+          <p:nvPr/>
+        </p:nvSpPr>
+        <p:spPr>
+          <a:xfrm>
+            <a:off x="9942480" y="4055469"/>
+            <a:ext cx="1716745" cy="461665"/>
+          </a:xfrm>
+          <a:prstGeom prst="rect">
+            <a:avLst/>
+          </a:prstGeom>
+          <a:noFill/>
+        </p:spPr>
+        <p:txBody>
+          <a:bodyPr wrap="square" rtlCol="0">
+            <a:spAutoFit/>
+          </a:bodyPr>
+          <a:lstStyle/>
+          <a:p>
+            <a:pPr algn="ctr"/>
+            <a:r>
+              <a:rPr lang="en-US" altLang="ko-KR" sz="2400" spc="-300" dirty="0">
+                <a:solidFill>
+                  <a:schemeClr val="tx1">
+                    <a:lumMod val="75000"/>
+                    <a:lumOff val="25000"/>
+                  </a:schemeClr>
+                </a:solidFill>
+                <a:latin typeface="+mj-ea"/>
+                <a:ea typeface="+mj-ea"/>
+              </a:rPr>
+              <a:t>Exhau</a:t>
+            </a:r>
+            <a:r>
+              <a:rPr lang="en-US" altLang="ko-KR" sz="2400" spc="-300" dirty="0">
+                <a:solidFill>
+                  <a:schemeClr val="accent1"/>
+                </a:solidFill>
+                <a:latin typeface="+mj-ea"/>
+                <a:ea typeface="+mj-ea"/>
+              </a:rPr>
+              <a:t>st</a:t>
+            </a:r>
+            <a:endParaRPr lang="ko-KR" altLang="en-US" sz="2400" spc="-300" dirty="0">
+              <a:solidFill>
+                <a:schemeClr val="accent1"/>
+              </a:solidFill>
+              <a:latin typeface="+mj-ea"/>
+              <a:ea typeface="+mj-ea"/>
+            </a:endParaRPr>
+          </a:p>
+        </p:txBody>
+      </p:sp>
+      <p:cxnSp>
+        <p:nvCxnSpPr>
+          <p:cNvPr id="25" name="직선 연결선 24">
+            <a:extLst>
+              <a:ext uri="{FF2B5EF4-FFF2-40B4-BE49-F238E27FC236}">
+                <a16:creationId xmlns:a16="http://schemas.microsoft.com/office/drawing/2014/main" id="{91D149DA-4ADE-4B1A-921E-FD0D3A8CAE29}"/>
+              </a:ext>
+            </a:extLst>
+          </p:cNvPr>
+          <p:cNvCxnSpPr>
+            <a:cxnSpLocks/>
+          </p:cNvCxnSpPr>
+          <p:nvPr/>
+        </p:nvCxnSpPr>
+        <p:spPr>
+          <a:xfrm>
+            <a:off x="10601130" y="4055470"/>
+            <a:ext cx="399446" cy="0"/>
+          </a:xfrm>
+          <a:prstGeom prst="line">
+            <a:avLst/>
+          </a:prstGeom>
+          <a:ln w="38100">
+            <a:solidFill>
+              <a:schemeClr val="tx1">
+                <a:lumMod val="50000"/>
+                <a:lumOff val="50000"/>
+              </a:schemeClr>
+            </a:solidFill>
+          </a:ln>
+        </p:spPr>
+        <p:style>
+          <a:lnRef idx="1">
+            <a:schemeClr val="accent1"/>
+          </a:lnRef>
+          <a:fillRef idx="0">
+            <a:schemeClr val="accent1"/>
+          </a:fillRef>
+          <a:effectRef idx="0">
+            <a:schemeClr val="accent1"/>
+          </a:effectRef>
+          <a:fontRef idx="minor">
+            <a:schemeClr val="tx1"/>
+          </a:fontRef>
+        </p:style>
+      </p:cxnSp>
+      <p:sp>
+        <p:nvSpPr>
+          <p:cNvPr id="28" name="타원 27">
+            <a:extLst>
+              <a:ext uri="{FF2B5EF4-FFF2-40B4-BE49-F238E27FC236}">
+                <a16:creationId xmlns:a16="http://schemas.microsoft.com/office/drawing/2014/main" id="{412D61F2-CB8D-6231-CA99-F7C0B79B3EF8}"/>
+              </a:ext>
+            </a:extLst>
+          </p:cNvPr>
+          <p:cNvSpPr/>
+          <p:nvPr/>
+        </p:nvSpPr>
+        <p:spPr>
+          <a:xfrm>
+            <a:off x="9753600" y="1803900"/>
+            <a:ext cx="2094507" cy="1986866"/>
+          </a:xfrm>
+          <a:prstGeom prst="ellipse">
+            <a:avLst/>
+          </a:prstGeom>
+          <a:solidFill>
+            <a:schemeClr val="accent3"/>
+          </a:solidFill>
+          <a:ln>
+            <a:noFill/>
+          </a:ln>
+          <a:effectLst/>
+        </p:spPr>
+        <p:style>
+          <a:lnRef idx="2">
+            <a:schemeClr val="accent1">
+              <a:shade val="50000"/>
+            </a:schemeClr>
+          </a:lnRef>
+          <a:fillRef idx="1">
+            <a:schemeClr val="accent1"/>
+          </a:fillRef>
+          <a:effectRef idx="0">
+            <a:schemeClr val="accent1"/>
+          </a:effectRef>
+          <a:fontRef idx="minor">
+            <a:schemeClr val="lt1"/>
+          </a:fontRef>
+        </p:style>
+        <p:txBody>
+          <a:bodyPr rtlCol="0" anchor="ctr"/>
+          <a:lstStyle/>
+          <a:p>
+            <a:pPr algn="ctr"/>
+            <a:endParaRPr lang="ko-KR" altLang="en-US"/>
+          </a:p>
+        </p:txBody>
+      </p:sp>
+      <p:cxnSp>
+        <p:nvCxnSpPr>
+          <p:cNvPr id="29" name="직선 연결선 28">
+            <a:extLst>
+              <a:ext uri="{FF2B5EF4-FFF2-40B4-BE49-F238E27FC236}">
+                <a16:creationId xmlns:a16="http://schemas.microsoft.com/office/drawing/2014/main" id="{68414050-ACD7-9E1A-3FA7-205F1141C35D}"/>
+              </a:ext>
+            </a:extLst>
+          </p:cNvPr>
+          <p:cNvCxnSpPr>
+            <a:cxnSpLocks/>
+          </p:cNvCxnSpPr>
+          <p:nvPr/>
+        </p:nvCxnSpPr>
+        <p:spPr>
+          <a:xfrm>
+            <a:off x="7695009" y="4055470"/>
+            <a:ext cx="399446" cy="0"/>
+          </a:xfrm>
+          <a:prstGeom prst="line">
+            <a:avLst/>
+          </a:prstGeom>
+          <a:ln w="38100">
+            <a:solidFill>
+              <a:schemeClr val="tx1">
+                <a:lumMod val="50000"/>
+                <a:lumOff val="50000"/>
+              </a:schemeClr>
+            </a:solidFill>
+          </a:ln>
+        </p:spPr>
+        <p:style>
+          <a:lnRef idx="1">
+            <a:schemeClr val="accent1"/>
+          </a:lnRef>
+          <a:fillRef idx="0">
+            <a:schemeClr val="accent1"/>
+          </a:fillRef>
+          <a:effectRef idx="0">
+            <a:schemeClr val="accent1"/>
+          </a:effectRef>
+          <a:fontRef idx="minor">
+            <a:schemeClr val="tx1"/>
+          </a:fontRef>
+        </p:style>
+      </p:cxnSp>
+      <p:sp>
+        <p:nvSpPr>
+          <p:cNvPr id="30" name="TextBox 29">
+            <a:extLst>
+              <a:ext uri="{FF2B5EF4-FFF2-40B4-BE49-F238E27FC236}">
+                <a16:creationId xmlns:a16="http://schemas.microsoft.com/office/drawing/2014/main" id="{20F259DA-C167-74D7-D412-0170DEC5FF90}"/>
+              </a:ext>
+            </a:extLst>
+          </p:cNvPr>
+          <p:cNvSpPr txBox="1"/>
+          <p:nvPr/>
+        </p:nvSpPr>
+        <p:spPr>
+          <a:xfrm>
+            <a:off x="7036359" y="4055470"/>
+            <a:ext cx="1716745" cy="461665"/>
+          </a:xfrm>
+          <a:prstGeom prst="rect">
+            <a:avLst/>
+          </a:prstGeom>
+          <a:noFill/>
+        </p:spPr>
+        <p:txBody>
+          <a:bodyPr wrap="square" rtlCol="0">
+            <a:spAutoFit/>
+          </a:bodyPr>
+          <a:lstStyle/>
+          <a:p>
+            <a:pPr algn="ctr"/>
+            <a:r>
+              <a:rPr lang="en-US" altLang="ko-KR" sz="2400" spc="-300" dirty="0">
+                <a:solidFill>
+                  <a:schemeClr val="accent1"/>
+                </a:solidFill>
+                <a:latin typeface="+mj-ea"/>
+                <a:ea typeface="+mj-ea"/>
+              </a:rPr>
+              <a:t>Po</a:t>
+            </a:r>
+            <a:r>
+              <a:rPr lang="en-US" altLang="ko-KR" sz="2400" spc="-300" dirty="0">
+                <a:solidFill>
+                  <a:schemeClr val="tx1">
+                    <a:lumMod val="75000"/>
+                    <a:lumOff val="25000"/>
+                  </a:schemeClr>
+                </a:solidFill>
+                <a:latin typeface="+mj-ea"/>
+                <a:ea typeface="+mj-ea"/>
+              </a:rPr>
+              <a:t>wer</a:t>
+            </a:r>
+            <a:endParaRPr lang="ko-KR" altLang="en-US" sz="2400" spc="-300" dirty="0">
+              <a:solidFill>
+                <a:schemeClr val="tx1">
+                  <a:lumMod val="75000"/>
+                  <a:lumOff val="25000"/>
+                </a:schemeClr>
+              </a:solidFill>
+              <a:latin typeface="+mj-ea"/>
+              <a:ea typeface="+mj-ea"/>
+            </a:endParaRPr>
+          </a:p>
+        </p:txBody>
+      </p:sp>
+      <p:pic>
+        <p:nvPicPr>
+          <p:cNvPr id="40" name="그림 39" descr="실내, 무기이(가) 표시된 사진&#10;&#10;자동 생성된 설명">
+            <a:extLst>
+              <a:ext uri="{FF2B5EF4-FFF2-40B4-BE49-F238E27FC236}">
+                <a16:creationId xmlns:a16="http://schemas.microsoft.com/office/drawing/2014/main" id="{E7D35EEA-EDCE-4442-2F31-81AFB7E0359C}"/>
+              </a:ext>
+            </a:extLst>
+          </p:cNvPr>
+          <p:cNvPicPr>
+            <a:picLocks noChangeAspect="1"/>
+          </p:cNvPicPr>
+          <p:nvPr/>
+        </p:nvPicPr>
+        <p:blipFill>
+          <a:blip r:embed="rId2" cstate="screen">
+            <a:extLst>
+              <a:ext uri="{28A0092B-C50C-407E-A947-70E740481C1C}">
+                <a14:useLocalDpi xmlns:a14="http://schemas.microsoft.com/office/drawing/2010/main" val="0"/>
+              </a:ext>
+            </a:extLst>
+          </a:blip>
+          <a:stretch>
+            <a:fillRect/>
+          </a:stretch>
+        </p:blipFill>
+        <p:spPr>
+          <a:xfrm>
+            <a:off x="1038178" y="1903378"/>
+            <a:ext cx="769536" cy="1783924"/>
+          </a:xfrm>
+          <a:prstGeom prst="rect">
+            <a:avLst/>
+          </a:prstGeom>
+        </p:spPr>
+      </p:pic>
+      <p:pic>
+        <p:nvPicPr>
+          <p:cNvPr id="42" name="그림 41" descr="실내이(가) 표시된 사진&#10;&#10;자동 생성된 설명">
+            <a:extLst>
+              <a:ext uri="{FF2B5EF4-FFF2-40B4-BE49-F238E27FC236}">
+                <a16:creationId xmlns:a16="http://schemas.microsoft.com/office/drawing/2014/main" id="{3E3E5B12-57F9-F33E-B510-A2D473A727B4}"/>
+              </a:ext>
+            </a:extLst>
+          </p:cNvPr>
+          <p:cNvPicPr>
+            <a:picLocks noChangeAspect="1"/>
+          </p:cNvPicPr>
+          <p:nvPr/>
+        </p:nvPicPr>
+        <p:blipFill>
+          <a:blip r:embed="rId3" cstate="screen">
+            <a:extLst>
+              <a:ext uri="{28A0092B-C50C-407E-A947-70E740481C1C}">
+                <a14:useLocalDpi xmlns:a14="http://schemas.microsoft.com/office/drawing/2010/main" val="0"/>
+              </a:ext>
+            </a:extLst>
+          </a:blip>
+          <a:stretch>
+            <a:fillRect/>
+          </a:stretch>
+        </p:blipFill>
+        <p:spPr>
+          <a:xfrm>
+            <a:off x="4251850" y="1938695"/>
+            <a:ext cx="717997" cy="1713289"/>
+          </a:xfrm>
+          <a:prstGeom prst="rect">
+            <a:avLst/>
+          </a:prstGeom>
+        </p:spPr>
+      </p:pic>
+      <p:pic>
+        <p:nvPicPr>
+          <p:cNvPr id="44" name="그림 43" descr="텍스트, 실내, 무기이(가) 표시된 사진&#10;&#10;자동 생성된 설명">
+            <a:extLst>
+              <a:ext uri="{FF2B5EF4-FFF2-40B4-BE49-F238E27FC236}">
+                <a16:creationId xmlns:a16="http://schemas.microsoft.com/office/drawing/2014/main" id="{80052E3C-34D4-68C1-FAAD-E43D4C693B97}"/>
+              </a:ext>
+            </a:extLst>
+          </p:cNvPr>
+          <p:cNvPicPr>
+            <a:picLocks noChangeAspect="1"/>
+          </p:cNvPicPr>
+          <p:nvPr/>
+        </p:nvPicPr>
+        <p:blipFill>
+          <a:blip r:embed="rId4" cstate="screen">
+            <a:extLst>
+              <a:ext uri="{28A0092B-C50C-407E-A947-70E740481C1C}">
+                <a14:useLocalDpi xmlns:a14="http://schemas.microsoft.com/office/drawing/2010/main" val="0"/>
+              </a:ext>
+            </a:extLst>
+          </a:blip>
+          <a:stretch>
+            <a:fillRect/>
+          </a:stretch>
+        </p:blipFill>
+        <p:spPr>
+          <a:xfrm>
+            <a:off x="7539979" y="1950125"/>
+            <a:ext cx="709504" cy="1690428"/>
+          </a:xfrm>
+          <a:prstGeom prst="rect">
+            <a:avLst/>
+          </a:prstGeom>
+        </p:spPr>
+      </p:pic>
+      <p:pic>
+        <p:nvPicPr>
+          <p:cNvPr id="46" name="그림 45" descr="실내이(가) 표시된 사진&#10;&#10;자동 생성된 설명">
+            <a:extLst>
+              <a:ext uri="{FF2B5EF4-FFF2-40B4-BE49-F238E27FC236}">
+                <a16:creationId xmlns:a16="http://schemas.microsoft.com/office/drawing/2014/main" id="{CD27AE11-04AD-D1FF-C046-38980A70FE0E}"/>
+              </a:ext>
+            </a:extLst>
+          </p:cNvPr>
+          <p:cNvPicPr>
+            <a:picLocks noChangeAspect="1"/>
+          </p:cNvPicPr>
+          <p:nvPr/>
+        </p:nvPicPr>
+        <p:blipFill>
+          <a:blip r:embed="rId5" cstate="screen">
+            <a:extLst>
+              <a:ext uri="{28A0092B-C50C-407E-A947-70E740481C1C}">
+                <a14:useLocalDpi xmlns:a14="http://schemas.microsoft.com/office/drawing/2010/main" val="0"/>
+              </a:ext>
+            </a:extLst>
+          </a:blip>
+          <a:stretch>
+            <a:fillRect/>
+          </a:stretch>
+        </p:blipFill>
+        <p:spPr>
+          <a:xfrm>
+            <a:off x="10428698" y="1903378"/>
+            <a:ext cx="797610" cy="1748607"/>
+          </a:xfrm>
+          <a:prstGeom prst="rect">
+            <a:avLst/>
+          </a:prstGeom>
+        </p:spPr>
+      </p:pic>
+    </p:spTree>
+    <p:extLst>
+      <p:ext uri="{BB962C8B-B14F-4D97-AF65-F5344CB8AC3E}">
+        <p14:creationId xmlns:p14="http://schemas.microsoft.com/office/powerpoint/2010/main" val="3622187086"/>
+      </p:ext>
+    </p:extLst>
+  </p:cSld>
+  <p:clrMapOvr>
+    <a:masterClrMapping/>
+  </p:clrMapOvr>
+  <mc:AlternateContent xmlns:mc="http://schemas.openxmlformats.org/markup-compatibility/2006" xmlns:p159="http://schemas.microsoft.com/office/powerpoint/2015/09/main">
+    <mc:Choice Requires="p159">
+      <p:transition xmlns:p14="http://schemas.microsoft.com/office/powerpoint/2010/main" spd="slow" p14:dur="2000">
+        <p159:morph option="byObject"/>
+      </p:transition>
+    </mc:Choice>
+    <mc:Fallback xmlns="">
+      <p:transition spd="slow">
+        <p:fade/>
+      </p:transition>
+    </mc:Fallback>
+  </mc:AlternateContent>
+</p:sld>
+</file>
+
+<file path=ppt/slides/slide13.xml><?xml version="1.0" encoding="utf-8"?>
+<p:sld xmlns:a="http://schemas.openxmlformats.org/drawingml/2006/main" xmlns:r="http://schemas.openxmlformats.org/officeDocument/2006/relationships" xmlns:p="http://schemas.openxmlformats.org/presentationml/2006/main">
+  <p:cSld>
+    <p:spTree>
+      <p:nvGrpSpPr>
+        <p:cNvPr id="1" name=""/>
+        <p:cNvGrpSpPr/>
+        <p:nvPr/>
+      </p:nvGrpSpPr>
+      <p:grpSpPr>
+        <a:xfrm>
+          <a:off x="0" y="0"/>
+          <a:ext cx="0" cy="0"/>
+          <a:chOff x="0" y="0"/>
+          <a:chExt cx="0" cy="0"/>
+        </a:xfrm>
+      </p:grpSpPr>
+      <p:sp>
+        <p:nvSpPr>
+          <p:cNvPr id="2" name="직사각형 1">
+            <a:extLst>
+              <a:ext uri="{FF2B5EF4-FFF2-40B4-BE49-F238E27FC236}">
+                <a16:creationId xmlns:a16="http://schemas.microsoft.com/office/drawing/2014/main" id="{35793BFC-7410-4CA5-9F33-BBE620E91B97}"/>
+              </a:ext>
+            </a:extLst>
+          </p:cNvPr>
+          <p:cNvSpPr/>
+          <p:nvPr/>
+        </p:nvSpPr>
+        <p:spPr>
+          <a:xfrm>
+            <a:off x="-2" y="-2"/>
+            <a:ext cx="6176891" cy="151022"/>
+          </a:xfrm>
+          <a:prstGeom prst="rect">
+            <a:avLst/>
+          </a:prstGeom>
+          <a:ln>
+            <a:noFill/>
+          </a:ln>
+        </p:spPr>
+        <p:style>
+          <a:lnRef idx="2">
+            <a:schemeClr val="accent1">
+              <a:shade val="50000"/>
+            </a:schemeClr>
+          </a:lnRef>
+          <a:fillRef idx="1">
+            <a:schemeClr val="accent1"/>
+          </a:fillRef>
+          <a:effectRef idx="0">
+            <a:schemeClr val="accent1"/>
+          </a:effectRef>
+          <a:fontRef idx="minor">
+            <a:schemeClr val="lt1"/>
+          </a:fontRef>
+        </p:style>
+        <p:txBody>
+          <a:bodyPr rtlCol="0" anchor="ctr"/>
+          <a:lstStyle/>
+          <a:p>
+            <a:pPr algn="ctr"/>
+            <a:endParaRPr lang="ko-KR" altLang="en-US"/>
+          </a:p>
+        </p:txBody>
+      </p:sp>
+      <p:sp>
+        <p:nvSpPr>
+          <p:cNvPr id="5" name="직사각형 4">
+            <a:extLst>
+              <a:ext uri="{FF2B5EF4-FFF2-40B4-BE49-F238E27FC236}">
+                <a16:creationId xmlns:a16="http://schemas.microsoft.com/office/drawing/2014/main" id="{F13425E8-514E-4A6A-80B1-6C04D22E0E7B}"/>
+              </a:ext>
+            </a:extLst>
+          </p:cNvPr>
+          <p:cNvSpPr/>
+          <p:nvPr/>
+        </p:nvSpPr>
+        <p:spPr>
+          <a:xfrm>
+            <a:off x="6176890" y="-1"/>
+            <a:ext cx="3576710" cy="149682"/>
           </a:xfrm>
           <a:prstGeom prst="rect">
             <a:avLst/>
@@ -13483,7 +16093,7 @@
 </p:sld>
 </file>
 
-<file path=ppt/slides/slide11.xml><?xml version="1.0" encoding="utf-8"?>
+<file path=ppt/slides/slide14.xml><?xml version="1.0" encoding="utf-8"?>
 <p:sld xmlns:a="http://schemas.openxmlformats.org/drawingml/2006/main" xmlns:r="http://schemas.openxmlformats.org/officeDocument/2006/relationships" xmlns:p="http://schemas.openxmlformats.org/presentationml/2006/main">
   <p:cSld>
     <p:spTree>
@@ -13515,7 +16125,7 @@
         <p:spPr>
           <a:xfrm>
             <a:off x="0" y="-2"/>
-            <a:ext cx="2438400" cy="160423"/>
+            <a:ext cx="6814936" cy="154454"/>
           </a:xfrm>
           <a:prstGeom prst="rect">
             <a:avLst/>
@@ -13551,10 +16161,10 @@
       </p:sp>
       <p:sp>
         <p:nvSpPr>
-          <p:cNvPr id="3" name="직사각형 2">
+          <p:cNvPr id="5" name="직사각형 4">
             <a:extLst>
               <a:ext uri="{FF2B5EF4-FFF2-40B4-BE49-F238E27FC236}">
-                <a16:creationId xmlns:a16="http://schemas.microsoft.com/office/drawing/2014/main" id="{5911BEAA-E3C2-4AE3-963F-87E3CAF3FB81}"/>
+                <a16:creationId xmlns:a16="http://schemas.microsoft.com/office/drawing/2014/main" id="{F13425E8-514E-4A6A-80B1-6C04D22E0E7B}"/>
               </a:ext>
             </a:extLst>
           </p:cNvPr>
@@ -13563,60 +16173,8 @@
         </p:nvSpPr>
         <p:spPr>
           <a:xfrm>
-            <a:off x="2438400" y="-2"/>
-            <a:ext cx="3040538" cy="163634"/>
-          </a:xfrm>
-          <a:prstGeom prst="rect">
-            <a:avLst/>
-          </a:prstGeom>
-          <a:solidFill>
-            <a:schemeClr val="accent1"/>
-          </a:solidFill>
-          <a:ln>
-            <a:noFill/>
-          </a:ln>
-        </p:spPr>
-        <p:style>
-          <a:lnRef idx="2">
-            <a:schemeClr val="accent1">
-              <a:shade val="50000"/>
-            </a:schemeClr>
-          </a:lnRef>
-          <a:fillRef idx="1">
-            <a:schemeClr val="accent1"/>
-          </a:fillRef>
-          <a:effectRef idx="0">
-            <a:schemeClr val="accent1"/>
-          </a:effectRef>
-          <a:fontRef idx="minor">
-            <a:schemeClr val="lt1"/>
-          </a:fontRef>
-        </p:style>
-        <p:txBody>
-          <a:bodyPr rtlCol="0" anchor="ctr"/>
-          <a:lstStyle/>
-          <a:p>
-            <a:pPr algn="ctr"/>
-            <a:endParaRPr lang="ko-KR" altLang="en-US"/>
-          </a:p>
-        </p:txBody>
-      </p:sp>
-      <p:sp>
-        <p:nvSpPr>
-          <p:cNvPr id="5" name="직사각형 4">
-            <a:extLst>
-              <a:ext uri="{FF2B5EF4-FFF2-40B4-BE49-F238E27FC236}">
-                <a16:creationId xmlns:a16="http://schemas.microsoft.com/office/drawing/2014/main" id="{F13425E8-514E-4A6A-80B1-6C04D22E0E7B}"/>
-              </a:ext>
-            </a:extLst>
-          </p:cNvPr>
-          <p:cNvSpPr/>
-          <p:nvPr/>
-        </p:nvSpPr>
-        <p:spPr>
-          <a:xfrm>
-            <a:off x="5478938" y="-2"/>
-            <a:ext cx="4274661" cy="160422"/>
+            <a:off x="6814937" y="-3"/>
+            <a:ext cx="2938662" cy="161900"/>
           </a:xfrm>
           <a:prstGeom prst="rect">
             <a:avLst/>
@@ -21203,7 +23761,7 @@
 </p:sld>
 </file>
 
-<file path=ppt/slides/slide12.xml><?xml version="1.0" encoding="utf-8"?>
+<file path=ppt/slides/slide15.xml><?xml version="1.0" encoding="utf-8"?>
 <p:sld xmlns:a="http://schemas.openxmlformats.org/drawingml/2006/main" xmlns:r="http://schemas.openxmlformats.org/officeDocument/2006/relationships" xmlns:p="http://schemas.openxmlformats.org/presentationml/2006/main">
   <p:cSld>
     <p:spTree>
@@ -21234,8 +23792,8 @@
         </p:nvSpPr>
         <p:spPr>
           <a:xfrm>
-            <a:off x="0" y="-2"/>
-            <a:ext cx="2438400" cy="160423"/>
+            <a:off x="-1" y="-1"/>
+            <a:ext cx="7528264" cy="160356"/>
           </a:xfrm>
           <a:prstGeom prst="rect">
             <a:avLst/>
@@ -21271,10 +23829,10 @@
       </p:sp>
       <p:sp>
         <p:nvSpPr>
-          <p:cNvPr id="3" name="직사각형 2">
+          <p:cNvPr id="5" name="직사각형 4">
             <a:extLst>
               <a:ext uri="{FF2B5EF4-FFF2-40B4-BE49-F238E27FC236}">
-                <a16:creationId xmlns:a16="http://schemas.microsoft.com/office/drawing/2014/main" id="{5911BEAA-E3C2-4AE3-963F-87E3CAF3FB81}"/>
+                <a16:creationId xmlns:a16="http://schemas.microsoft.com/office/drawing/2014/main" id="{F13425E8-514E-4A6A-80B1-6C04D22E0E7B}"/>
               </a:ext>
             </a:extLst>
           </p:cNvPr>
@@ -21283,60 +23841,8 @@
         </p:nvSpPr>
         <p:spPr>
           <a:xfrm>
-            <a:off x="2438399" y="-1"/>
-            <a:ext cx="3895725" cy="160422"/>
-          </a:xfrm>
-          <a:prstGeom prst="rect">
-            <a:avLst/>
-          </a:prstGeom>
-          <a:solidFill>
-            <a:schemeClr val="accent1"/>
-          </a:solidFill>
-          <a:ln>
-            <a:noFill/>
-          </a:ln>
-        </p:spPr>
-        <p:style>
-          <a:lnRef idx="2">
-            <a:schemeClr val="accent1">
-              <a:shade val="50000"/>
-            </a:schemeClr>
-          </a:lnRef>
-          <a:fillRef idx="1">
-            <a:schemeClr val="accent1"/>
-          </a:fillRef>
-          <a:effectRef idx="0">
-            <a:schemeClr val="accent1"/>
-          </a:effectRef>
-          <a:fontRef idx="minor">
-            <a:schemeClr val="lt1"/>
-          </a:fontRef>
-        </p:style>
-        <p:txBody>
-          <a:bodyPr rtlCol="0" anchor="ctr"/>
-          <a:lstStyle/>
-          <a:p>
-            <a:pPr algn="ctr"/>
-            <a:endParaRPr lang="ko-KR" altLang="en-US"/>
-          </a:p>
-        </p:txBody>
-      </p:sp>
-      <p:sp>
-        <p:nvSpPr>
-          <p:cNvPr id="5" name="직사각형 4">
-            <a:extLst>
-              <a:ext uri="{FF2B5EF4-FFF2-40B4-BE49-F238E27FC236}">
-                <a16:creationId xmlns:a16="http://schemas.microsoft.com/office/drawing/2014/main" id="{F13425E8-514E-4A6A-80B1-6C04D22E0E7B}"/>
-              </a:ext>
-            </a:extLst>
-          </p:cNvPr>
-          <p:cNvSpPr/>
-          <p:nvPr/>
-        </p:nvSpPr>
-        <p:spPr>
-          <a:xfrm>
-            <a:off x="6334124" y="-2"/>
-            <a:ext cx="3419476" cy="160422"/>
+            <a:off x="7528264" y="-2"/>
+            <a:ext cx="2225335" cy="160381"/>
           </a:xfrm>
           <a:prstGeom prst="rect">
             <a:avLst/>
@@ -22926,7 +25432,7 @@
 </p:sld>
 </file>
 
-<file path=ppt/slides/slide13.xml><?xml version="1.0" encoding="utf-8"?>
+<file path=ppt/slides/slide16.xml><?xml version="1.0" encoding="utf-8"?>
 <p:sld xmlns:a="http://schemas.openxmlformats.org/drawingml/2006/main" xmlns:r="http://schemas.openxmlformats.org/officeDocument/2006/relationships" xmlns:p="http://schemas.openxmlformats.org/presentationml/2006/main">
   <p:cSld>
     <p:spTree>
@@ -23126,12 +25632,12 @@
             <a:p>
               <a:pPr algn="ctr"/>
               <a:r>
-                <a:rPr lang="ko-KR" altLang="en-US" sz="4000" spc="-300">
+                <a:rPr lang="ko-KR" altLang="en-US" sz="4000" spc="-300" dirty="0">
                   <a:solidFill>
                     <a:schemeClr val="bg1"/>
                   </a:solidFill>
                 </a:rPr>
-                <a:t>비즈니스 모델</a:t>
+                <a:t>비즈니스 전략</a:t>
               </a:r>
             </a:p>
           </p:txBody>
@@ -23162,7 +25668,7 @@
 </p:sld>
 </file>
 
-<file path=ppt/slides/slide14.xml><?xml version="1.0" encoding="utf-8"?>
+<file path=ppt/slides/slide17.xml><?xml version="1.0" encoding="utf-8"?>
 <p:sld xmlns:a="http://schemas.openxmlformats.org/drawingml/2006/main" xmlns:r="http://schemas.openxmlformats.org/officeDocument/2006/relationships" xmlns:p="http://schemas.openxmlformats.org/presentationml/2006/main">
   <p:cSld>
     <p:spTree>
@@ -23193,8 +25699,8 @@
         </p:nvSpPr>
         <p:spPr>
           <a:xfrm>
-            <a:off x="0" y="-2"/>
-            <a:ext cx="7315200" cy="160421"/>
+            <a:off x="0" y="-1"/>
+            <a:ext cx="8007658" cy="147448"/>
           </a:xfrm>
           <a:prstGeom prst="rect">
             <a:avLst/>
@@ -23242,8 +25748,8 @@
         </p:nvSpPr>
         <p:spPr>
           <a:xfrm>
-            <a:off x="7315200" y="-3"/>
-            <a:ext cx="2438400" cy="160423"/>
+            <a:off x="8007658" y="-2"/>
+            <a:ext cx="1745942" cy="160420"/>
           </a:xfrm>
           <a:prstGeom prst="rect">
             <a:avLst/>
@@ -24236,7 +26742,7 @@
 </p:sld>
 </file>
 
-<file path=ppt/slides/slide15.xml><?xml version="1.0" encoding="utf-8"?>
+<file path=ppt/slides/slide18.xml><?xml version="1.0" encoding="utf-8"?>
 <p:sld xmlns:a="http://schemas.openxmlformats.org/drawingml/2006/main" xmlns:r="http://schemas.openxmlformats.org/officeDocument/2006/relationships" xmlns:p="http://schemas.openxmlformats.org/presentationml/2006/main">
   <p:cSld>
     <p:spTree>
@@ -26070,7 +28576,7 @@
 </p:sld>
 </file>
 
-<file path=ppt/slides/slide16.xml><?xml version="1.0" encoding="utf-8"?>
+<file path=ppt/slides/slide19.xml><?xml version="1.0" encoding="utf-8"?>
 <p:sld xmlns:a="http://schemas.openxmlformats.org/drawingml/2006/main" xmlns:r="http://schemas.openxmlformats.org/officeDocument/2006/relationships" xmlns:p="http://schemas.openxmlformats.org/presentationml/2006/main">
   <p:cSld>
     <p:spTree>
@@ -26306,7 +28812,643 @@
 </p:sld>
 </file>
 
-<file path=ppt/slides/slide17.xml><?xml version="1.0" encoding="utf-8"?>
+<file path=ppt/slides/slide2.xml><?xml version="1.0" encoding="utf-8"?>
+<p:sld xmlns:a="http://schemas.openxmlformats.org/drawingml/2006/main" xmlns:r="http://schemas.openxmlformats.org/officeDocument/2006/relationships" xmlns:p="http://schemas.openxmlformats.org/presentationml/2006/main">
+  <p:cSld>
+    <p:bg>
+      <p:bgPr>
+        <a:solidFill>
+          <a:schemeClr val="accent1"/>
+        </a:solidFill>
+        <a:effectLst/>
+      </p:bgPr>
+    </p:bg>
+    <p:spTree>
+      <p:nvGrpSpPr>
+        <p:cNvPr id="1" name=""/>
+        <p:cNvGrpSpPr/>
+        <p:nvPr/>
+      </p:nvGrpSpPr>
+      <p:grpSpPr>
+        <a:xfrm>
+          <a:off x="0" y="0"/>
+          <a:ext cx="0" cy="0"/>
+          <a:chOff x="0" y="0"/>
+          <a:chExt cx="0" cy="0"/>
+        </a:xfrm>
+      </p:grpSpPr>
+      <p:pic>
+        <p:nvPicPr>
+          <p:cNvPr id="3" name="그림 2">
+            <a:extLst>
+              <a:ext uri="{FF2B5EF4-FFF2-40B4-BE49-F238E27FC236}">
+                <a16:creationId xmlns:a16="http://schemas.microsoft.com/office/drawing/2014/main" id="{F97DE0FD-DDA9-4D1F-BF06-8014D8845C7B}"/>
+              </a:ext>
+            </a:extLst>
+          </p:cNvPr>
+          <p:cNvPicPr>
+            <a:picLocks noChangeAspect="1"/>
+          </p:cNvPicPr>
+          <p:nvPr/>
+        </p:nvPicPr>
+        <p:blipFill rotWithShape="1">
+          <a:blip r:embed="rId2" cstate="screen">
+            <a:extLst>
+              <a:ext uri="{28A0092B-C50C-407E-A947-70E740481C1C}">
+                <a14:useLocalDpi xmlns:a14="http://schemas.microsoft.com/office/drawing/2010/main" val="0"/>
+              </a:ext>
+            </a:extLst>
+          </a:blip>
+          <a:srcRect/>
+          <a:stretch/>
+        </p:blipFill>
+        <p:spPr>
+          <a:xfrm>
+            <a:off x="6096000" y="-1"/>
+            <a:ext cx="6096000" cy="6858001"/>
+          </a:xfrm>
+          <a:prstGeom prst="rect">
+            <a:avLst/>
+          </a:prstGeom>
+        </p:spPr>
+      </p:pic>
+      <p:cxnSp>
+        <p:nvCxnSpPr>
+          <p:cNvPr id="5" name="직선 연결선 4">
+            <a:extLst>
+              <a:ext uri="{FF2B5EF4-FFF2-40B4-BE49-F238E27FC236}">
+                <a16:creationId xmlns:a16="http://schemas.microsoft.com/office/drawing/2014/main" id="{E56C74D8-F170-447D-B69F-E6349C6CB9ED}"/>
+              </a:ext>
+            </a:extLst>
+          </p:cNvPr>
+          <p:cNvCxnSpPr/>
+          <p:nvPr/>
+        </p:nvCxnSpPr>
+        <p:spPr>
+          <a:xfrm>
+            <a:off x="802105" y="1540042"/>
+            <a:ext cx="5293895" cy="0"/>
+          </a:xfrm>
+          <a:prstGeom prst="line">
+            <a:avLst/>
+          </a:prstGeom>
+          <a:ln>
+            <a:solidFill>
+              <a:schemeClr val="bg1"/>
+            </a:solidFill>
+          </a:ln>
+        </p:spPr>
+        <p:style>
+          <a:lnRef idx="1">
+            <a:schemeClr val="accent1"/>
+          </a:lnRef>
+          <a:fillRef idx="0">
+            <a:schemeClr val="accent1"/>
+          </a:fillRef>
+          <a:effectRef idx="0">
+            <a:schemeClr val="accent1"/>
+          </a:effectRef>
+          <a:fontRef idx="minor">
+            <a:schemeClr val="tx1"/>
+          </a:fontRef>
+        </p:style>
+      </p:cxnSp>
+      <p:sp>
+        <p:nvSpPr>
+          <p:cNvPr id="6" name="TextBox 5">
+            <a:extLst>
+              <a:ext uri="{FF2B5EF4-FFF2-40B4-BE49-F238E27FC236}">
+                <a16:creationId xmlns:a16="http://schemas.microsoft.com/office/drawing/2014/main" id="{485EA883-ADF8-4384-854B-A47AF521B082}"/>
+              </a:ext>
+            </a:extLst>
+          </p:cNvPr>
+          <p:cNvSpPr txBox="1"/>
+          <p:nvPr/>
+        </p:nvSpPr>
+        <p:spPr>
+          <a:xfrm>
+            <a:off x="802105" y="611196"/>
+            <a:ext cx="1040670" cy="707886"/>
+          </a:xfrm>
+          <a:prstGeom prst="rect">
+            <a:avLst/>
+          </a:prstGeom>
+          <a:noFill/>
+        </p:spPr>
+        <p:txBody>
+          <a:bodyPr wrap="none" rtlCol="0">
+            <a:spAutoFit/>
+          </a:bodyPr>
+          <a:lstStyle/>
+          <a:p>
+            <a:r>
+              <a:rPr lang="ko-KR" altLang="en-US" sz="4000" spc="-300">
+                <a:solidFill>
+                  <a:schemeClr val="bg1"/>
+                </a:solidFill>
+                <a:latin typeface="+mn-ea"/>
+              </a:rPr>
+              <a:t>목차</a:t>
+            </a:r>
+          </a:p>
+        </p:txBody>
+      </p:sp>
+      <p:sp>
+        <p:nvSpPr>
+          <p:cNvPr id="7" name="TextBox 6">
+            <a:extLst>
+              <a:ext uri="{FF2B5EF4-FFF2-40B4-BE49-F238E27FC236}">
+                <a16:creationId xmlns:a16="http://schemas.microsoft.com/office/drawing/2014/main" id="{5286C152-90B0-48E4-9A04-F12E2640CB0A}"/>
+              </a:ext>
+            </a:extLst>
+          </p:cNvPr>
+          <p:cNvSpPr txBox="1"/>
+          <p:nvPr/>
+        </p:nvSpPr>
+        <p:spPr>
+          <a:xfrm>
+            <a:off x="1965157" y="949750"/>
+            <a:ext cx="2712602" cy="369332"/>
+          </a:xfrm>
+          <a:prstGeom prst="rect">
+            <a:avLst/>
+          </a:prstGeom>
+          <a:noFill/>
+        </p:spPr>
+        <p:txBody>
+          <a:bodyPr wrap="none" rtlCol="0">
+            <a:spAutoFit/>
+          </a:bodyPr>
+          <a:lstStyle/>
+          <a:p>
+            <a:r>
+              <a:rPr lang="en-US" altLang="ko-KR">
+                <a:solidFill>
+                  <a:schemeClr val="bg1"/>
+                </a:solidFill>
+                <a:latin typeface="+mj-lt"/>
+              </a:rPr>
+              <a:t>A table of contents.</a:t>
+            </a:r>
+            <a:endParaRPr lang="ko-KR" altLang="en-US">
+              <a:solidFill>
+                <a:schemeClr val="bg1"/>
+              </a:solidFill>
+              <a:latin typeface="+mj-lt"/>
+            </a:endParaRPr>
+          </a:p>
+        </p:txBody>
+      </p:sp>
+      <p:grpSp>
+        <p:nvGrpSpPr>
+          <p:cNvPr id="10" name="그룹 9">
+            <a:extLst>
+              <a:ext uri="{FF2B5EF4-FFF2-40B4-BE49-F238E27FC236}">
+                <a16:creationId xmlns:a16="http://schemas.microsoft.com/office/drawing/2014/main" id="{4748C335-F1F7-4CC2-B38D-93AB9F2985A2}"/>
+              </a:ext>
+            </a:extLst>
+          </p:cNvPr>
+          <p:cNvGrpSpPr/>
+          <p:nvPr/>
+        </p:nvGrpSpPr>
+        <p:grpSpPr>
+          <a:xfrm>
+            <a:off x="802105" y="2388685"/>
+            <a:ext cx="2320095" cy="523220"/>
+            <a:chOff x="802105" y="2134906"/>
+            <a:chExt cx="2320095" cy="523220"/>
+          </a:xfrm>
+        </p:grpSpPr>
+        <p:sp>
+          <p:nvSpPr>
+            <p:cNvPr id="8" name="TextBox 7">
+              <a:extLst>
+                <a:ext uri="{FF2B5EF4-FFF2-40B4-BE49-F238E27FC236}">
+                  <a16:creationId xmlns:a16="http://schemas.microsoft.com/office/drawing/2014/main" id="{A5E9E67C-6263-4256-9F68-9B9A9852E74C}"/>
+                </a:ext>
+              </a:extLst>
+            </p:cNvPr>
+            <p:cNvSpPr txBox="1"/>
+            <p:nvPr/>
+          </p:nvSpPr>
+          <p:spPr>
+            <a:xfrm>
+              <a:off x="802105" y="2134906"/>
+              <a:ext cx="684803" cy="523220"/>
+            </a:xfrm>
+            <a:prstGeom prst="rect">
+              <a:avLst/>
+            </a:prstGeom>
+            <a:noFill/>
+          </p:spPr>
+          <p:txBody>
+            <a:bodyPr wrap="none" rtlCol="0">
+              <a:spAutoFit/>
+            </a:bodyPr>
+            <a:lstStyle/>
+            <a:p>
+              <a:r>
+                <a:rPr lang="en-US" altLang="ko-KR" sz="2800" spc="300">
+                  <a:solidFill>
+                    <a:schemeClr val="bg1"/>
+                  </a:solidFill>
+                  <a:latin typeface="+mj-lt"/>
+                </a:rPr>
+                <a:t>01</a:t>
+              </a:r>
+              <a:endParaRPr lang="ko-KR" altLang="en-US" sz="2800" spc="300">
+                <a:solidFill>
+                  <a:schemeClr val="bg1"/>
+                </a:solidFill>
+                <a:latin typeface="+mj-lt"/>
+              </a:endParaRPr>
+            </a:p>
+          </p:txBody>
+        </p:sp>
+        <p:sp>
+          <p:nvSpPr>
+            <p:cNvPr id="9" name="TextBox 8">
+              <a:extLst>
+                <a:ext uri="{FF2B5EF4-FFF2-40B4-BE49-F238E27FC236}">
+                  <a16:creationId xmlns:a16="http://schemas.microsoft.com/office/drawing/2014/main" id="{451A3D00-9373-4B0F-ADE9-2AF322B5B58E}"/>
+                </a:ext>
+              </a:extLst>
+            </p:cNvPr>
+            <p:cNvSpPr txBox="1"/>
+            <p:nvPr/>
+          </p:nvSpPr>
+          <p:spPr>
+            <a:xfrm>
+              <a:off x="1611850" y="2134906"/>
+              <a:ext cx="1510350" cy="523220"/>
+            </a:xfrm>
+            <a:prstGeom prst="rect">
+              <a:avLst/>
+            </a:prstGeom>
+            <a:noFill/>
+          </p:spPr>
+          <p:txBody>
+            <a:bodyPr wrap="none" rtlCol="0">
+              <a:spAutoFit/>
+            </a:bodyPr>
+            <a:lstStyle/>
+            <a:p>
+              <a:r>
+                <a:rPr lang="ko-KR" altLang="en-US" sz="2800" spc="-300">
+                  <a:solidFill>
+                    <a:schemeClr val="bg1"/>
+                  </a:solidFill>
+                </a:rPr>
+                <a:t>개발 동기</a:t>
+              </a:r>
+            </a:p>
+          </p:txBody>
+        </p:sp>
+      </p:grpSp>
+      <p:grpSp>
+        <p:nvGrpSpPr>
+          <p:cNvPr id="11" name="그룹 10">
+            <a:extLst>
+              <a:ext uri="{FF2B5EF4-FFF2-40B4-BE49-F238E27FC236}">
+                <a16:creationId xmlns:a16="http://schemas.microsoft.com/office/drawing/2014/main" id="{7170C8F1-8653-4C7C-AC3A-E023FAFF0B0D}"/>
+              </a:ext>
+            </a:extLst>
+          </p:cNvPr>
+          <p:cNvGrpSpPr/>
+          <p:nvPr/>
+        </p:nvGrpSpPr>
+        <p:grpSpPr>
+          <a:xfrm>
+            <a:off x="802105" y="3421169"/>
+            <a:ext cx="3047858" cy="523220"/>
+            <a:chOff x="802105" y="2134906"/>
+            <a:chExt cx="3047858" cy="523220"/>
+          </a:xfrm>
+        </p:grpSpPr>
+        <p:sp>
+          <p:nvSpPr>
+            <p:cNvPr id="12" name="TextBox 11">
+              <a:extLst>
+                <a:ext uri="{FF2B5EF4-FFF2-40B4-BE49-F238E27FC236}">
+                  <a16:creationId xmlns:a16="http://schemas.microsoft.com/office/drawing/2014/main" id="{B139A89C-BF50-42A9-930D-549ED66528F1}"/>
+                </a:ext>
+              </a:extLst>
+            </p:cNvPr>
+            <p:cNvSpPr txBox="1"/>
+            <p:nvPr/>
+          </p:nvSpPr>
+          <p:spPr>
+            <a:xfrm>
+              <a:off x="802105" y="2134906"/>
+              <a:ext cx="753732" cy="523220"/>
+            </a:xfrm>
+            <a:prstGeom prst="rect">
+              <a:avLst/>
+            </a:prstGeom>
+            <a:noFill/>
+          </p:spPr>
+          <p:txBody>
+            <a:bodyPr wrap="none" rtlCol="0">
+              <a:spAutoFit/>
+            </a:bodyPr>
+            <a:lstStyle/>
+            <a:p>
+              <a:r>
+                <a:rPr lang="en-US" altLang="ko-KR" sz="2800" spc="300">
+                  <a:solidFill>
+                    <a:schemeClr val="bg1"/>
+                  </a:solidFill>
+                  <a:latin typeface="+mj-lt"/>
+                </a:rPr>
+                <a:t>02</a:t>
+              </a:r>
+              <a:endParaRPr lang="ko-KR" altLang="en-US" sz="2800" spc="300">
+                <a:solidFill>
+                  <a:schemeClr val="bg1"/>
+                </a:solidFill>
+                <a:latin typeface="+mj-lt"/>
+              </a:endParaRPr>
+            </a:p>
+          </p:txBody>
+        </p:sp>
+        <p:sp>
+          <p:nvSpPr>
+            <p:cNvPr id="13" name="TextBox 12">
+              <a:extLst>
+                <a:ext uri="{FF2B5EF4-FFF2-40B4-BE49-F238E27FC236}">
+                  <a16:creationId xmlns:a16="http://schemas.microsoft.com/office/drawing/2014/main" id="{FDB1BBAB-1DD4-40C2-81B9-827FAE86FEC9}"/>
+                </a:ext>
+              </a:extLst>
+            </p:cNvPr>
+            <p:cNvSpPr txBox="1"/>
+            <p:nvPr/>
+          </p:nvSpPr>
+          <p:spPr>
+            <a:xfrm>
+              <a:off x="1611850" y="2134906"/>
+              <a:ext cx="2238113" cy="523220"/>
+            </a:xfrm>
+            <a:prstGeom prst="rect">
+              <a:avLst/>
+            </a:prstGeom>
+            <a:noFill/>
+          </p:spPr>
+          <p:txBody>
+            <a:bodyPr wrap="none" rtlCol="0">
+              <a:spAutoFit/>
+            </a:bodyPr>
+            <a:lstStyle/>
+            <a:p>
+              <a:r>
+                <a:rPr lang="ko-KR" altLang="en-US" sz="2800" spc="-300">
+                  <a:solidFill>
+                    <a:schemeClr val="bg1"/>
+                  </a:solidFill>
+                </a:rPr>
+                <a:t>특장점 및 기능 </a:t>
+              </a:r>
+            </a:p>
+          </p:txBody>
+        </p:sp>
+      </p:grpSp>
+      <p:grpSp>
+        <p:nvGrpSpPr>
+          <p:cNvPr id="14" name="그룹 13">
+            <a:extLst>
+              <a:ext uri="{FF2B5EF4-FFF2-40B4-BE49-F238E27FC236}">
+                <a16:creationId xmlns:a16="http://schemas.microsoft.com/office/drawing/2014/main" id="{EB747CD3-6CC6-4BD3-B10B-63BDB10AE0F1}"/>
+              </a:ext>
+            </a:extLst>
+          </p:cNvPr>
+          <p:cNvGrpSpPr/>
+          <p:nvPr/>
+        </p:nvGrpSpPr>
+        <p:grpSpPr>
+          <a:xfrm>
+            <a:off x="802105" y="4453653"/>
+            <a:ext cx="2961296" cy="523220"/>
+            <a:chOff x="802105" y="2134906"/>
+            <a:chExt cx="2961296" cy="523220"/>
+          </a:xfrm>
+        </p:grpSpPr>
+        <p:sp>
+          <p:nvSpPr>
+            <p:cNvPr id="15" name="TextBox 14">
+              <a:extLst>
+                <a:ext uri="{FF2B5EF4-FFF2-40B4-BE49-F238E27FC236}">
+                  <a16:creationId xmlns:a16="http://schemas.microsoft.com/office/drawing/2014/main" id="{C1A0ADE3-27EA-4373-9F0D-CAAE18A5A8A1}"/>
+                </a:ext>
+              </a:extLst>
+            </p:cNvPr>
+            <p:cNvSpPr txBox="1"/>
+            <p:nvPr/>
+          </p:nvSpPr>
+          <p:spPr>
+            <a:xfrm>
+              <a:off x="802105" y="2134906"/>
+              <a:ext cx="756938" cy="523220"/>
+            </a:xfrm>
+            <a:prstGeom prst="rect">
+              <a:avLst/>
+            </a:prstGeom>
+            <a:noFill/>
+          </p:spPr>
+          <p:txBody>
+            <a:bodyPr wrap="none" rtlCol="0">
+              <a:spAutoFit/>
+            </a:bodyPr>
+            <a:lstStyle/>
+            <a:p>
+              <a:r>
+                <a:rPr lang="en-US" altLang="ko-KR" sz="2800" spc="300">
+                  <a:solidFill>
+                    <a:schemeClr val="bg1"/>
+                  </a:solidFill>
+                  <a:latin typeface="+mj-lt"/>
+                </a:rPr>
+                <a:t>03</a:t>
+              </a:r>
+              <a:endParaRPr lang="ko-KR" altLang="en-US" sz="2800" spc="300">
+                <a:solidFill>
+                  <a:schemeClr val="bg1"/>
+                </a:solidFill>
+                <a:latin typeface="+mj-lt"/>
+              </a:endParaRPr>
+            </a:p>
+          </p:txBody>
+        </p:sp>
+        <p:sp>
+          <p:nvSpPr>
+            <p:cNvPr id="16" name="TextBox 15">
+              <a:extLst>
+                <a:ext uri="{FF2B5EF4-FFF2-40B4-BE49-F238E27FC236}">
+                  <a16:creationId xmlns:a16="http://schemas.microsoft.com/office/drawing/2014/main" id="{DD49F61C-6094-4167-9B37-F9572D4C0726}"/>
+                </a:ext>
+              </a:extLst>
+            </p:cNvPr>
+            <p:cNvSpPr txBox="1"/>
+            <p:nvPr/>
+          </p:nvSpPr>
+          <p:spPr>
+            <a:xfrm>
+              <a:off x="1611850" y="2134906"/>
+              <a:ext cx="2151551" cy="523220"/>
+            </a:xfrm>
+            <a:prstGeom prst="rect">
+              <a:avLst/>
+            </a:prstGeom>
+            <a:noFill/>
+          </p:spPr>
+          <p:txBody>
+            <a:bodyPr wrap="none" rtlCol="0">
+              <a:spAutoFit/>
+            </a:bodyPr>
+            <a:lstStyle/>
+            <a:p>
+              <a:r>
+                <a:rPr lang="ko-KR" altLang="en-US" sz="2800" spc="-300">
+                  <a:solidFill>
+                    <a:schemeClr val="bg1"/>
+                  </a:solidFill>
+                </a:rPr>
+                <a:t>비즈니스 모델</a:t>
+              </a:r>
+            </a:p>
+          </p:txBody>
+        </p:sp>
+      </p:grpSp>
+      <p:grpSp>
+        <p:nvGrpSpPr>
+          <p:cNvPr id="17" name="그룹 16">
+            <a:extLst>
+              <a:ext uri="{FF2B5EF4-FFF2-40B4-BE49-F238E27FC236}">
+                <a16:creationId xmlns:a16="http://schemas.microsoft.com/office/drawing/2014/main" id="{EF02CC46-B1FB-4C55-966C-AE30B967D48B}"/>
+              </a:ext>
+            </a:extLst>
+          </p:cNvPr>
+          <p:cNvGrpSpPr/>
+          <p:nvPr/>
+        </p:nvGrpSpPr>
+        <p:grpSpPr>
+          <a:xfrm>
+            <a:off x="802105" y="5486137"/>
+            <a:ext cx="2320095" cy="523220"/>
+            <a:chOff x="802105" y="2134906"/>
+            <a:chExt cx="2320095" cy="523220"/>
+          </a:xfrm>
+        </p:grpSpPr>
+        <p:sp>
+          <p:nvSpPr>
+            <p:cNvPr id="18" name="TextBox 17">
+              <a:extLst>
+                <a:ext uri="{FF2B5EF4-FFF2-40B4-BE49-F238E27FC236}">
+                  <a16:creationId xmlns:a16="http://schemas.microsoft.com/office/drawing/2014/main" id="{0BFD09C5-E6CF-49A7-93CF-0771D827C9F8}"/>
+                </a:ext>
+              </a:extLst>
+            </p:cNvPr>
+            <p:cNvSpPr txBox="1"/>
+            <p:nvPr/>
+          </p:nvSpPr>
+          <p:spPr>
+            <a:xfrm>
+              <a:off x="802105" y="2134906"/>
+              <a:ext cx="761747" cy="523220"/>
+            </a:xfrm>
+            <a:prstGeom prst="rect">
+              <a:avLst/>
+            </a:prstGeom>
+            <a:noFill/>
+          </p:spPr>
+          <p:txBody>
+            <a:bodyPr wrap="none" rtlCol="0">
+              <a:spAutoFit/>
+            </a:bodyPr>
+            <a:lstStyle/>
+            <a:p>
+              <a:r>
+                <a:rPr lang="en-US" altLang="ko-KR" sz="2800" spc="300">
+                  <a:solidFill>
+                    <a:schemeClr val="bg1"/>
+                  </a:solidFill>
+                  <a:latin typeface="+mj-lt"/>
+                </a:rPr>
+                <a:t>04</a:t>
+              </a:r>
+              <a:endParaRPr lang="ko-KR" altLang="en-US" sz="2800" spc="300">
+                <a:solidFill>
+                  <a:schemeClr val="bg1"/>
+                </a:solidFill>
+                <a:latin typeface="+mj-lt"/>
+              </a:endParaRPr>
+            </a:p>
+          </p:txBody>
+        </p:sp>
+        <p:sp>
+          <p:nvSpPr>
+            <p:cNvPr id="19" name="TextBox 18">
+              <a:extLst>
+                <a:ext uri="{FF2B5EF4-FFF2-40B4-BE49-F238E27FC236}">
+                  <a16:creationId xmlns:a16="http://schemas.microsoft.com/office/drawing/2014/main" id="{03E5C2C0-DA70-4CF3-B97A-7D44B2B0A087}"/>
+                </a:ext>
+              </a:extLst>
+            </p:cNvPr>
+            <p:cNvSpPr txBox="1"/>
+            <p:nvPr/>
+          </p:nvSpPr>
+          <p:spPr>
+            <a:xfrm>
+              <a:off x="1611850" y="2134906"/>
+              <a:ext cx="1510350" cy="523220"/>
+            </a:xfrm>
+            <a:prstGeom prst="rect">
+              <a:avLst/>
+            </a:prstGeom>
+            <a:noFill/>
+          </p:spPr>
+          <p:txBody>
+            <a:bodyPr wrap="none" rtlCol="0">
+              <a:spAutoFit/>
+            </a:bodyPr>
+            <a:lstStyle/>
+            <a:p>
+              <a:r>
+                <a:rPr lang="ko-KR" altLang="en-US" sz="2800" spc="-300">
+                  <a:solidFill>
+                    <a:schemeClr val="bg1"/>
+                  </a:solidFill>
+                </a:rPr>
+                <a:t>개발 방법</a:t>
+              </a:r>
+            </a:p>
+          </p:txBody>
+        </p:sp>
+      </p:grpSp>
+    </p:spTree>
+    <p:extLst>
+      <p:ext uri="{BB962C8B-B14F-4D97-AF65-F5344CB8AC3E}">
+        <p14:creationId xmlns:p14="http://schemas.microsoft.com/office/powerpoint/2010/main" val="3427585194"/>
+      </p:ext>
+    </p:extLst>
+  </p:cSld>
+  <p:clrMapOvr>
+    <a:masterClrMapping/>
+  </p:clrMapOvr>
+  <mc:AlternateContent xmlns:mc="http://schemas.openxmlformats.org/markup-compatibility/2006" xmlns:p159="http://schemas.microsoft.com/office/powerpoint/2015/09/main">
+    <mc:Choice Requires="p159">
+      <p:transition xmlns:p14="http://schemas.microsoft.com/office/powerpoint/2010/main" spd="slow" p14:dur="2000">
+        <p159:morph option="byObject"/>
+      </p:transition>
+    </mc:Choice>
+    <mc:Fallback xmlns="">
+      <p:transition spd="slow">
+        <p:fade/>
+      </p:transition>
+    </mc:Fallback>
+  </mc:AlternateContent>
+</p:sld>
+</file>
+
+<file path=ppt/slides/slide20.xml><?xml version="1.0" encoding="utf-8"?>
 <p:sld xmlns:a="http://schemas.openxmlformats.org/drawingml/2006/main" xmlns:r="http://schemas.openxmlformats.org/officeDocument/2006/relationships" xmlns:p="http://schemas.openxmlformats.org/presentationml/2006/main">
   <p:cSld>
     <p:spTree>
@@ -27659,7 +30801,7 @@
 </p:sld>
 </file>
 
-<file path=ppt/slides/slide18.xml><?xml version="1.0" encoding="utf-8"?>
+<file path=ppt/slides/slide21.xml><?xml version="1.0" encoding="utf-8"?>
 <p:sld xmlns:a="http://schemas.openxmlformats.org/drawingml/2006/main" xmlns:r="http://schemas.openxmlformats.org/officeDocument/2006/relationships" xmlns:p="http://schemas.openxmlformats.org/presentationml/2006/main">
   <p:cSld>
     <p:spTree>
@@ -29127,7 +32269,7 @@
 </p:sld>
 </file>
 
-<file path=ppt/slides/slide19.xml><?xml version="1.0" encoding="utf-8"?>
+<file path=ppt/slides/slide22.xml><?xml version="1.0" encoding="utf-8"?>
 <p:sld xmlns:a="http://schemas.openxmlformats.org/drawingml/2006/main" xmlns:r="http://schemas.openxmlformats.org/officeDocument/2006/relationships" xmlns:p="http://schemas.openxmlformats.org/presentationml/2006/main">
   <p:cSld>
     <p:bg>
@@ -29294,646 +32436,59 @@
           </p:spPr>
         </p:pic>
       </p:grpSp>
-    </p:spTree>
-    <p:extLst>
-      <p:ext uri="{BB962C8B-B14F-4D97-AF65-F5344CB8AC3E}">
-        <p14:creationId xmlns:p14="http://schemas.microsoft.com/office/powerpoint/2010/main" val="1208162298"/>
-      </p:ext>
-    </p:extLst>
-  </p:cSld>
-  <p:clrMapOvr>
-    <a:masterClrMapping/>
-  </p:clrMapOvr>
-  <mc:AlternateContent xmlns:mc="http://schemas.openxmlformats.org/markup-compatibility/2006">
-    <mc:Choice xmlns:p159="http://schemas.microsoft.com/office/powerpoint/2015/09/main" Requires="p159">
-      <p:transition xmlns:p14="http://schemas.microsoft.com/office/powerpoint/2010/main" spd="slow" p14:dur="2000">
-        <p159:morph option="byObject"/>
-      </p:transition>
-    </mc:Choice>
-    <mc:Fallback>
-      <p:transition spd="slow">
-        <p:fade/>
-      </p:transition>
-    </mc:Fallback>
-  </mc:AlternateContent>
-</p:sld>
-</file>
-
-<file path=ppt/slides/slide2.xml><?xml version="1.0" encoding="utf-8"?>
-<p:sld xmlns:a="http://schemas.openxmlformats.org/drawingml/2006/main" xmlns:r="http://schemas.openxmlformats.org/officeDocument/2006/relationships" xmlns:p="http://schemas.openxmlformats.org/presentationml/2006/main">
-  <p:cSld>
-    <p:bg>
-      <p:bgPr>
-        <a:solidFill>
-          <a:schemeClr val="accent1"/>
-        </a:solidFill>
-        <a:effectLst/>
-      </p:bgPr>
-    </p:bg>
-    <p:spTree>
-      <p:nvGrpSpPr>
-        <p:cNvPr id="1" name=""/>
-        <p:cNvGrpSpPr/>
-        <p:nvPr/>
-      </p:nvGrpSpPr>
-      <p:grpSpPr>
-        <a:xfrm>
-          <a:off x="0" y="0"/>
-          <a:ext cx="0" cy="0"/>
-          <a:chOff x="0" y="0"/>
-          <a:chExt cx="0" cy="0"/>
-        </a:xfrm>
-      </p:grpSpPr>
-      <p:pic>
-        <p:nvPicPr>
-          <p:cNvPr id="3" name="그림 2">
+      <p:sp>
+        <p:nvSpPr>
+          <p:cNvPr id="9" name="직사각형 8">
             <a:extLst>
               <a:ext uri="{FF2B5EF4-FFF2-40B4-BE49-F238E27FC236}">
-                <a16:creationId xmlns:a16="http://schemas.microsoft.com/office/drawing/2014/main" id="{F97DE0FD-DDA9-4D1F-BF06-8014D8845C7B}"/>
+                <a16:creationId xmlns:a16="http://schemas.microsoft.com/office/drawing/2014/main" id="{AB4DE880-6598-8169-5C42-13424474BD93}"/>
               </a:ext>
             </a:extLst>
           </p:cNvPr>
-          <p:cNvPicPr>
-            <a:picLocks noChangeAspect="1"/>
-          </p:cNvPicPr>
+          <p:cNvSpPr/>
           <p:nvPr/>
-        </p:nvPicPr>
-        <p:blipFill rotWithShape="1">
-          <a:blip r:embed="rId2" cstate="screen">
-            <a:extLst>
-              <a:ext uri="{28A0092B-C50C-407E-A947-70E740481C1C}">
-                <a14:useLocalDpi xmlns:a14="http://schemas.microsoft.com/office/drawing/2010/main" val="0"/>
-              </a:ext>
-            </a:extLst>
-          </a:blip>
-          <a:srcRect/>
-          <a:stretch/>
-        </p:blipFill>
+        </p:nvSpPr>
         <p:spPr>
           <a:xfrm>
-            <a:off x="6096000" y="-1"/>
-            <a:ext cx="6096000" cy="6858001"/>
+            <a:off x="0" y="-2"/>
+            <a:ext cx="12192000" cy="159799"/>
           </a:xfrm>
           <a:prstGeom prst="rect">
             <a:avLst/>
           </a:prstGeom>
-        </p:spPr>
-      </p:pic>
-      <p:cxnSp>
-        <p:nvCxnSpPr>
-          <p:cNvPr id="5" name="직선 연결선 4">
-            <a:extLst>
-              <a:ext uri="{FF2B5EF4-FFF2-40B4-BE49-F238E27FC236}">
-                <a16:creationId xmlns:a16="http://schemas.microsoft.com/office/drawing/2014/main" id="{E56C74D8-F170-447D-B69F-E6349C6CB9ED}"/>
-              </a:ext>
-            </a:extLst>
-          </p:cNvPr>
-          <p:cNvCxnSpPr/>
-          <p:nvPr/>
-        </p:nvCxnSpPr>
-        <p:spPr>
-          <a:xfrm>
-            <a:off x="802105" y="1540042"/>
-            <a:ext cx="5293895" cy="0"/>
-          </a:xfrm>
-          <a:prstGeom prst="line">
-            <a:avLst/>
-          </a:prstGeom>
           <a:ln>
-            <a:solidFill>
-              <a:schemeClr val="bg1"/>
-            </a:solidFill>
+            <a:noFill/>
           </a:ln>
         </p:spPr>
         <p:style>
-          <a:lnRef idx="1">
-            <a:schemeClr val="accent1"/>
+          <a:lnRef idx="2">
+            <a:schemeClr val="accent1">
+              <a:shade val="50000"/>
+            </a:schemeClr>
           </a:lnRef>
-          <a:fillRef idx="0">
+          <a:fillRef idx="1">
             <a:schemeClr val="accent1"/>
           </a:fillRef>
           <a:effectRef idx="0">
             <a:schemeClr val="accent1"/>
           </a:effectRef>
           <a:fontRef idx="minor">
-            <a:schemeClr val="tx1"/>
+            <a:schemeClr val="lt1"/>
           </a:fontRef>
         </p:style>
-      </p:cxnSp>
-      <p:sp>
-        <p:nvSpPr>
-          <p:cNvPr id="6" name="TextBox 5">
-            <a:extLst>
-              <a:ext uri="{FF2B5EF4-FFF2-40B4-BE49-F238E27FC236}">
-                <a16:creationId xmlns:a16="http://schemas.microsoft.com/office/drawing/2014/main" id="{485EA883-ADF8-4384-854B-A47AF521B082}"/>
-              </a:ext>
-            </a:extLst>
-          </p:cNvPr>
-          <p:cNvSpPr txBox="1"/>
-          <p:nvPr/>
-        </p:nvSpPr>
-        <p:spPr>
-          <a:xfrm>
-            <a:off x="802105" y="611196"/>
-            <a:ext cx="1040670" cy="707886"/>
-          </a:xfrm>
-          <a:prstGeom prst="rect">
-            <a:avLst/>
-          </a:prstGeom>
-          <a:noFill/>
-        </p:spPr>
         <p:txBody>
-          <a:bodyPr wrap="none" rtlCol="0">
-            <a:spAutoFit/>
-          </a:bodyPr>
+          <a:bodyPr rtlCol="0" anchor="ctr"/>
           <a:lstStyle/>
           <a:p>
-            <a:r>
-              <a:rPr lang="ko-KR" altLang="en-US" sz="4000" spc="-300">
-                <a:solidFill>
-                  <a:schemeClr val="bg1"/>
-                </a:solidFill>
-                <a:latin typeface="+mn-ea"/>
-              </a:rPr>
-              <a:t>목차</a:t>
-            </a:r>
+            <a:pPr algn="ctr"/>
+            <a:endParaRPr lang="ko-KR" altLang="en-US"/>
           </a:p>
         </p:txBody>
       </p:sp>
-      <p:sp>
-        <p:nvSpPr>
-          <p:cNvPr id="7" name="TextBox 6">
-            <a:extLst>
-              <a:ext uri="{FF2B5EF4-FFF2-40B4-BE49-F238E27FC236}">
-                <a16:creationId xmlns:a16="http://schemas.microsoft.com/office/drawing/2014/main" id="{5286C152-90B0-48E4-9A04-F12E2640CB0A}"/>
-              </a:ext>
-            </a:extLst>
-          </p:cNvPr>
-          <p:cNvSpPr txBox="1"/>
-          <p:nvPr/>
-        </p:nvSpPr>
-        <p:spPr>
-          <a:xfrm>
-            <a:off x="1965157" y="949750"/>
-            <a:ext cx="2712602" cy="369332"/>
-          </a:xfrm>
-          <a:prstGeom prst="rect">
-            <a:avLst/>
-          </a:prstGeom>
-          <a:noFill/>
-        </p:spPr>
-        <p:txBody>
-          <a:bodyPr wrap="none" rtlCol="0">
-            <a:spAutoFit/>
-          </a:bodyPr>
-          <a:lstStyle/>
-          <a:p>
-            <a:r>
-              <a:rPr lang="en-US" altLang="ko-KR">
-                <a:solidFill>
-                  <a:schemeClr val="bg1"/>
-                </a:solidFill>
-                <a:latin typeface="+mj-lt"/>
-              </a:rPr>
-              <a:t>A table of contents.</a:t>
-            </a:r>
-            <a:endParaRPr lang="ko-KR" altLang="en-US">
-              <a:solidFill>
-                <a:schemeClr val="bg1"/>
-              </a:solidFill>
-              <a:latin typeface="+mj-lt"/>
-            </a:endParaRPr>
-          </a:p>
-        </p:txBody>
-      </p:sp>
-      <p:grpSp>
-        <p:nvGrpSpPr>
-          <p:cNvPr id="10" name="그룹 9">
-            <a:extLst>
-              <a:ext uri="{FF2B5EF4-FFF2-40B4-BE49-F238E27FC236}">
-                <a16:creationId xmlns:a16="http://schemas.microsoft.com/office/drawing/2014/main" id="{4748C335-F1F7-4CC2-B38D-93AB9F2985A2}"/>
-              </a:ext>
-            </a:extLst>
-          </p:cNvPr>
-          <p:cNvGrpSpPr/>
-          <p:nvPr/>
-        </p:nvGrpSpPr>
-        <p:grpSpPr>
-          <a:xfrm>
-            <a:off x="802105" y="2388685"/>
-            <a:ext cx="2320095" cy="523220"/>
-            <a:chOff x="802105" y="2134906"/>
-            <a:chExt cx="2320095" cy="523220"/>
-          </a:xfrm>
-        </p:grpSpPr>
-        <p:sp>
-          <p:nvSpPr>
-            <p:cNvPr id="8" name="TextBox 7">
-              <a:extLst>
-                <a:ext uri="{FF2B5EF4-FFF2-40B4-BE49-F238E27FC236}">
-                  <a16:creationId xmlns:a16="http://schemas.microsoft.com/office/drawing/2014/main" id="{A5E9E67C-6263-4256-9F68-9B9A9852E74C}"/>
-                </a:ext>
-              </a:extLst>
-            </p:cNvPr>
-            <p:cNvSpPr txBox="1"/>
-            <p:nvPr/>
-          </p:nvSpPr>
-          <p:spPr>
-            <a:xfrm>
-              <a:off x="802105" y="2134906"/>
-              <a:ext cx="684803" cy="523220"/>
-            </a:xfrm>
-            <a:prstGeom prst="rect">
-              <a:avLst/>
-            </a:prstGeom>
-            <a:noFill/>
-          </p:spPr>
-          <p:txBody>
-            <a:bodyPr wrap="none" rtlCol="0">
-              <a:spAutoFit/>
-            </a:bodyPr>
-            <a:lstStyle/>
-            <a:p>
-              <a:r>
-                <a:rPr lang="en-US" altLang="ko-KR" sz="2800" spc="300">
-                  <a:solidFill>
-                    <a:schemeClr val="bg1"/>
-                  </a:solidFill>
-                  <a:latin typeface="+mj-lt"/>
-                </a:rPr>
-                <a:t>01</a:t>
-              </a:r>
-              <a:endParaRPr lang="ko-KR" altLang="en-US" sz="2800" spc="300">
-                <a:solidFill>
-                  <a:schemeClr val="bg1"/>
-                </a:solidFill>
-                <a:latin typeface="+mj-lt"/>
-              </a:endParaRPr>
-            </a:p>
-          </p:txBody>
-        </p:sp>
-        <p:sp>
-          <p:nvSpPr>
-            <p:cNvPr id="9" name="TextBox 8">
-              <a:extLst>
-                <a:ext uri="{FF2B5EF4-FFF2-40B4-BE49-F238E27FC236}">
-                  <a16:creationId xmlns:a16="http://schemas.microsoft.com/office/drawing/2014/main" id="{451A3D00-9373-4B0F-ADE9-2AF322B5B58E}"/>
-                </a:ext>
-              </a:extLst>
-            </p:cNvPr>
-            <p:cNvSpPr txBox="1"/>
-            <p:nvPr/>
-          </p:nvSpPr>
-          <p:spPr>
-            <a:xfrm>
-              <a:off x="1611850" y="2134906"/>
-              <a:ext cx="1510350" cy="523220"/>
-            </a:xfrm>
-            <a:prstGeom prst="rect">
-              <a:avLst/>
-            </a:prstGeom>
-            <a:noFill/>
-          </p:spPr>
-          <p:txBody>
-            <a:bodyPr wrap="none" rtlCol="0">
-              <a:spAutoFit/>
-            </a:bodyPr>
-            <a:lstStyle/>
-            <a:p>
-              <a:r>
-                <a:rPr lang="ko-KR" altLang="en-US" sz="2800" spc="-300">
-                  <a:solidFill>
-                    <a:schemeClr val="bg1"/>
-                  </a:solidFill>
-                </a:rPr>
-                <a:t>개발 동기</a:t>
-              </a:r>
-            </a:p>
-          </p:txBody>
-        </p:sp>
-      </p:grpSp>
-      <p:grpSp>
-        <p:nvGrpSpPr>
-          <p:cNvPr id="11" name="그룹 10">
-            <a:extLst>
-              <a:ext uri="{FF2B5EF4-FFF2-40B4-BE49-F238E27FC236}">
-                <a16:creationId xmlns:a16="http://schemas.microsoft.com/office/drawing/2014/main" id="{7170C8F1-8653-4C7C-AC3A-E023FAFF0B0D}"/>
-              </a:ext>
-            </a:extLst>
-          </p:cNvPr>
-          <p:cNvGrpSpPr/>
-          <p:nvPr/>
-        </p:nvGrpSpPr>
-        <p:grpSpPr>
-          <a:xfrm>
-            <a:off x="802105" y="3421169"/>
-            <a:ext cx="3047858" cy="523220"/>
-            <a:chOff x="802105" y="2134906"/>
-            <a:chExt cx="3047858" cy="523220"/>
-          </a:xfrm>
-        </p:grpSpPr>
-        <p:sp>
-          <p:nvSpPr>
-            <p:cNvPr id="12" name="TextBox 11">
-              <a:extLst>
-                <a:ext uri="{FF2B5EF4-FFF2-40B4-BE49-F238E27FC236}">
-                  <a16:creationId xmlns:a16="http://schemas.microsoft.com/office/drawing/2014/main" id="{B139A89C-BF50-42A9-930D-549ED66528F1}"/>
-                </a:ext>
-              </a:extLst>
-            </p:cNvPr>
-            <p:cNvSpPr txBox="1"/>
-            <p:nvPr/>
-          </p:nvSpPr>
-          <p:spPr>
-            <a:xfrm>
-              <a:off x="802105" y="2134906"/>
-              <a:ext cx="753732" cy="523220"/>
-            </a:xfrm>
-            <a:prstGeom prst="rect">
-              <a:avLst/>
-            </a:prstGeom>
-            <a:noFill/>
-          </p:spPr>
-          <p:txBody>
-            <a:bodyPr wrap="none" rtlCol="0">
-              <a:spAutoFit/>
-            </a:bodyPr>
-            <a:lstStyle/>
-            <a:p>
-              <a:r>
-                <a:rPr lang="en-US" altLang="ko-KR" sz="2800" spc="300">
-                  <a:solidFill>
-                    <a:schemeClr val="bg1"/>
-                  </a:solidFill>
-                  <a:latin typeface="+mj-lt"/>
-                </a:rPr>
-                <a:t>02</a:t>
-              </a:r>
-              <a:endParaRPr lang="ko-KR" altLang="en-US" sz="2800" spc="300">
-                <a:solidFill>
-                  <a:schemeClr val="bg1"/>
-                </a:solidFill>
-                <a:latin typeface="+mj-lt"/>
-              </a:endParaRPr>
-            </a:p>
-          </p:txBody>
-        </p:sp>
-        <p:sp>
-          <p:nvSpPr>
-            <p:cNvPr id="13" name="TextBox 12">
-              <a:extLst>
-                <a:ext uri="{FF2B5EF4-FFF2-40B4-BE49-F238E27FC236}">
-                  <a16:creationId xmlns:a16="http://schemas.microsoft.com/office/drawing/2014/main" id="{FDB1BBAB-1DD4-40C2-81B9-827FAE86FEC9}"/>
-                </a:ext>
-              </a:extLst>
-            </p:cNvPr>
-            <p:cNvSpPr txBox="1"/>
-            <p:nvPr/>
-          </p:nvSpPr>
-          <p:spPr>
-            <a:xfrm>
-              <a:off x="1611850" y="2134906"/>
-              <a:ext cx="2238113" cy="523220"/>
-            </a:xfrm>
-            <a:prstGeom prst="rect">
-              <a:avLst/>
-            </a:prstGeom>
-            <a:noFill/>
-          </p:spPr>
-          <p:txBody>
-            <a:bodyPr wrap="none" rtlCol="0">
-              <a:spAutoFit/>
-            </a:bodyPr>
-            <a:lstStyle/>
-            <a:p>
-              <a:r>
-                <a:rPr lang="ko-KR" altLang="en-US" sz="2800" spc="-300">
-                  <a:solidFill>
-                    <a:schemeClr val="bg1"/>
-                  </a:solidFill>
-                </a:rPr>
-                <a:t>특장점 및 기능 </a:t>
-              </a:r>
-            </a:p>
-          </p:txBody>
-        </p:sp>
-      </p:grpSp>
-      <p:grpSp>
-        <p:nvGrpSpPr>
-          <p:cNvPr id="14" name="그룹 13">
-            <a:extLst>
-              <a:ext uri="{FF2B5EF4-FFF2-40B4-BE49-F238E27FC236}">
-                <a16:creationId xmlns:a16="http://schemas.microsoft.com/office/drawing/2014/main" id="{EB747CD3-6CC6-4BD3-B10B-63BDB10AE0F1}"/>
-              </a:ext>
-            </a:extLst>
-          </p:cNvPr>
-          <p:cNvGrpSpPr/>
-          <p:nvPr/>
-        </p:nvGrpSpPr>
-        <p:grpSpPr>
-          <a:xfrm>
-            <a:off x="802105" y="4453653"/>
-            <a:ext cx="2961296" cy="523220"/>
-            <a:chOff x="802105" y="2134906"/>
-            <a:chExt cx="2961296" cy="523220"/>
-          </a:xfrm>
-        </p:grpSpPr>
-        <p:sp>
-          <p:nvSpPr>
-            <p:cNvPr id="15" name="TextBox 14">
-              <a:extLst>
-                <a:ext uri="{FF2B5EF4-FFF2-40B4-BE49-F238E27FC236}">
-                  <a16:creationId xmlns:a16="http://schemas.microsoft.com/office/drawing/2014/main" id="{C1A0ADE3-27EA-4373-9F0D-CAAE18A5A8A1}"/>
-                </a:ext>
-              </a:extLst>
-            </p:cNvPr>
-            <p:cNvSpPr txBox="1"/>
-            <p:nvPr/>
-          </p:nvSpPr>
-          <p:spPr>
-            <a:xfrm>
-              <a:off x="802105" y="2134906"/>
-              <a:ext cx="756938" cy="523220"/>
-            </a:xfrm>
-            <a:prstGeom prst="rect">
-              <a:avLst/>
-            </a:prstGeom>
-            <a:noFill/>
-          </p:spPr>
-          <p:txBody>
-            <a:bodyPr wrap="none" rtlCol="0">
-              <a:spAutoFit/>
-            </a:bodyPr>
-            <a:lstStyle/>
-            <a:p>
-              <a:r>
-                <a:rPr lang="en-US" altLang="ko-KR" sz="2800" spc="300">
-                  <a:solidFill>
-                    <a:schemeClr val="bg1"/>
-                  </a:solidFill>
-                  <a:latin typeface="+mj-lt"/>
-                </a:rPr>
-                <a:t>03</a:t>
-              </a:r>
-              <a:endParaRPr lang="ko-KR" altLang="en-US" sz="2800" spc="300">
-                <a:solidFill>
-                  <a:schemeClr val="bg1"/>
-                </a:solidFill>
-                <a:latin typeface="+mj-lt"/>
-              </a:endParaRPr>
-            </a:p>
-          </p:txBody>
-        </p:sp>
-        <p:sp>
-          <p:nvSpPr>
-            <p:cNvPr id="16" name="TextBox 15">
-              <a:extLst>
-                <a:ext uri="{FF2B5EF4-FFF2-40B4-BE49-F238E27FC236}">
-                  <a16:creationId xmlns:a16="http://schemas.microsoft.com/office/drawing/2014/main" id="{DD49F61C-6094-4167-9B37-F9572D4C0726}"/>
-                </a:ext>
-              </a:extLst>
-            </p:cNvPr>
-            <p:cNvSpPr txBox="1"/>
-            <p:nvPr/>
-          </p:nvSpPr>
-          <p:spPr>
-            <a:xfrm>
-              <a:off x="1611850" y="2134906"/>
-              <a:ext cx="2151551" cy="523220"/>
-            </a:xfrm>
-            <a:prstGeom prst="rect">
-              <a:avLst/>
-            </a:prstGeom>
-            <a:noFill/>
-          </p:spPr>
-          <p:txBody>
-            <a:bodyPr wrap="none" rtlCol="0">
-              <a:spAutoFit/>
-            </a:bodyPr>
-            <a:lstStyle/>
-            <a:p>
-              <a:r>
-                <a:rPr lang="ko-KR" altLang="en-US" sz="2800" spc="-300">
-                  <a:solidFill>
-                    <a:schemeClr val="bg1"/>
-                  </a:solidFill>
-                </a:rPr>
-                <a:t>비즈니스 모델</a:t>
-              </a:r>
-            </a:p>
-          </p:txBody>
-        </p:sp>
-      </p:grpSp>
-      <p:grpSp>
-        <p:nvGrpSpPr>
-          <p:cNvPr id="17" name="그룹 16">
-            <a:extLst>
-              <a:ext uri="{FF2B5EF4-FFF2-40B4-BE49-F238E27FC236}">
-                <a16:creationId xmlns:a16="http://schemas.microsoft.com/office/drawing/2014/main" id="{EF02CC46-B1FB-4C55-966C-AE30B967D48B}"/>
-              </a:ext>
-            </a:extLst>
-          </p:cNvPr>
-          <p:cNvGrpSpPr/>
-          <p:nvPr/>
-        </p:nvGrpSpPr>
-        <p:grpSpPr>
-          <a:xfrm>
-            <a:off x="802105" y="5486137"/>
-            <a:ext cx="2320095" cy="523220"/>
-            <a:chOff x="802105" y="2134906"/>
-            <a:chExt cx="2320095" cy="523220"/>
-          </a:xfrm>
-        </p:grpSpPr>
-        <p:sp>
-          <p:nvSpPr>
-            <p:cNvPr id="18" name="TextBox 17">
-              <a:extLst>
-                <a:ext uri="{FF2B5EF4-FFF2-40B4-BE49-F238E27FC236}">
-                  <a16:creationId xmlns:a16="http://schemas.microsoft.com/office/drawing/2014/main" id="{0BFD09C5-E6CF-49A7-93CF-0771D827C9F8}"/>
-                </a:ext>
-              </a:extLst>
-            </p:cNvPr>
-            <p:cNvSpPr txBox="1"/>
-            <p:nvPr/>
-          </p:nvSpPr>
-          <p:spPr>
-            <a:xfrm>
-              <a:off x="802105" y="2134906"/>
-              <a:ext cx="761747" cy="523220"/>
-            </a:xfrm>
-            <a:prstGeom prst="rect">
-              <a:avLst/>
-            </a:prstGeom>
-            <a:noFill/>
-          </p:spPr>
-          <p:txBody>
-            <a:bodyPr wrap="none" rtlCol="0">
-              <a:spAutoFit/>
-            </a:bodyPr>
-            <a:lstStyle/>
-            <a:p>
-              <a:r>
-                <a:rPr lang="en-US" altLang="ko-KR" sz="2800" spc="300">
-                  <a:solidFill>
-                    <a:schemeClr val="bg1"/>
-                  </a:solidFill>
-                  <a:latin typeface="+mj-lt"/>
-                </a:rPr>
-                <a:t>04</a:t>
-              </a:r>
-              <a:endParaRPr lang="ko-KR" altLang="en-US" sz="2800" spc="300">
-                <a:solidFill>
-                  <a:schemeClr val="bg1"/>
-                </a:solidFill>
-                <a:latin typeface="+mj-lt"/>
-              </a:endParaRPr>
-            </a:p>
-          </p:txBody>
-        </p:sp>
-        <p:sp>
-          <p:nvSpPr>
-            <p:cNvPr id="19" name="TextBox 18">
-              <a:extLst>
-                <a:ext uri="{FF2B5EF4-FFF2-40B4-BE49-F238E27FC236}">
-                  <a16:creationId xmlns:a16="http://schemas.microsoft.com/office/drawing/2014/main" id="{03E5C2C0-DA70-4CF3-B97A-7D44B2B0A087}"/>
-                </a:ext>
-              </a:extLst>
-            </p:cNvPr>
-            <p:cNvSpPr txBox="1"/>
-            <p:nvPr/>
-          </p:nvSpPr>
-          <p:spPr>
-            <a:xfrm>
-              <a:off x="1611850" y="2134906"/>
-              <a:ext cx="1510350" cy="523220"/>
-            </a:xfrm>
-            <a:prstGeom prst="rect">
-              <a:avLst/>
-            </a:prstGeom>
-            <a:noFill/>
-          </p:spPr>
-          <p:txBody>
-            <a:bodyPr wrap="none" rtlCol="0">
-              <a:spAutoFit/>
-            </a:bodyPr>
-            <a:lstStyle/>
-            <a:p>
-              <a:r>
-                <a:rPr lang="ko-KR" altLang="en-US" sz="2800" spc="-300">
-                  <a:solidFill>
-                    <a:schemeClr val="bg1"/>
-                  </a:solidFill>
-                </a:rPr>
-                <a:t>개발 방법</a:t>
-              </a:r>
-            </a:p>
-          </p:txBody>
-        </p:sp>
-      </p:grpSp>
     </p:spTree>
     <p:extLst>
       <p:ext uri="{BB962C8B-B14F-4D97-AF65-F5344CB8AC3E}">
-        <p14:creationId xmlns:p14="http://schemas.microsoft.com/office/powerpoint/2010/main" val="3427585194"/>
+        <p14:creationId xmlns:p14="http://schemas.microsoft.com/office/powerpoint/2010/main" val="1208162298"/>
       </p:ext>
     </p:extLst>
   </p:cSld>
@@ -30073,10 +32628,10 @@
         </p:nvGrpSpPr>
         <p:grpSpPr>
           <a:xfrm>
-            <a:off x="4238760" y="2505670"/>
-            <a:ext cx="3714478" cy="1773107"/>
-            <a:chOff x="4238760" y="2044006"/>
-            <a:chExt cx="3714478" cy="1773107"/>
+            <a:off x="5016216" y="2647561"/>
+            <a:ext cx="2159567" cy="1631216"/>
+            <a:chOff x="5016216" y="2185897"/>
+            <a:chExt cx="2159567" cy="1631216"/>
           </a:xfrm>
         </p:grpSpPr>
         <p:sp>
@@ -30093,8 +32648,8 @@
           </p:nvSpPr>
           <p:spPr>
             <a:xfrm>
-              <a:off x="4540124" y="2044006"/>
-              <a:ext cx="3111749" cy="923330"/>
+              <a:off x="5016216" y="2185897"/>
+              <a:ext cx="1859355" cy="923330"/>
             </a:xfrm>
             <a:prstGeom prst="rect">
               <a:avLst/>
@@ -30108,14 +32663,20 @@
             <a:lstStyle/>
             <a:p>
               <a:r>
-                <a:rPr lang="ko-KR" altLang="en-US" sz="5400">
+                <a:rPr lang="en-US" altLang="ko-KR" sz="5400" dirty="0">
                   <a:solidFill>
                     <a:schemeClr val="bg1"/>
                   </a:solidFill>
                   <a:latin typeface="+mj-lt"/>
                 </a:rPr>
-                <a:t>개발 동기</a:t>
+                <a:t>Part1.</a:t>
               </a:r>
+              <a:endParaRPr lang="ko-KR" altLang="en-US" sz="5400" dirty="0">
+                <a:solidFill>
+                  <a:schemeClr val="bg1"/>
+                </a:solidFill>
+                <a:latin typeface="+mj-lt"/>
+              </a:endParaRPr>
             </a:p>
           </p:txBody>
         </p:sp>
@@ -30133,8 +32694,8 @@
           </p:nvSpPr>
           <p:spPr>
             <a:xfrm>
-              <a:off x="4238760" y="3109227"/>
-              <a:ext cx="3714478" cy="707886"/>
+              <a:off x="5016216" y="3109227"/>
+              <a:ext cx="2159567" cy="707886"/>
             </a:xfrm>
             <a:prstGeom prst="rect">
               <a:avLst/>
@@ -30149,12 +32710,12 @@
             <a:p>
               <a:pPr algn="ctr"/>
               <a:r>
-                <a:rPr lang="ko-KR" altLang="en-US" sz="4000" spc="-300">
+                <a:rPr lang="ko-KR" altLang="en-US" sz="4000" spc="-300" dirty="0">
                   <a:solidFill>
                     <a:schemeClr val="bg1"/>
                   </a:solidFill>
                 </a:rPr>
-                <a:t>제목을 입력하세요</a:t>
+                <a:t>개발 동기</a:t>
               </a:r>
             </a:p>
           </p:txBody>
@@ -30885,7 +33446,7 @@
           <p:nvPr>
             <p:extLst>
               <p:ext uri="{D42A27DB-BD31-4B8C-83A1-F6EECF244321}">
-                <p14:modId xmlns:p14="http://schemas.microsoft.com/office/powerpoint/2010/main" val="2449290801"/>
+                <p14:modId xmlns:p14="http://schemas.microsoft.com/office/powerpoint/2010/main" val="808797353"/>
               </p:ext>
             </p:extLst>
           </p:nvPr>
@@ -31185,13 +33746,13 @@
   <p:clrMapOvr>
     <a:masterClrMapping/>
   </p:clrMapOvr>
-  <mc:AlternateContent xmlns:mc="http://schemas.openxmlformats.org/markup-compatibility/2006">
-    <mc:Choice xmlns:p159="http://schemas.microsoft.com/office/powerpoint/2015/09/main" Requires="p159">
+  <mc:AlternateContent xmlns:mc="http://schemas.openxmlformats.org/markup-compatibility/2006" xmlns:p159="http://schemas.microsoft.com/office/powerpoint/2015/09/main">
+    <mc:Choice Requires="p159">
       <p:transition xmlns:p14="http://schemas.microsoft.com/office/powerpoint/2010/main" spd="slow" p14:dur="2000">
         <p159:morph option="byObject"/>
       </p:transition>
     </mc:Choice>
-    <mc:Fallback>
+    <mc:Fallback xmlns="">
       <p:transition spd="slow">
         <p:fade/>
       </p:transition>
@@ -31866,48 +34427,34 @@
               <a:buChar char="•"/>
             </a:pPr>
             <a:r>
-              <a:rPr lang="ko-KR" altLang="en-US" sz="1600" spc="-150">
+              <a:rPr lang="ko-KR" altLang="en-US" sz="1600" spc="-150" dirty="0">
                 <a:latin typeface="Arial" panose="020B0604020202020204" pitchFamily="34" charset="0"/>
                 <a:cs typeface="Arial" panose="020B0604020202020204" pitchFamily="34" charset="0"/>
               </a:rPr>
               <a:t>코로나 이전대비 이후 약</a:t>
             </a:r>
             <a:r>
-              <a:rPr lang="en-US" altLang="ko-KR" sz="1600" spc="-150">
+              <a:rPr lang="en-US" altLang="ko-KR" sz="1600" spc="-150" dirty="0">
                 <a:latin typeface="Arial" panose="020B0604020202020204" pitchFamily="34" charset="0"/>
                 <a:cs typeface="Arial" panose="020B0604020202020204" pitchFamily="34" charset="0"/>
               </a:rPr>
-              <a:t>2</a:t>
+              <a:t>5</a:t>
             </a:r>
             <a:r>
-              <a:rPr lang="ko-KR" altLang="en-US" sz="1600" spc="-150">
+              <a:rPr lang="ko-KR" altLang="en-US" sz="1600" spc="-150" dirty="0">
                 <a:latin typeface="Arial" panose="020B0604020202020204" pitchFamily="34" charset="0"/>
                 <a:cs typeface="Arial" panose="020B0604020202020204" pitchFamily="34" charset="0"/>
               </a:rPr>
-              <a:t>만</a:t>
+              <a:t>만대 증가</a:t>
             </a:r>
-            <a:r>
-              <a:rPr lang="en-US" altLang="ko-KR" sz="1600" spc="-150">
-                <a:latin typeface="Arial" panose="020B0604020202020204" pitchFamily="34" charset="0"/>
-                <a:cs typeface="Arial" panose="020B0604020202020204" pitchFamily="34" charset="0"/>
-              </a:rPr>
-              <a:t>4</a:t>
-            </a:r>
-            <a:r>
-              <a:rPr lang="ko-KR" altLang="en-US" sz="1600" spc="-150">
-                <a:latin typeface="Arial" panose="020B0604020202020204" pitchFamily="34" charset="0"/>
-                <a:cs typeface="Arial" panose="020B0604020202020204" pitchFamily="34" charset="0"/>
-              </a:rPr>
-              <a:t>천대 증가</a:t>
-            </a:r>
-            <a:endParaRPr lang="en-US" altLang="ko-KR" sz="1600" spc="-150">
+            <a:endParaRPr lang="en-US" altLang="ko-KR" sz="1600" spc="-150" dirty="0">
               <a:latin typeface="Arial" panose="020B0604020202020204" pitchFamily="34" charset="0"/>
               <a:cs typeface="Arial" panose="020B0604020202020204" pitchFamily="34" charset="0"/>
             </a:endParaRPr>
           </a:p>
           <a:p>
             <a:pPr algn="just"/>
-            <a:endParaRPr lang="en-US" altLang="ko-KR" sz="1600" spc="-150">
+            <a:endParaRPr lang="en-US" altLang="ko-KR" sz="1600" spc="-150" dirty="0">
               <a:latin typeface="Arial" panose="020B0604020202020204" pitchFamily="34" charset="0"/>
               <a:cs typeface="Arial" panose="020B0604020202020204" pitchFamily="34" charset="0"/>
             </a:endParaRPr>
@@ -31972,7 +34519,7 @@
           <p:nvPr>
             <p:extLst>
               <p:ext uri="{D42A27DB-BD31-4B8C-83A1-F6EECF244321}">
-                <p14:modId xmlns:p14="http://schemas.microsoft.com/office/powerpoint/2010/main" val="3299089314"/>
+                <p14:modId xmlns:p14="http://schemas.microsoft.com/office/powerpoint/2010/main" val="3747237092"/>
               </p:ext>
             </p:extLst>
           </p:nvPr>
@@ -32660,13 +35207,13 @@
   <p:clrMapOvr>
     <a:masterClrMapping/>
   </p:clrMapOvr>
-  <mc:AlternateContent xmlns:mc="http://schemas.openxmlformats.org/markup-compatibility/2006">
-    <mc:Choice xmlns:p159="http://schemas.microsoft.com/office/powerpoint/2015/09/main" Requires="p159">
+  <mc:AlternateContent xmlns:mc="http://schemas.openxmlformats.org/markup-compatibility/2006" xmlns:p159="http://schemas.microsoft.com/office/powerpoint/2015/09/main">
+    <mc:Choice Requires="p159">
       <p:transition xmlns:p14="http://schemas.microsoft.com/office/powerpoint/2010/main" spd="slow" p14:dur="2000">
         <p159:morph option="byObject"/>
       </p:transition>
     </mc:Choice>
-    <mc:Fallback>
+    <mc:Fallback xmlns="">
       <p:transition spd="slow">
         <p:fade/>
       </p:transition>
@@ -35447,8 +37994,8 @@
         </p:nvSpPr>
         <p:spPr>
           <a:xfrm>
-            <a:off x="-1" y="-1"/>
-            <a:ext cx="3600449" cy="160420"/>
+            <a:off x="-1" y="-2"/>
+            <a:ext cx="3679273" cy="160417"/>
           </a:xfrm>
           <a:prstGeom prst="rect">
             <a:avLst/>
@@ -36092,7 +38639,7 @@
           <a:p>
             <a:pPr algn="just"/>
             <a:r>
-              <a:rPr lang="ko-KR" altLang="en-US" sz="1400" err="1">
+              <a:rPr lang="ko-KR" altLang="en-US" sz="1400" dirty="0" err="1">
                 <a:latin typeface="Arial" panose="020B0604020202020204" pitchFamily="34" charset="0"/>
                 <a:ea typeface="Malgun Gothic" panose="020B0503020000020004" pitchFamily="34" charset="-127"/>
                 <a:cs typeface="Arial" panose="020B0604020202020204" pitchFamily="34" charset="0"/>
@@ -36100,14 +38647,14 @@
               <a:t>옵션별</a:t>
             </a:r>
             <a:r>
-              <a:rPr lang="ko-KR" altLang="en-US" sz="1400">
+              <a:rPr lang="ko-KR" altLang="en-US" sz="1400" dirty="0">
                 <a:latin typeface="Arial" panose="020B0604020202020204" pitchFamily="34" charset="0"/>
                 <a:ea typeface="Malgun Gothic" panose="020B0503020000020004" pitchFamily="34" charset="-127"/>
                 <a:cs typeface="Arial" panose="020B0604020202020204" pitchFamily="34" charset="0"/>
               </a:rPr>
               <a:t> 상세검색의 부재</a:t>
             </a:r>
-            <a:endParaRPr kumimoji="1" lang="ja-JP" altLang="en-US" sz="1400">
+            <a:endParaRPr kumimoji="1" lang="ja-JP" altLang="en-US" sz="1400" dirty="0">
               <a:latin typeface="Arial" panose="020B0604020202020204" pitchFamily="34" charset="0"/>
               <a:ea typeface="Malgun Gothic" panose="020B0503020000020004" pitchFamily="34" charset="-127"/>
               <a:cs typeface="Arial" panose="020B0604020202020204" pitchFamily="34" charset="0"/>
@@ -36504,8 +39051,8 @@
         </p:nvSpPr>
         <p:spPr>
           <a:xfrm>
-            <a:off x="3600449" y="-3"/>
-            <a:ext cx="1297719" cy="160422"/>
+            <a:off x="3679272" y="-3"/>
+            <a:ext cx="1218896" cy="160418"/>
           </a:xfrm>
           <a:prstGeom prst="rect">
             <a:avLst/>
@@ -36586,107 +39133,6 @@
       </p:grpSpPr>
       <p:sp>
         <p:nvSpPr>
-          <p:cNvPr id="2" name="직사각형 1">
-            <a:extLst>
-              <a:ext uri="{FF2B5EF4-FFF2-40B4-BE49-F238E27FC236}">
-                <a16:creationId xmlns:a16="http://schemas.microsoft.com/office/drawing/2014/main" id="{35793BFC-7410-4CA5-9F33-BBE620E91B97}"/>
-              </a:ext>
-            </a:extLst>
-          </p:cNvPr>
-          <p:cNvSpPr/>
-          <p:nvPr/>
-        </p:nvSpPr>
-        <p:spPr>
-          <a:xfrm>
-            <a:off x="0" y="-1"/>
-            <a:ext cx="4324350" cy="160422"/>
-          </a:xfrm>
-          <a:prstGeom prst="rect">
-            <a:avLst/>
-          </a:prstGeom>
-          <a:ln>
-            <a:noFill/>
-          </a:ln>
-        </p:spPr>
-        <p:style>
-          <a:lnRef idx="2">
-            <a:schemeClr val="accent1">
-              <a:shade val="50000"/>
-            </a:schemeClr>
-          </a:lnRef>
-          <a:fillRef idx="1">
-            <a:schemeClr val="accent1"/>
-          </a:fillRef>
-          <a:effectRef idx="0">
-            <a:schemeClr val="accent1"/>
-          </a:effectRef>
-          <a:fontRef idx="minor">
-            <a:schemeClr val="lt1"/>
-          </a:fontRef>
-        </p:style>
-        <p:txBody>
-          <a:bodyPr rtlCol="0" anchor="ctr"/>
-          <a:lstStyle/>
-          <a:p>
-            <a:pPr algn="ctr"/>
-            <a:endParaRPr lang="ko-KR" altLang="en-US"/>
-          </a:p>
-        </p:txBody>
-      </p:sp>
-      <p:sp>
-        <p:nvSpPr>
-          <p:cNvPr id="6" name="직사각형 5">
-            <a:extLst>
-              <a:ext uri="{FF2B5EF4-FFF2-40B4-BE49-F238E27FC236}">
-                <a16:creationId xmlns:a16="http://schemas.microsoft.com/office/drawing/2014/main" id="{D73FA5A3-7443-4A4A-A0C2-99EF274D1D5C}"/>
-              </a:ext>
-            </a:extLst>
-          </p:cNvPr>
-          <p:cNvSpPr/>
-          <p:nvPr/>
-        </p:nvSpPr>
-        <p:spPr>
-          <a:xfrm>
-            <a:off x="9753600" y="-3"/>
-            <a:ext cx="2438400" cy="160423"/>
-          </a:xfrm>
-          <a:prstGeom prst="rect">
-            <a:avLst/>
-          </a:prstGeom>
-          <a:solidFill>
-            <a:schemeClr val="accent3"/>
-          </a:solidFill>
-          <a:ln>
-            <a:noFill/>
-          </a:ln>
-        </p:spPr>
-        <p:style>
-          <a:lnRef idx="2">
-            <a:schemeClr val="accent1">
-              <a:shade val="50000"/>
-            </a:schemeClr>
-          </a:lnRef>
-          <a:fillRef idx="1">
-            <a:schemeClr val="accent1"/>
-          </a:fillRef>
-          <a:effectRef idx="0">
-            <a:schemeClr val="accent1"/>
-          </a:effectRef>
-          <a:fontRef idx="minor">
-            <a:schemeClr val="lt1"/>
-          </a:fontRef>
-        </p:style>
-        <p:txBody>
-          <a:bodyPr rtlCol="0" anchor="ctr"/>
-          <a:lstStyle/>
-          <a:p>
-            <a:pPr algn="ctr"/>
-            <a:endParaRPr lang="ko-KR" altLang="en-US"/>
-          </a:p>
-        </p:txBody>
-      </p:sp>
-      <p:sp>
-        <p:nvSpPr>
           <p:cNvPr id="8" name="TextBox 7">
             <a:extLst>
               <a:ext uri="{FF2B5EF4-FFF2-40B4-BE49-F238E27FC236}">
@@ -36760,13 +39206,18 @@
           <a:lstStyle/>
           <a:p>
             <a:r>
-              <a:rPr lang="ko-KR" altLang="en-US" sz="3600">
+              <a:rPr lang="ko-KR" altLang="en-US" sz="3600" dirty="0" err="1">
                 <a:solidFill>
                   <a:schemeClr val="accent2"/>
                 </a:solidFill>
               </a:rPr>
-              <a:t>중고마켓</a:t>
+              <a:t>오도방구</a:t>
             </a:r>
+            <a:endParaRPr lang="ko-KR" altLang="en-US" sz="3600" dirty="0">
+              <a:solidFill>
+                <a:schemeClr val="accent2"/>
+              </a:solidFill>
+            </a:endParaRPr>
           </a:p>
         </p:txBody>
       </p:sp>
@@ -36822,8 +39273,8 @@
         </p:nvSpPr>
         <p:spPr>
           <a:xfrm>
-            <a:off x="2121195" y="4890013"/>
-            <a:ext cx="20944" cy="99483"/>
+            <a:off x="752271" y="4977397"/>
+            <a:ext cx="45719" cy="85725"/>
           </a:xfrm>
           <a:custGeom>
             <a:avLst/>
@@ -37132,8 +39583,8 @@
         </p:nvSpPr>
         <p:spPr>
           <a:xfrm>
-            <a:off x="2209999" y="6230035"/>
-            <a:ext cx="2191617" cy="307777"/>
+            <a:off x="523854" y="6204252"/>
+            <a:ext cx="3012881" cy="307777"/>
           </a:xfrm>
           <a:prstGeom prst="rect">
             <a:avLst/>
@@ -37153,9 +39604,9 @@
                 <a:ea typeface="Malgun Gothic" panose="020B0503020000020004" pitchFamily="34" charset="-127"/>
                 <a:cs typeface="Arial" panose="020B0604020202020204" pitchFamily="34" charset="0"/>
               </a:rPr>
-              <a:t>상세 필터링 옵션의 부재</a:t>
+              <a:t>부족한 메뉴구성과 커뮤니티의 부재</a:t>
             </a:r>
-            <a:endParaRPr kumimoji="1" lang="ja-JP" altLang="en-US" sz="1400">
+            <a:endParaRPr kumimoji="1" lang="ja-JP" altLang="en-US" sz="1400" dirty="0">
               <a:latin typeface="Arial" panose="020B0604020202020204" pitchFamily="34" charset="0"/>
               <a:ea typeface="Malgun Gothic" panose="020B0503020000020004" pitchFamily="34" charset="-127"/>
               <a:cs typeface="Arial" panose="020B0604020202020204" pitchFamily="34" charset="0"/>
@@ -37165,10 +39616,10 @@
       </p:sp>
       <p:sp>
         <p:nvSpPr>
-          <p:cNvPr id="233" name="テキスト ボックス 18">
+          <p:cNvPr id="237" name="テキスト ボックス 18">
             <a:extLst>
               <a:ext uri="{FF2B5EF4-FFF2-40B4-BE49-F238E27FC236}">
-                <a16:creationId xmlns:a16="http://schemas.microsoft.com/office/drawing/2014/main" id="{41F142C6-179F-48D3-9DD6-464E39CB7461}"/>
+                <a16:creationId xmlns:a16="http://schemas.microsoft.com/office/drawing/2014/main" id="{7327F9AF-D00D-4062-93F4-3D69F2C54E83}"/>
               </a:ext>
             </a:extLst>
           </p:cNvPr>
@@ -37177,8 +39628,8 @@
         </p:nvSpPr>
         <p:spPr>
           <a:xfrm>
-            <a:off x="5775811" y="6212250"/>
-            <a:ext cx="3516389" cy="523220"/>
+            <a:off x="3918407" y="6225868"/>
+            <a:ext cx="2177593" cy="307777"/>
           </a:xfrm>
           <a:prstGeom prst="rect">
             <a:avLst/>
@@ -37193,30 +39644,22 @@
           <a:p>
             <a:pPr algn="just"/>
             <a:r>
-              <a:rPr kumimoji="1" lang="ko-KR" altLang="en-US" sz="1400">
+              <a:rPr lang="ko-KR" altLang="en-US" sz="1400" dirty="0" err="1">
                 <a:latin typeface="Arial" panose="020B0604020202020204" pitchFamily="34" charset="0"/>
                 <a:ea typeface="Malgun Gothic" panose="020B0503020000020004" pitchFamily="34" charset="-127"/>
                 <a:cs typeface="Arial" panose="020B0604020202020204" pitchFamily="34" charset="0"/>
               </a:rPr>
-              <a:t>구매자가 직접 모든 게시물을 확인 하거나</a:t>
+              <a:t>옵션별</a:t>
             </a:r>
-            <a:endParaRPr kumimoji="1" lang="en-US" altLang="ko-KR" sz="1400">
-              <a:latin typeface="Arial" panose="020B0604020202020204" pitchFamily="34" charset="0"/>
-              <a:ea typeface="Malgun Gothic" panose="020B0503020000020004" pitchFamily="34" charset="-127"/>
-              <a:cs typeface="Arial" panose="020B0604020202020204" pitchFamily="34" charset="0"/>
-            </a:endParaRPr>
-          </a:p>
-          <a:p>
-            <a:pPr algn="just"/>
             <a:r>
-              <a:rPr kumimoji="1" lang="ko-KR" altLang="en-US" sz="1400">
+              <a:rPr lang="ko-KR" altLang="en-US" sz="1400" dirty="0">
                 <a:latin typeface="Arial" panose="020B0604020202020204" pitchFamily="34" charset="0"/>
                 <a:ea typeface="Malgun Gothic" panose="020B0503020000020004" pitchFamily="34" charset="-127"/>
                 <a:cs typeface="Arial" panose="020B0604020202020204" pitchFamily="34" charset="0"/>
               </a:rPr>
-              <a:t>판매자가 정확한 검색어를 제목에 게시  </a:t>
+              <a:t> 상세검색의 부재  </a:t>
             </a:r>
-            <a:endParaRPr kumimoji="1" lang="ja-JP" altLang="en-US" sz="1400">
+            <a:endParaRPr kumimoji="1" lang="ja-JP" altLang="en-US" sz="1400" dirty="0">
               <a:latin typeface="Arial" panose="020B0604020202020204" pitchFamily="34" charset="0"/>
               <a:ea typeface="Malgun Gothic" panose="020B0503020000020004" pitchFamily="34" charset="-127"/>
               <a:cs typeface="Arial" panose="020B0604020202020204" pitchFamily="34" charset="0"/>
@@ -37226,10 +39669,10 @@
       </p:sp>
       <p:sp>
         <p:nvSpPr>
-          <p:cNvPr id="237" name="テキスト ボックス 18">
+          <p:cNvPr id="30" name="テキスト ボックス 18">
             <a:extLst>
               <a:ext uri="{FF2B5EF4-FFF2-40B4-BE49-F238E27FC236}">
-                <a16:creationId xmlns:a16="http://schemas.microsoft.com/office/drawing/2014/main" id="{7327F9AF-D00D-4062-93F4-3D69F2C54E83}"/>
+                <a16:creationId xmlns:a16="http://schemas.microsoft.com/office/drawing/2014/main" id="{3EA5D56B-EA8B-0527-5B60-C6366042A307}"/>
               </a:ext>
             </a:extLst>
           </p:cNvPr>
@@ -37238,8 +39681,8 @@
         </p:nvSpPr>
         <p:spPr>
           <a:xfrm>
-            <a:off x="9416536" y="6212250"/>
-            <a:ext cx="2947543" cy="307777"/>
+            <a:off x="7634236" y="6225868"/>
+            <a:ext cx="3903672" cy="307777"/>
           </a:xfrm>
           <a:prstGeom prst="rect">
             <a:avLst/>
@@ -37254,38 +39697,22 @@
           <a:p>
             <a:pPr algn="just"/>
             <a:r>
-              <a:rPr kumimoji="1" lang="ko-KR" altLang="en-US" sz="1400">
+              <a:rPr lang="ko-KR" altLang="en-US" sz="1400">
                 <a:latin typeface="Arial" panose="020B0604020202020204" pitchFamily="34" charset="0"/>
                 <a:ea typeface="Malgun Gothic" panose="020B0503020000020004" pitchFamily="34" charset="-127"/>
                 <a:cs typeface="Arial" panose="020B0604020202020204" pitchFamily="34" charset="0"/>
               </a:rPr>
-              <a:t>당근마켓 내의 </a:t>
+              <a:t>지속적이지 못한 </a:t>
             </a:r>
             <a:r>
-              <a:rPr kumimoji="1" lang="en-US" altLang="ko-KR" sz="1400">
+              <a:rPr lang="ko-KR" altLang="en-US" sz="1400" dirty="0">
                 <a:latin typeface="Arial" panose="020B0604020202020204" pitchFamily="34" charset="0"/>
                 <a:ea typeface="Malgun Gothic" panose="020B0503020000020004" pitchFamily="34" charset="-127"/>
                 <a:cs typeface="Arial" panose="020B0604020202020204" pitchFamily="34" charset="0"/>
               </a:rPr>
-              <a:t>1:1 </a:t>
+              <a:t>서비스 업데이트 및 유지보수</a:t>
             </a:r>
-            <a:r>
-              <a:rPr kumimoji="1" lang="ko-KR" altLang="en-US" sz="1400" err="1">
-                <a:latin typeface="Arial" panose="020B0604020202020204" pitchFamily="34" charset="0"/>
-                <a:ea typeface="Malgun Gothic" panose="020B0503020000020004" pitchFamily="34" charset="-127"/>
-                <a:cs typeface="Arial" panose="020B0604020202020204" pitchFamily="34" charset="0"/>
-              </a:rPr>
-              <a:t>채팅방</a:t>
-            </a:r>
-            <a:r>
-              <a:rPr kumimoji="1" lang="ko-KR" altLang="en-US" sz="1400">
-                <a:latin typeface="Arial" panose="020B0604020202020204" pitchFamily="34" charset="0"/>
-                <a:ea typeface="Malgun Gothic" panose="020B0503020000020004" pitchFamily="34" charset="-127"/>
-                <a:cs typeface="Arial" panose="020B0604020202020204" pitchFamily="34" charset="0"/>
-              </a:rPr>
-              <a:t> 기능</a:t>
-            </a:r>
-            <a:endParaRPr kumimoji="1" lang="ja-JP" altLang="en-US" sz="1400">
+            <a:endParaRPr kumimoji="1" lang="ja-JP" altLang="en-US" sz="1400" dirty="0">
               <a:latin typeface="Arial" panose="020B0604020202020204" pitchFamily="34" charset="0"/>
               <a:ea typeface="Malgun Gothic" panose="020B0503020000020004" pitchFamily="34" charset="-127"/>
               <a:cs typeface="Arial" panose="020B0604020202020204" pitchFamily="34" charset="0"/>
@@ -37293,303 +39720,22 @@
           </a:p>
         </p:txBody>
       </p:sp>
-      <p:pic>
-        <p:nvPicPr>
-          <p:cNvPr id="12" name="그림 11">
-            <a:extLst>
-              <a:ext uri="{FF2B5EF4-FFF2-40B4-BE49-F238E27FC236}">
-                <a16:creationId xmlns:a16="http://schemas.microsoft.com/office/drawing/2014/main" id="{4A112DAF-FD41-FE71-C938-F33058B61C72}"/>
-              </a:ext>
-            </a:extLst>
-          </p:cNvPr>
-          <p:cNvPicPr>
-            <a:picLocks noChangeAspect="1"/>
-          </p:cNvPicPr>
-          <p:nvPr/>
-        </p:nvPicPr>
-        <p:blipFill>
-          <a:blip r:embed="rId2" cstate="screen">
-            <a:extLst>
-              <a:ext uri="{28A0092B-C50C-407E-A947-70E740481C1C}">
-                <a14:useLocalDpi xmlns:a14="http://schemas.microsoft.com/office/drawing/2010/main" val="0"/>
-              </a:ext>
-            </a:extLst>
-          </a:blip>
-          <a:stretch>
-            <a:fillRect/>
-          </a:stretch>
-        </p:blipFill>
-        <p:spPr>
-          <a:xfrm>
-            <a:off x="9827778" y="1228042"/>
-            <a:ext cx="2125061" cy="4722357"/>
-          </a:xfrm>
-          <a:prstGeom prst="rect">
-            <a:avLst/>
-          </a:prstGeom>
-        </p:spPr>
-      </p:pic>
-      <p:pic>
-        <p:nvPicPr>
-          <p:cNvPr id="16" name="그림 15">
-            <a:extLst>
-              <a:ext uri="{FF2B5EF4-FFF2-40B4-BE49-F238E27FC236}">
-                <a16:creationId xmlns:a16="http://schemas.microsoft.com/office/drawing/2014/main" id="{FC886E33-CD70-1E13-EF70-67747B58FEF9}"/>
-              </a:ext>
-            </a:extLst>
-          </p:cNvPr>
-          <p:cNvPicPr>
-            <a:picLocks noChangeAspect="1"/>
-          </p:cNvPicPr>
-          <p:nvPr/>
-        </p:nvPicPr>
-        <p:blipFill>
-          <a:blip r:embed="rId3" cstate="screen">
-            <a:extLst>
-              <a:ext uri="{28A0092B-C50C-407E-A947-70E740481C1C}">
-                <a14:useLocalDpi xmlns:a14="http://schemas.microsoft.com/office/drawing/2010/main" val="0"/>
-              </a:ext>
-            </a:extLst>
-          </a:blip>
-          <a:stretch>
-            <a:fillRect/>
-          </a:stretch>
-        </p:blipFill>
-        <p:spPr>
-          <a:xfrm>
-            <a:off x="6460059" y="1235978"/>
-            <a:ext cx="2125061" cy="4722356"/>
-          </a:xfrm>
-          <a:prstGeom prst="rect">
-            <a:avLst/>
-          </a:prstGeom>
-        </p:spPr>
-      </p:pic>
-      <p:sp>
-        <p:nvSpPr>
-          <p:cNvPr id="24" name="テキスト ボックス 18">
-            <a:extLst>
-              <a:ext uri="{FF2B5EF4-FFF2-40B4-BE49-F238E27FC236}">
-                <a16:creationId xmlns:a16="http://schemas.microsoft.com/office/drawing/2014/main" id="{DC4F4F37-945C-916A-3943-52D771CEA714}"/>
-              </a:ext>
-            </a:extLst>
-          </p:cNvPr>
-          <p:cNvSpPr txBox="1"/>
-          <p:nvPr/>
-        </p:nvSpPr>
-        <p:spPr>
-          <a:xfrm>
-            <a:off x="2945822" y="5941332"/>
-            <a:ext cx="719973" cy="253916"/>
-          </a:xfrm>
-          <a:prstGeom prst="rect">
-            <a:avLst/>
-          </a:prstGeom>
-          <a:noFill/>
-        </p:spPr>
-        <p:txBody>
-          <a:bodyPr wrap="square" rtlCol="0">
-            <a:spAutoFit/>
-          </a:bodyPr>
-          <a:lstStyle/>
-          <a:p>
-            <a:pPr algn="just"/>
-            <a:r>
-              <a:rPr kumimoji="1" lang="ko-KR" altLang="en-US" sz="1050">
-                <a:latin typeface="Arial" panose="020B0604020202020204" pitchFamily="34" charset="0"/>
-                <a:ea typeface="Malgun Gothic" panose="020B0503020000020004" pitchFamily="34" charset="-127"/>
-                <a:cs typeface="Arial" panose="020B0604020202020204" pitchFamily="34" charset="0"/>
-              </a:rPr>
-              <a:t>번개장터</a:t>
-            </a:r>
-            <a:endParaRPr kumimoji="1" lang="ja-JP" altLang="en-US" sz="1050">
-              <a:latin typeface="Arial" panose="020B0604020202020204" pitchFamily="34" charset="0"/>
-              <a:ea typeface="Malgun Gothic" panose="020B0503020000020004" pitchFamily="34" charset="-127"/>
-              <a:cs typeface="Arial" panose="020B0604020202020204" pitchFamily="34" charset="0"/>
-            </a:endParaRPr>
-          </a:p>
-        </p:txBody>
-      </p:sp>
-      <p:sp>
-        <p:nvSpPr>
-          <p:cNvPr id="25" name="テキスト ボックス 18">
-            <a:extLst>
-              <a:ext uri="{FF2B5EF4-FFF2-40B4-BE49-F238E27FC236}">
-                <a16:creationId xmlns:a16="http://schemas.microsoft.com/office/drawing/2014/main" id="{CF6283BF-9C16-04ED-39BB-16A914C2A314}"/>
-              </a:ext>
-            </a:extLst>
-          </p:cNvPr>
-          <p:cNvSpPr txBox="1"/>
-          <p:nvPr/>
-        </p:nvSpPr>
-        <p:spPr>
-          <a:xfrm>
-            <a:off x="7002677" y="5938804"/>
-            <a:ext cx="864674" cy="253916"/>
-          </a:xfrm>
-          <a:prstGeom prst="rect">
-            <a:avLst/>
-          </a:prstGeom>
-          <a:noFill/>
-        </p:spPr>
-        <p:txBody>
-          <a:bodyPr wrap="square" rtlCol="0">
-            <a:spAutoFit/>
-          </a:bodyPr>
-          <a:lstStyle/>
-          <a:p>
-            <a:pPr algn="just"/>
-            <a:r>
-              <a:rPr kumimoji="1" lang="ko-KR" altLang="en-US" sz="1050">
-                <a:latin typeface="Arial" panose="020B0604020202020204" pitchFamily="34" charset="0"/>
-                <a:ea typeface="Malgun Gothic" panose="020B0503020000020004" pitchFamily="34" charset="-127"/>
-                <a:cs typeface="Arial" panose="020B0604020202020204" pitchFamily="34" charset="0"/>
-              </a:rPr>
-              <a:t>네이버카페</a:t>
-            </a:r>
-            <a:endParaRPr kumimoji="1" lang="ja-JP" altLang="en-US" sz="1050">
-              <a:latin typeface="Arial" panose="020B0604020202020204" pitchFamily="34" charset="0"/>
-              <a:ea typeface="Malgun Gothic" panose="020B0503020000020004" pitchFamily="34" charset="-127"/>
-              <a:cs typeface="Arial" panose="020B0604020202020204" pitchFamily="34" charset="0"/>
-            </a:endParaRPr>
-          </a:p>
-        </p:txBody>
-      </p:sp>
-      <p:sp>
-        <p:nvSpPr>
-          <p:cNvPr id="26" name="テキスト ボックス 18">
-            <a:extLst>
-              <a:ext uri="{FF2B5EF4-FFF2-40B4-BE49-F238E27FC236}">
-                <a16:creationId xmlns:a16="http://schemas.microsoft.com/office/drawing/2014/main" id="{DC9E5E18-C9F1-4811-DE25-A368E98FD8C2}"/>
-              </a:ext>
-            </a:extLst>
-          </p:cNvPr>
-          <p:cNvSpPr txBox="1"/>
-          <p:nvPr/>
-        </p:nvSpPr>
-        <p:spPr>
-          <a:xfrm>
-            <a:off x="10530323" y="5938804"/>
-            <a:ext cx="719973" cy="253916"/>
-          </a:xfrm>
-          <a:prstGeom prst="rect">
-            <a:avLst/>
-          </a:prstGeom>
-          <a:noFill/>
-        </p:spPr>
-        <p:txBody>
-          <a:bodyPr wrap="square" rtlCol="0">
-            <a:spAutoFit/>
-          </a:bodyPr>
-          <a:lstStyle/>
-          <a:p>
-            <a:pPr algn="just"/>
-            <a:r>
-              <a:rPr kumimoji="1" lang="ko-KR" altLang="en-US" sz="1050">
-                <a:latin typeface="Arial" panose="020B0604020202020204" pitchFamily="34" charset="0"/>
-                <a:ea typeface="Malgun Gothic" panose="020B0503020000020004" pitchFamily="34" charset="-127"/>
-                <a:cs typeface="Arial" panose="020B0604020202020204" pitchFamily="34" charset="0"/>
-              </a:rPr>
-              <a:t>당근마켓</a:t>
-            </a:r>
-            <a:endParaRPr kumimoji="1" lang="ja-JP" altLang="en-US" sz="1050">
-              <a:latin typeface="Arial" panose="020B0604020202020204" pitchFamily="34" charset="0"/>
-              <a:ea typeface="Malgun Gothic" panose="020B0503020000020004" pitchFamily="34" charset="-127"/>
-              <a:cs typeface="Arial" panose="020B0604020202020204" pitchFamily="34" charset="0"/>
-            </a:endParaRPr>
-          </a:p>
-        </p:txBody>
-      </p:sp>
-      <p:pic>
-        <p:nvPicPr>
-          <p:cNvPr id="21" name="그림 20">
-            <a:extLst>
-              <a:ext uri="{FF2B5EF4-FFF2-40B4-BE49-F238E27FC236}">
-                <a16:creationId xmlns:a16="http://schemas.microsoft.com/office/drawing/2014/main" id="{93E27791-9344-0447-48AD-D51F2B00E6C3}"/>
-              </a:ext>
-            </a:extLst>
-          </p:cNvPr>
-          <p:cNvPicPr>
-            <a:picLocks noChangeAspect="1"/>
-          </p:cNvPicPr>
-          <p:nvPr/>
-        </p:nvPicPr>
-        <p:blipFill>
-          <a:blip r:embed="rId4" cstate="screen">
-            <a:extLst>
-              <a:ext uri="{28A0092B-C50C-407E-A947-70E740481C1C}">
-                <a14:useLocalDpi xmlns:a14="http://schemas.microsoft.com/office/drawing/2010/main" val="0"/>
-              </a:ext>
-            </a:extLst>
-          </a:blip>
-          <a:stretch>
-            <a:fillRect/>
-          </a:stretch>
-        </p:blipFill>
-        <p:spPr>
-          <a:xfrm>
-            <a:off x="3305810" y="1228043"/>
-            <a:ext cx="2121489" cy="4714419"/>
-          </a:xfrm>
-          <a:prstGeom prst="rect">
-            <a:avLst/>
-          </a:prstGeom>
-        </p:spPr>
-      </p:pic>
-      <p:pic>
-        <p:nvPicPr>
-          <p:cNvPr id="23" name="그림 22">
-            <a:extLst>
-              <a:ext uri="{FF2B5EF4-FFF2-40B4-BE49-F238E27FC236}">
-                <a16:creationId xmlns:a16="http://schemas.microsoft.com/office/drawing/2014/main" id="{ED4D31C9-47F5-F272-F4E7-688448D6AB4A}"/>
-              </a:ext>
-            </a:extLst>
-          </p:cNvPr>
-          <p:cNvPicPr>
-            <a:picLocks noChangeAspect="1"/>
-          </p:cNvPicPr>
-          <p:nvPr/>
-        </p:nvPicPr>
-        <p:blipFill>
-          <a:blip r:embed="rId5" cstate="screen">
-            <a:extLst>
-              <a:ext uri="{28A0092B-C50C-407E-A947-70E740481C1C}">
-                <a14:useLocalDpi xmlns:a14="http://schemas.microsoft.com/office/drawing/2010/main" val="0"/>
-              </a:ext>
-            </a:extLst>
-          </a:blip>
-          <a:stretch>
-            <a:fillRect/>
-          </a:stretch>
-        </p:blipFill>
-        <p:spPr>
-          <a:xfrm>
-            <a:off x="1061630" y="1228042"/>
-            <a:ext cx="2125059" cy="4722355"/>
-          </a:xfrm>
-          <a:prstGeom prst="rect">
-            <a:avLst/>
-          </a:prstGeom>
-        </p:spPr>
-      </p:pic>
       <p:cxnSp>
         <p:nvCxnSpPr>
-          <p:cNvPr id="32" name="직선 연결선 31">
+          <p:cNvPr id="19" name="직선 연결선 18">
             <a:extLst>
               <a:ext uri="{FF2B5EF4-FFF2-40B4-BE49-F238E27FC236}">
-                <a16:creationId xmlns:a16="http://schemas.microsoft.com/office/drawing/2014/main" id="{AD44E401-EF85-2307-7362-63483A7AD02F}"/>
+                <a16:creationId xmlns:a16="http://schemas.microsoft.com/office/drawing/2014/main" id="{91B5A2DF-D54D-E00A-31DE-797C4B75A307}"/>
               </a:ext>
             </a:extLst>
           </p:cNvPr>
-          <p:cNvCxnSpPr>
-            <a:cxnSpLocks/>
-          </p:cNvCxnSpPr>
+          <p:cNvCxnSpPr/>
           <p:nvPr/>
         </p:nvCxnSpPr>
         <p:spPr>
           <a:xfrm>
-            <a:off x="5865769" y="1228043"/>
-            <a:ext cx="0" cy="4789630"/>
+            <a:off x="3502590" y="1314867"/>
+            <a:ext cx="0" cy="5265506"/>
           </a:xfrm>
           <a:prstGeom prst="line">
             <a:avLst/>
@@ -37612,10 +39758,579 @@
       </p:cxnSp>
       <p:cxnSp>
         <p:nvCxnSpPr>
-          <p:cNvPr id="34" name="직선 연결선 33">
+          <p:cNvPr id="33" name="직선 연결선 32">
             <a:extLst>
               <a:ext uri="{FF2B5EF4-FFF2-40B4-BE49-F238E27FC236}">
-                <a16:creationId xmlns:a16="http://schemas.microsoft.com/office/drawing/2014/main" id="{CF6E4C8D-8CE7-964B-9CE2-59F9ACDAAD1F}"/>
+                <a16:creationId xmlns:a16="http://schemas.microsoft.com/office/drawing/2014/main" id="{06BC3259-B1F9-9790-6E65-CF8864D1416B}"/>
+              </a:ext>
+            </a:extLst>
+          </p:cNvPr>
+          <p:cNvCxnSpPr/>
+          <p:nvPr/>
+        </p:nvCxnSpPr>
+        <p:spPr>
+          <a:xfrm>
+            <a:off x="6512104" y="1314868"/>
+            <a:ext cx="0" cy="5265506"/>
+          </a:xfrm>
+          <a:prstGeom prst="line">
+            <a:avLst/>
+          </a:prstGeom>
+        </p:spPr>
+        <p:style>
+          <a:lnRef idx="1">
+            <a:schemeClr val="accent1"/>
+          </a:lnRef>
+          <a:fillRef idx="0">
+            <a:schemeClr val="accent1"/>
+          </a:fillRef>
+          <a:effectRef idx="0">
+            <a:schemeClr val="accent1"/>
+          </a:effectRef>
+          <a:fontRef idx="minor">
+            <a:schemeClr val="tx1"/>
+          </a:fontRef>
+        </p:style>
+      </p:cxnSp>
+      <p:pic>
+        <p:nvPicPr>
+          <p:cNvPr id="4" name="그림 3">
+            <a:extLst>
+              <a:ext uri="{FF2B5EF4-FFF2-40B4-BE49-F238E27FC236}">
+                <a16:creationId xmlns:a16="http://schemas.microsoft.com/office/drawing/2014/main" id="{F30A6DED-F761-57C8-B09A-4D7D73F8090F}"/>
+              </a:ext>
+            </a:extLst>
+          </p:cNvPr>
+          <p:cNvPicPr>
+            <a:picLocks noChangeAspect="1"/>
+          </p:cNvPicPr>
+          <p:nvPr/>
+        </p:nvPicPr>
+        <p:blipFill>
+          <a:blip r:embed="rId2" cstate="screen">
+            <a:extLst>
+              <a:ext uri="{28A0092B-C50C-407E-A947-70E740481C1C}">
+                <a14:useLocalDpi xmlns:a14="http://schemas.microsoft.com/office/drawing/2010/main" val="0"/>
+              </a:ext>
+            </a:extLst>
+          </a:blip>
+          <a:stretch>
+            <a:fillRect/>
+          </a:stretch>
+        </p:blipFill>
+        <p:spPr>
+          <a:xfrm>
+            <a:off x="3878524" y="1314867"/>
+            <a:ext cx="2096079" cy="4657953"/>
+          </a:xfrm>
+          <a:prstGeom prst="rect">
+            <a:avLst/>
+          </a:prstGeom>
+        </p:spPr>
+      </p:pic>
+      <p:pic>
+        <p:nvPicPr>
+          <p:cNvPr id="7" name="그림 6" descr="텍스트이(가) 표시된 사진&#10;&#10;자동 생성된 설명">
+            <a:extLst>
+              <a:ext uri="{FF2B5EF4-FFF2-40B4-BE49-F238E27FC236}">
+                <a16:creationId xmlns:a16="http://schemas.microsoft.com/office/drawing/2014/main" id="{75E628A2-E780-34C8-06F6-C7C460E56BBB}"/>
+              </a:ext>
+            </a:extLst>
+          </p:cNvPr>
+          <p:cNvPicPr>
+            <a:picLocks noChangeAspect="1"/>
+          </p:cNvPicPr>
+          <p:nvPr/>
+        </p:nvPicPr>
+        <p:blipFill>
+          <a:blip r:embed="rId3" cstate="screen">
+            <a:extLst>
+              <a:ext uri="{28A0092B-C50C-407E-A947-70E740481C1C}">
+                <a14:useLocalDpi xmlns:a14="http://schemas.microsoft.com/office/drawing/2010/main" val="0"/>
+              </a:ext>
+            </a:extLst>
+          </a:blip>
+          <a:stretch>
+            <a:fillRect/>
+          </a:stretch>
+        </p:blipFill>
+        <p:spPr>
+          <a:xfrm>
+            <a:off x="1139197" y="1314868"/>
+            <a:ext cx="2096081" cy="4657957"/>
+          </a:xfrm>
+          <a:prstGeom prst="rect">
+            <a:avLst/>
+          </a:prstGeom>
+        </p:spPr>
+      </p:pic>
+      <p:pic>
+        <p:nvPicPr>
+          <p:cNvPr id="14" name="그림 13" descr="텍스트이(가) 표시된 사진&#10;&#10;자동 생성된 설명">
+            <a:extLst>
+              <a:ext uri="{FF2B5EF4-FFF2-40B4-BE49-F238E27FC236}">
+                <a16:creationId xmlns:a16="http://schemas.microsoft.com/office/drawing/2014/main" id="{84967E3C-5E9C-C67B-A5C6-A201E6A66EBC}"/>
+              </a:ext>
+            </a:extLst>
+          </p:cNvPr>
+          <p:cNvPicPr>
+            <a:picLocks noChangeAspect="1"/>
+          </p:cNvPicPr>
+          <p:nvPr/>
+        </p:nvPicPr>
+        <p:blipFill>
+          <a:blip r:embed="rId4" cstate="screen">
+            <a:extLst>
+              <a:ext uri="{28A0092B-C50C-407E-A947-70E740481C1C}">
+                <a14:useLocalDpi xmlns:a14="http://schemas.microsoft.com/office/drawing/2010/main" val="0"/>
+              </a:ext>
+            </a:extLst>
+          </a:blip>
+          <a:stretch>
+            <a:fillRect/>
+          </a:stretch>
+        </p:blipFill>
+        <p:spPr>
+          <a:xfrm>
+            <a:off x="6888036" y="1314867"/>
+            <a:ext cx="2096080" cy="4657956"/>
+          </a:xfrm>
+          <a:prstGeom prst="rect">
+            <a:avLst/>
+          </a:prstGeom>
+        </p:spPr>
+      </p:pic>
+      <p:pic>
+        <p:nvPicPr>
+          <p:cNvPr id="18" name="그림 17" descr="텍스트이(가) 표시된 사진&#10;&#10;자동 생성된 설명">
+            <a:extLst>
+              <a:ext uri="{FF2B5EF4-FFF2-40B4-BE49-F238E27FC236}">
+                <a16:creationId xmlns:a16="http://schemas.microsoft.com/office/drawing/2014/main" id="{99B7A86E-66AB-5909-6736-05076C965FFB}"/>
+              </a:ext>
+            </a:extLst>
+          </p:cNvPr>
+          <p:cNvPicPr>
+            <a:picLocks noChangeAspect="1"/>
+          </p:cNvPicPr>
+          <p:nvPr/>
+        </p:nvPicPr>
+        <p:blipFill>
+          <a:blip r:embed="rId5" cstate="screen">
+            <a:extLst>
+              <a:ext uri="{28A0092B-C50C-407E-A947-70E740481C1C}">
+                <a14:useLocalDpi xmlns:a14="http://schemas.microsoft.com/office/drawing/2010/main" val="0"/>
+              </a:ext>
+            </a:extLst>
+          </a:blip>
+          <a:stretch>
+            <a:fillRect/>
+          </a:stretch>
+        </p:blipFill>
+        <p:spPr>
+          <a:xfrm>
+            <a:off x="9743669" y="1314866"/>
+            <a:ext cx="2096079" cy="4657953"/>
+          </a:xfrm>
+          <a:prstGeom prst="rect">
+            <a:avLst/>
+          </a:prstGeom>
+        </p:spPr>
+      </p:pic>
+      <p:sp>
+        <p:nvSpPr>
+          <p:cNvPr id="40" name="직사각형 39">
+            <a:extLst>
+              <a:ext uri="{FF2B5EF4-FFF2-40B4-BE49-F238E27FC236}">
+                <a16:creationId xmlns:a16="http://schemas.microsoft.com/office/drawing/2014/main" id="{9F8E7705-0434-B853-6C4D-E6E9DC8BCEC3}"/>
+              </a:ext>
+            </a:extLst>
+          </p:cNvPr>
+          <p:cNvSpPr/>
+          <p:nvPr/>
+        </p:nvSpPr>
+        <p:spPr>
+          <a:xfrm>
+            <a:off x="-1" y="-1"/>
+            <a:ext cx="4208017" cy="160398"/>
+          </a:xfrm>
+          <a:prstGeom prst="rect">
+            <a:avLst/>
+          </a:prstGeom>
+          <a:ln>
+            <a:noFill/>
+          </a:ln>
+        </p:spPr>
+        <p:style>
+          <a:lnRef idx="2">
+            <a:schemeClr val="accent1">
+              <a:shade val="50000"/>
+            </a:schemeClr>
+          </a:lnRef>
+          <a:fillRef idx="1">
+            <a:schemeClr val="accent1"/>
+          </a:fillRef>
+          <a:effectRef idx="0">
+            <a:schemeClr val="accent1"/>
+          </a:effectRef>
+          <a:fontRef idx="minor">
+            <a:schemeClr val="lt1"/>
+          </a:fontRef>
+        </p:style>
+        <p:txBody>
+          <a:bodyPr rtlCol="0" anchor="ctr"/>
+          <a:lstStyle/>
+          <a:p>
+            <a:pPr algn="ctr"/>
+            <a:endParaRPr lang="ko-KR" altLang="en-US"/>
+          </a:p>
+        </p:txBody>
+      </p:sp>
+      <p:sp>
+        <p:nvSpPr>
+          <p:cNvPr id="41" name="직사각형 40">
+            <a:extLst>
+              <a:ext uri="{FF2B5EF4-FFF2-40B4-BE49-F238E27FC236}">
+                <a16:creationId xmlns:a16="http://schemas.microsoft.com/office/drawing/2014/main" id="{9E7D367A-FD29-08D1-ECC5-6B2ABE2A1554}"/>
+              </a:ext>
+            </a:extLst>
+          </p:cNvPr>
+          <p:cNvSpPr/>
+          <p:nvPr/>
+        </p:nvSpPr>
+        <p:spPr>
+          <a:xfrm>
+            <a:off x="9753600" y="-3"/>
+            <a:ext cx="2438400" cy="160423"/>
+          </a:xfrm>
+          <a:prstGeom prst="rect">
+            <a:avLst/>
+          </a:prstGeom>
+          <a:solidFill>
+            <a:schemeClr val="accent3"/>
+          </a:solidFill>
+          <a:ln>
+            <a:noFill/>
+          </a:ln>
+        </p:spPr>
+        <p:style>
+          <a:lnRef idx="2">
+            <a:schemeClr val="accent1">
+              <a:shade val="50000"/>
+            </a:schemeClr>
+          </a:lnRef>
+          <a:fillRef idx="1">
+            <a:schemeClr val="accent1"/>
+          </a:fillRef>
+          <a:effectRef idx="0">
+            <a:schemeClr val="accent1"/>
+          </a:effectRef>
+          <a:fontRef idx="minor">
+            <a:schemeClr val="lt1"/>
+          </a:fontRef>
+        </p:style>
+        <p:txBody>
+          <a:bodyPr rtlCol="0" anchor="ctr"/>
+          <a:lstStyle/>
+          <a:p>
+            <a:pPr algn="ctr"/>
+            <a:endParaRPr lang="ko-KR" altLang="en-US"/>
+          </a:p>
+        </p:txBody>
+      </p:sp>
+      <p:sp>
+        <p:nvSpPr>
+          <p:cNvPr id="42" name="직사각형 41">
+            <a:extLst>
+              <a:ext uri="{FF2B5EF4-FFF2-40B4-BE49-F238E27FC236}">
+                <a16:creationId xmlns:a16="http://schemas.microsoft.com/office/drawing/2014/main" id="{DB7E73DC-40DF-EA44-E4AB-FD0F1E2D22B8}"/>
+              </a:ext>
+            </a:extLst>
+          </p:cNvPr>
+          <p:cNvSpPr/>
+          <p:nvPr/>
+        </p:nvSpPr>
+        <p:spPr>
+          <a:xfrm>
+            <a:off x="7315200" y="-3"/>
+            <a:ext cx="2438400" cy="160423"/>
+          </a:xfrm>
+          <a:prstGeom prst="rect">
+            <a:avLst/>
+          </a:prstGeom>
+          <a:solidFill>
+            <a:schemeClr val="accent3"/>
+          </a:solidFill>
+          <a:ln>
+            <a:noFill/>
+          </a:ln>
+        </p:spPr>
+        <p:style>
+          <a:lnRef idx="2">
+            <a:schemeClr val="accent1">
+              <a:shade val="50000"/>
+            </a:schemeClr>
+          </a:lnRef>
+          <a:fillRef idx="1">
+            <a:schemeClr val="accent1"/>
+          </a:fillRef>
+          <a:effectRef idx="0">
+            <a:schemeClr val="accent1"/>
+          </a:effectRef>
+          <a:fontRef idx="minor">
+            <a:schemeClr val="lt1"/>
+          </a:fontRef>
+        </p:style>
+        <p:txBody>
+          <a:bodyPr rtlCol="0" anchor="ctr"/>
+          <a:lstStyle/>
+          <a:p>
+            <a:pPr algn="ctr"/>
+            <a:endParaRPr lang="ko-KR" altLang="en-US"/>
+          </a:p>
+        </p:txBody>
+      </p:sp>
+      <p:sp>
+        <p:nvSpPr>
+          <p:cNvPr id="43" name="직사각형 42">
+            <a:extLst>
+              <a:ext uri="{FF2B5EF4-FFF2-40B4-BE49-F238E27FC236}">
+                <a16:creationId xmlns:a16="http://schemas.microsoft.com/office/drawing/2014/main" id="{11275BB2-DB40-B350-3AA5-D4787B4CD0F2}"/>
+              </a:ext>
+            </a:extLst>
+          </p:cNvPr>
+          <p:cNvSpPr/>
+          <p:nvPr/>
+        </p:nvSpPr>
+        <p:spPr>
+          <a:xfrm>
+            <a:off x="4876800" y="0"/>
+            <a:ext cx="2438400" cy="160423"/>
+          </a:xfrm>
+          <a:prstGeom prst="rect">
+            <a:avLst/>
+          </a:prstGeom>
+          <a:solidFill>
+            <a:schemeClr val="accent3"/>
+          </a:solidFill>
+          <a:ln>
+            <a:noFill/>
+          </a:ln>
+        </p:spPr>
+        <p:style>
+          <a:lnRef idx="2">
+            <a:schemeClr val="accent1">
+              <a:shade val="50000"/>
+            </a:schemeClr>
+          </a:lnRef>
+          <a:fillRef idx="1">
+            <a:schemeClr val="accent1"/>
+          </a:fillRef>
+          <a:effectRef idx="0">
+            <a:schemeClr val="accent1"/>
+          </a:effectRef>
+          <a:fontRef idx="minor">
+            <a:schemeClr val="lt1"/>
+          </a:fontRef>
+        </p:style>
+        <p:txBody>
+          <a:bodyPr rtlCol="0" anchor="ctr"/>
+          <a:lstStyle/>
+          <a:p>
+            <a:pPr algn="ctr"/>
+            <a:endParaRPr lang="ko-KR" altLang="en-US"/>
+          </a:p>
+        </p:txBody>
+      </p:sp>
+      <p:sp>
+        <p:nvSpPr>
+          <p:cNvPr id="44" name="직사각형 43">
+            <a:extLst>
+              <a:ext uri="{FF2B5EF4-FFF2-40B4-BE49-F238E27FC236}">
+                <a16:creationId xmlns:a16="http://schemas.microsoft.com/office/drawing/2014/main" id="{4EEE256F-99A6-0A37-4EA8-92A461CCD556}"/>
+              </a:ext>
+            </a:extLst>
+          </p:cNvPr>
+          <p:cNvSpPr/>
+          <p:nvPr/>
+        </p:nvSpPr>
+        <p:spPr>
+          <a:xfrm>
+            <a:off x="4208016" y="-3"/>
+            <a:ext cx="690152" cy="160400"/>
+          </a:xfrm>
+          <a:prstGeom prst="rect">
+            <a:avLst/>
+          </a:prstGeom>
+          <a:solidFill>
+            <a:schemeClr val="accent3"/>
+          </a:solidFill>
+          <a:ln>
+            <a:noFill/>
+          </a:ln>
+        </p:spPr>
+        <p:style>
+          <a:lnRef idx="2">
+            <a:schemeClr val="accent1">
+              <a:shade val="50000"/>
+            </a:schemeClr>
+          </a:lnRef>
+          <a:fillRef idx="1">
+            <a:schemeClr val="accent1"/>
+          </a:fillRef>
+          <a:effectRef idx="0">
+            <a:schemeClr val="accent1"/>
+          </a:effectRef>
+          <a:fontRef idx="minor">
+            <a:schemeClr val="lt1"/>
+          </a:fontRef>
+        </p:style>
+        <p:txBody>
+          <a:bodyPr rtlCol="0" anchor="ctr"/>
+          <a:lstStyle/>
+          <a:p>
+            <a:pPr algn="ctr"/>
+            <a:endParaRPr lang="ko-KR" altLang="en-US"/>
+          </a:p>
+        </p:txBody>
+      </p:sp>
+    </p:spTree>
+    <p:extLst>
+      <p:ext uri="{BB962C8B-B14F-4D97-AF65-F5344CB8AC3E}">
+        <p14:creationId xmlns:p14="http://schemas.microsoft.com/office/powerpoint/2010/main" val="3327776437"/>
+      </p:ext>
+    </p:extLst>
+  </p:cSld>
+  <p:clrMapOvr>
+    <a:masterClrMapping/>
+  </p:clrMapOvr>
+  <mc:AlternateContent xmlns:mc="http://schemas.openxmlformats.org/markup-compatibility/2006" xmlns:p159="http://schemas.microsoft.com/office/powerpoint/2015/09/main">
+    <mc:Choice Requires="p159">
+      <p:transition xmlns:p14="http://schemas.microsoft.com/office/powerpoint/2010/main" spd="slow" p14:dur="2000">
+        <p159:morph option="byObject"/>
+      </p:transition>
+    </mc:Choice>
+    <mc:Fallback xmlns="">
+      <p:transition spd="slow">
+        <p:fade/>
+      </p:transition>
+    </mc:Fallback>
+  </mc:AlternateContent>
+</p:sld>
+</file>
+
+<file path=ppt/slides/slide9.xml><?xml version="1.0" encoding="utf-8"?>
+<p:sld xmlns:a="http://schemas.openxmlformats.org/drawingml/2006/main" xmlns:r="http://schemas.openxmlformats.org/officeDocument/2006/relationships" xmlns:p="http://schemas.openxmlformats.org/presentationml/2006/main">
+  <p:cSld>
+    <p:spTree>
+      <p:nvGrpSpPr>
+        <p:cNvPr id="1" name=""/>
+        <p:cNvGrpSpPr/>
+        <p:nvPr/>
+      </p:nvGrpSpPr>
+      <p:grpSpPr>
+        <a:xfrm>
+          <a:off x="0" y="0"/>
+          <a:ext cx="0" cy="0"/>
+          <a:chOff x="0" y="0"/>
+          <a:chExt cx="0" cy="0"/>
+        </a:xfrm>
+      </p:grpSpPr>
+      <p:sp>
+        <p:nvSpPr>
+          <p:cNvPr id="8" name="TextBox 7">
+            <a:extLst>
+              <a:ext uri="{FF2B5EF4-FFF2-40B4-BE49-F238E27FC236}">
+                <a16:creationId xmlns:a16="http://schemas.microsoft.com/office/drawing/2014/main" id="{348BFED9-3247-4858-97FC-29981B727AB9}"/>
+              </a:ext>
+            </a:extLst>
+          </p:cNvPr>
+          <p:cNvSpPr txBox="1"/>
+          <p:nvPr/>
+        </p:nvSpPr>
+        <p:spPr>
+          <a:xfrm>
+            <a:off x="160421" y="304800"/>
+            <a:ext cx="726866" cy="338554"/>
+          </a:xfrm>
+          <a:prstGeom prst="rect">
+            <a:avLst/>
+          </a:prstGeom>
+          <a:noFill/>
+        </p:spPr>
+        <p:txBody>
+          <a:bodyPr wrap="none" rtlCol="0">
+            <a:spAutoFit/>
+          </a:bodyPr>
+          <a:lstStyle/>
+          <a:p>
+            <a:r>
+              <a:rPr lang="en-US" altLang="ko-KR" sz="1600">
+                <a:solidFill>
+                  <a:schemeClr val="accent2"/>
+                </a:solidFill>
+                <a:latin typeface="+mj-lt"/>
+              </a:rPr>
+              <a:t>Part 1,</a:t>
+            </a:r>
+            <a:endParaRPr lang="ko-KR" altLang="en-US" sz="1600">
+              <a:solidFill>
+                <a:schemeClr val="accent2"/>
+              </a:solidFill>
+              <a:latin typeface="+mj-lt"/>
+            </a:endParaRPr>
+          </a:p>
+        </p:txBody>
+      </p:sp>
+      <p:sp>
+        <p:nvSpPr>
+          <p:cNvPr id="9" name="TextBox 8">
+            <a:extLst>
+              <a:ext uri="{FF2B5EF4-FFF2-40B4-BE49-F238E27FC236}">
+                <a16:creationId xmlns:a16="http://schemas.microsoft.com/office/drawing/2014/main" id="{AE05A515-73BD-4F7C-A919-EAFE378DB41F}"/>
+              </a:ext>
+            </a:extLst>
+          </p:cNvPr>
+          <p:cNvSpPr txBox="1"/>
+          <p:nvPr/>
+        </p:nvSpPr>
+        <p:spPr>
+          <a:xfrm>
+            <a:off x="1061630" y="320188"/>
+            <a:ext cx="1107996" cy="646331"/>
+          </a:xfrm>
+          <a:prstGeom prst="rect">
+            <a:avLst/>
+          </a:prstGeom>
+          <a:noFill/>
+        </p:spPr>
+        <p:txBody>
+          <a:bodyPr wrap="none" rtlCol="0">
+            <a:spAutoFit/>
+          </a:bodyPr>
+          <a:lstStyle/>
+          <a:p>
+            <a:r>
+              <a:rPr lang="ko-KR" altLang="en-US" sz="3600" dirty="0" err="1">
+                <a:solidFill>
+                  <a:schemeClr val="accent2"/>
+                </a:solidFill>
+              </a:rPr>
+              <a:t>타바</a:t>
+            </a:r>
+            <a:endParaRPr lang="ko-KR" altLang="en-US" sz="3600" dirty="0">
+              <a:solidFill>
+                <a:schemeClr val="accent2"/>
+              </a:solidFill>
+            </a:endParaRPr>
+          </a:p>
+        </p:txBody>
+      </p:sp>
+      <p:cxnSp>
+        <p:nvCxnSpPr>
+          <p:cNvPr id="11" name="직선 연결선 10">
+            <a:extLst>
+              <a:ext uri="{FF2B5EF4-FFF2-40B4-BE49-F238E27FC236}">
+                <a16:creationId xmlns:a16="http://schemas.microsoft.com/office/drawing/2014/main" id="{D594AD39-1264-44FB-9659-7901314242FB}"/>
               </a:ext>
             </a:extLst>
           </p:cNvPr>
@@ -37626,8 +40341,8 @@
         </p:nvCxnSpPr>
         <p:spPr>
           <a:xfrm>
-            <a:off x="9163083" y="1168704"/>
-            <a:ext cx="0" cy="4789630"/>
+            <a:off x="1061630" y="1097280"/>
+            <a:ext cx="11130370" cy="0"/>
           </a:xfrm>
           <a:prstGeom prst="line">
             <a:avLst/>
@@ -37650,10 +40365,10 @@
       </p:cxnSp>
       <p:sp>
         <p:nvSpPr>
-          <p:cNvPr id="38" name="직사각형 37">
+          <p:cNvPr id="212" name="자유형: 도형 211">
             <a:extLst>
               <a:ext uri="{FF2B5EF4-FFF2-40B4-BE49-F238E27FC236}">
-                <a16:creationId xmlns:a16="http://schemas.microsoft.com/office/drawing/2014/main" id="{7066FB2E-A17A-0716-7688-F23F9BC4EBF0}"/>
+                <a16:creationId xmlns:a16="http://schemas.microsoft.com/office/drawing/2014/main" id="{82E920FE-5039-4712-9C49-62E4AE82D2BE}"/>
               </a:ext>
             </a:extLst>
           </p:cNvPr>
@@ -37662,7 +40377,942 @@
         </p:nvSpPr>
         <p:spPr>
           <a:xfrm>
-            <a:off x="4324350" y="0"/>
+            <a:off x="752271" y="4977397"/>
+            <a:ext cx="45719" cy="85725"/>
+          </a:xfrm>
+          <a:custGeom>
+            <a:avLst/>
+            <a:gdLst>
+              <a:gd name="connsiteX0" fmla="*/ 19995 w 24384"/>
+              <a:gd name="connsiteY0" fmla="*/ 108997 h 115824"/>
+              <a:gd name="connsiteX1" fmla="*/ 19995 w 24384"/>
+              <a:gd name="connsiteY1" fmla="*/ 108997 h 115824"/>
+              <a:gd name="connsiteX2" fmla="*/ 18776 w 24384"/>
+              <a:gd name="connsiteY2" fmla="*/ 110825 h 115824"/>
+              <a:gd name="connsiteX3" fmla="*/ 18776 w 24384"/>
+              <a:gd name="connsiteY3" fmla="*/ 112045 h 115824"/>
+              <a:gd name="connsiteX4" fmla="*/ 21214 w 24384"/>
+              <a:gd name="connsiteY4" fmla="*/ 114483 h 115824"/>
+              <a:gd name="connsiteX5" fmla="*/ 19995 w 24384"/>
+              <a:gd name="connsiteY5" fmla="*/ 108997 h 115824"/>
+              <a:gd name="connsiteX6" fmla="*/ 10241 w 24384"/>
+              <a:gd name="connsiteY6" fmla="*/ 103510 h 115824"/>
+              <a:gd name="connsiteX7" fmla="*/ 9022 w 24384"/>
+              <a:gd name="connsiteY7" fmla="*/ 103510 h 115824"/>
+              <a:gd name="connsiteX8" fmla="*/ 10241 w 24384"/>
+              <a:gd name="connsiteY8" fmla="*/ 102901 h 115824"/>
+              <a:gd name="connsiteX9" fmla="*/ 7803 w 24384"/>
+              <a:gd name="connsiteY9" fmla="*/ 101681 h 115824"/>
+              <a:gd name="connsiteX10" fmla="*/ 5364 w 24384"/>
+              <a:gd name="connsiteY10" fmla="*/ 101681 h 115824"/>
+              <a:gd name="connsiteX11" fmla="*/ 4145 w 24384"/>
+              <a:gd name="connsiteY11" fmla="*/ 101072 h 115824"/>
+              <a:gd name="connsiteX12" fmla="*/ 4145 w 24384"/>
+              <a:gd name="connsiteY12" fmla="*/ 99853 h 115824"/>
+              <a:gd name="connsiteX13" fmla="*/ 2926 w 24384"/>
+              <a:gd name="connsiteY13" fmla="*/ 101681 h 115824"/>
+              <a:gd name="connsiteX14" fmla="*/ 4145 w 24384"/>
+              <a:gd name="connsiteY14" fmla="*/ 103510 h 115824"/>
+              <a:gd name="connsiteX15" fmla="*/ 9632 w 24384"/>
+              <a:gd name="connsiteY15" fmla="*/ 105949 h 115824"/>
+              <a:gd name="connsiteX16" fmla="*/ 11460 w 24384"/>
+              <a:gd name="connsiteY16" fmla="*/ 107168 h 115824"/>
+              <a:gd name="connsiteX17" fmla="*/ 12680 w 24384"/>
+              <a:gd name="connsiteY17" fmla="*/ 103510 h 115824"/>
+              <a:gd name="connsiteX18" fmla="*/ 12680 w 24384"/>
+              <a:gd name="connsiteY18" fmla="*/ 102291 h 115824"/>
+              <a:gd name="connsiteX19" fmla="*/ 10851 w 24384"/>
+              <a:gd name="connsiteY19" fmla="*/ 102901 h 115824"/>
+              <a:gd name="connsiteX20" fmla="*/ 10851 w 24384"/>
+              <a:gd name="connsiteY20" fmla="*/ 103510 h 115824"/>
+              <a:gd name="connsiteX21" fmla="*/ 10241 w 24384"/>
+              <a:gd name="connsiteY21" fmla="*/ 103510 h 115824"/>
+              <a:gd name="connsiteX22" fmla="*/ 25481 w 24384"/>
+              <a:gd name="connsiteY22" fmla="*/ 5974 h 115824"/>
+              <a:gd name="connsiteX23" fmla="*/ 26091 w 24384"/>
+              <a:gd name="connsiteY23" fmla="*/ 4755 h 115824"/>
+              <a:gd name="connsiteX24" fmla="*/ 26091 w 24384"/>
+              <a:gd name="connsiteY24" fmla="*/ 3536 h 115824"/>
+              <a:gd name="connsiteX25" fmla="*/ 24262 w 24384"/>
+              <a:gd name="connsiteY25" fmla="*/ 2926 h 115824"/>
+              <a:gd name="connsiteX26" fmla="*/ 23652 w 24384"/>
+              <a:gd name="connsiteY26" fmla="*/ 2926 h 115824"/>
+              <a:gd name="connsiteX27" fmla="*/ 21824 w 24384"/>
+              <a:gd name="connsiteY27" fmla="*/ 5974 h 115824"/>
+              <a:gd name="connsiteX28" fmla="*/ 22433 w 24384"/>
+              <a:gd name="connsiteY28" fmla="*/ 6584 h 115824"/>
+              <a:gd name="connsiteX29" fmla="*/ 24262 w 24384"/>
+              <a:gd name="connsiteY29" fmla="*/ 7803 h 115824"/>
+              <a:gd name="connsiteX30" fmla="*/ 24872 w 24384"/>
+              <a:gd name="connsiteY30" fmla="*/ 7803 h 115824"/>
+              <a:gd name="connsiteX31" fmla="*/ 25481 w 24384"/>
+              <a:gd name="connsiteY31" fmla="*/ 5974 h 115824"/>
+            </a:gdLst>
+            <a:ahLst/>
+            <a:cxnLst>
+              <a:cxn ang="0">
+                <a:pos x="connsiteX0" y="connsiteY0"/>
+              </a:cxn>
+              <a:cxn ang="0">
+                <a:pos x="connsiteX1" y="connsiteY1"/>
+              </a:cxn>
+              <a:cxn ang="0">
+                <a:pos x="connsiteX2" y="connsiteY2"/>
+              </a:cxn>
+              <a:cxn ang="0">
+                <a:pos x="connsiteX3" y="connsiteY3"/>
+              </a:cxn>
+              <a:cxn ang="0">
+                <a:pos x="connsiteX4" y="connsiteY4"/>
+              </a:cxn>
+              <a:cxn ang="0">
+                <a:pos x="connsiteX5" y="connsiteY5"/>
+              </a:cxn>
+              <a:cxn ang="0">
+                <a:pos x="connsiteX6" y="connsiteY6"/>
+              </a:cxn>
+              <a:cxn ang="0">
+                <a:pos x="connsiteX7" y="connsiteY7"/>
+              </a:cxn>
+              <a:cxn ang="0">
+                <a:pos x="connsiteX8" y="connsiteY8"/>
+              </a:cxn>
+              <a:cxn ang="0">
+                <a:pos x="connsiteX9" y="connsiteY9"/>
+              </a:cxn>
+              <a:cxn ang="0">
+                <a:pos x="connsiteX10" y="connsiteY10"/>
+              </a:cxn>
+              <a:cxn ang="0">
+                <a:pos x="connsiteX11" y="connsiteY11"/>
+              </a:cxn>
+              <a:cxn ang="0">
+                <a:pos x="connsiteX12" y="connsiteY12"/>
+              </a:cxn>
+              <a:cxn ang="0">
+                <a:pos x="connsiteX13" y="connsiteY13"/>
+              </a:cxn>
+              <a:cxn ang="0">
+                <a:pos x="connsiteX14" y="connsiteY14"/>
+              </a:cxn>
+              <a:cxn ang="0">
+                <a:pos x="connsiteX15" y="connsiteY15"/>
+              </a:cxn>
+              <a:cxn ang="0">
+                <a:pos x="connsiteX16" y="connsiteY16"/>
+              </a:cxn>
+              <a:cxn ang="0">
+                <a:pos x="connsiteX17" y="connsiteY17"/>
+              </a:cxn>
+              <a:cxn ang="0">
+                <a:pos x="connsiteX18" y="connsiteY18"/>
+              </a:cxn>
+              <a:cxn ang="0">
+                <a:pos x="connsiteX19" y="connsiteY19"/>
+              </a:cxn>
+              <a:cxn ang="0">
+                <a:pos x="connsiteX20" y="connsiteY20"/>
+              </a:cxn>
+              <a:cxn ang="0">
+                <a:pos x="connsiteX21" y="connsiteY21"/>
+              </a:cxn>
+              <a:cxn ang="0">
+                <a:pos x="connsiteX22" y="connsiteY22"/>
+              </a:cxn>
+              <a:cxn ang="0">
+                <a:pos x="connsiteX23" y="connsiteY23"/>
+              </a:cxn>
+              <a:cxn ang="0">
+                <a:pos x="connsiteX24" y="connsiteY24"/>
+              </a:cxn>
+              <a:cxn ang="0">
+                <a:pos x="connsiteX25" y="connsiteY25"/>
+              </a:cxn>
+              <a:cxn ang="0">
+                <a:pos x="connsiteX26" y="connsiteY26"/>
+              </a:cxn>
+              <a:cxn ang="0">
+                <a:pos x="connsiteX27" y="connsiteY27"/>
+              </a:cxn>
+              <a:cxn ang="0">
+                <a:pos x="connsiteX28" y="connsiteY28"/>
+              </a:cxn>
+              <a:cxn ang="0">
+                <a:pos x="connsiteX29" y="connsiteY29"/>
+              </a:cxn>
+              <a:cxn ang="0">
+                <a:pos x="connsiteX30" y="connsiteY30"/>
+              </a:cxn>
+              <a:cxn ang="0">
+                <a:pos x="connsiteX31" y="connsiteY31"/>
+              </a:cxn>
+            </a:cxnLst>
+            <a:rect l="l" t="t" r="r" b="b"/>
+            <a:pathLst>
+              <a:path w="24384" h="115824">
+                <a:moveTo>
+                  <a:pt x="19995" y="108997"/>
+                </a:moveTo>
+                <a:lnTo>
+                  <a:pt x="19995" y="108997"/>
+                </a:lnTo>
+                <a:lnTo>
+                  <a:pt x="18776" y="110825"/>
+                </a:lnTo>
+                <a:lnTo>
+                  <a:pt x="18776" y="112045"/>
+                </a:lnTo>
+                <a:lnTo>
+                  <a:pt x="21214" y="114483"/>
+                </a:lnTo>
+                <a:lnTo>
+                  <a:pt x="19995" y="108997"/>
+                </a:lnTo>
+                <a:close/>
+                <a:moveTo>
+                  <a:pt x="10241" y="103510"/>
+                </a:moveTo>
+                <a:lnTo>
+                  <a:pt x="9022" y="103510"/>
+                </a:lnTo>
+                <a:lnTo>
+                  <a:pt x="10241" y="102901"/>
+                </a:lnTo>
+                <a:lnTo>
+                  <a:pt x="7803" y="101681"/>
+                </a:lnTo>
+                <a:lnTo>
+                  <a:pt x="5364" y="101681"/>
+                </a:lnTo>
+                <a:lnTo>
+                  <a:pt x="4145" y="101072"/>
+                </a:lnTo>
+                <a:lnTo>
+                  <a:pt x="4145" y="99853"/>
+                </a:lnTo>
+                <a:lnTo>
+                  <a:pt x="2926" y="101681"/>
+                </a:lnTo>
+                <a:lnTo>
+                  <a:pt x="4145" y="103510"/>
+                </a:lnTo>
+                <a:lnTo>
+                  <a:pt x="9632" y="105949"/>
+                </a:lnTo>
+                <a:lnTo>
+                  <a:pt x="11460" y="107168"/>
+                </a:lnTo>
+                <a:lnTo>
+                  <a:pt x="12680" y="103510"/>
+                </a:lnTo>
+                <a:lnTo>
+                  <a:pt x="12680" y="102291"/>
+                </a:lnTo>
+                <a:lnTo>
+                  <a:pt x="10851" y="102901"/>
+                </a:lnTo>
+                <a:lnTo>
+                  <a:pt x="10851" y="103510"/>
+                </a:lnTo>
+                <a:lnTo>
+                  <a:pt x="10241" y="103510"/>
+                </a:lnTo>
+                <a:close/>
+                <a:moveTo>
+                  <a:pt x="25481" y="5974"/>
+                </a:moveTo>
+                <a:lnTo>
+                  <a:pt x="26091" y="4755"/>
+                </a:lnTo>
+                <a:lnTo>
+                  <a:pt x="26091" y="3536"/>
+                </a:lnTo>
+                <a:lnTo>
+                  <a:pt x="24262" y="2926"/>
+                </a:lnTo>
+                <a:lnTo>
+                  <a:pt x="23652" y="2926"/>
+                </a:lnTo>
+                <a:lnTo>
+                  <a:pt x="21824" y="5974"/>
+                </a:lnTo>
+                <a:lnTo>
+                  <a:pt x="22433" y="6584"/>
+                </a:lnTo>
+                <a:lnTo>
+                  <a:pt x="24262" y="7803"/>
+                </a:lnTo>
+                <a:lnTo>
+                  <a:pt x="24872" y="7803"/>
+                </a:lnTo>
+                <a:lnTo>
+                  <a:pt x="25481" y="5974"/>
+                </a:lnTo>
+                <a:close/>
+              </a:path>
+            </a:pathLst>
+          </a:custGeom>
+          <a:solidFill>
+            <a:schemeClr val="bg2">
+              <a:lumMod val="25000"/>
+            </a:schemeClr>
+          </a:solidFill>
+          <a:ln w="6096" cap="flat">
+            <a:solidFill>
+              <a:schemeClr val="bg1"/>
+            </a:solidFill>
+            <a:prstDash val="solid"/>
+            <a:round/>
+          </a:ln>
+        </p:spPr>
+        <p:txBody>
+          <a:bodyPr rtlCol="0" anchor="ctr"/>
+          <a:lstStyle/>
+          <a:p>
+            <a:endParaRPr lang="ko-KR" altLang="en-US"/>
+          </a:p>
+        </p:txBody>
+      </p:sp>
+      <p:sp>
+        <p:nvSpPr>
+          <p:cNvPr id="229" name="テキスト ボックス 18">
+            <a:extLst>
+              <a:ext uri="{FF2B5EF4-FFF2-40B4-BE49-F238E27FC236}">
+                <a16:creationId xmlns:a16="http://schemas.microsoft.com/office/drawing/2014/main" id="{35BCC408-6524-4B7F-B7BF-4F341113117D}"/>
+              </a:ext>
+            </a:extLst>
+          </p:cNvPr>
+          <p:cNvSpPr txBox="1"/>
+          <p:nvPr/>
+        </p:nvSpPr>
+        <p:spPr>
+          <a:xfrm>
+            <a:off x="976992" y="6233434"/>
+            <a:ext cx="2435981" cy="523220"/>
+          </a:xfrm>
+          <a:prstGeom prst="rect">
+            <a:avLst/>
+          </a:prstGeom>
+          <a:noFill/>
+        </p:spPr>
+        <p:txBody>
+          <a:bodyPr wrap="square" rtlCol="0">
+            <a:spAutoFit/>
+          </a:bodyPr>
+          <a:lstStyle/>
+          <a:p>
+            <a:pPr algn="just"/>
+            <a:r>
+              <a:rPr kumimoji="1" lang="ko-KR" altLang="en-US" sz="1400" dirty="0">
+                <a:latin typeface="Arial" panose="020B0604020202020204" pitchFamily="34" charset="0"/>
+                <a:ea typeface="Malgun Gothic" panose="020B0503020000020004" pitchFamily="34" charset="-127"/>
+                <a:cs typeface="Arial" panose="020B0604020202020204" pitchFamily="34" charset="0"/>
+              </a:rPr>
+              <a:t>굉장히 작은 글씨와 </a:t>
+            </a:r>
+            <a:r>
+              <a:rPr kumimoji="1" lang="ko-KR" altLang="en-US" sz="1400" dirty="0" err="1">
+                <a:latin typeface="Arial" panose="020B0604020202020204" pitchFamily="34" charset="0"/>
+                <a:ea typeface="Malgun Gothic" panose="020B0503020000020004" pitchFamily="34" charset="-127"/>
+                <a:cs typeface="Arial" panose="020B0604020202020204" pitchFamily="34" charset="0"/>
+              </a:rPr>
+              <a:t>한눈에보기</a:t>
+            </a:r>
+            <a:r>
+              <a:rPr kumimoji="1" lang="ko-KR" altLang="en-US" sz="1400" dirty="0">
+                <a:latin typeface="Arial" panose="020B0604020202020204" pitchFamily="34" charset="0"/>
+                <a:ea typeface="Malgun Gothic" panose="020B0503020000020004" pitchFamily="34" charset="-127"/>
+                <a:cs typeface="Arial" panose="020B0604020202020204" pitchFamily="34" charset="0"/>
+              </a:rPr>
+              <a:t> 어려운 </a:t>
+            </a:r>
+            <a:r>
+              <a:rPr kumimoji="1" lang="en-US" altLang="ko-KR" sz="1400" dirty="0">
+                <a:latin typeface="Arial" panose="020B0604020202020204" pitchFamily="34" charset="0"/>
+                <a:ea typeface="Malgun Gothic" panose="020B0503020000020004" pitchFamily="34" charset="-127"/>
+                <a:cs typeface="Arial" panose="020B0604020202020204" pitchFamily="34" charset="0"/>
+              </a:rPr>
+              <a:t>UI</a:t>
+            </a:r>
+            <a:r>
+              <a:rPr kumimoji="1" lang="ko-KR" altLang="en-US" sz="1400" dirty="0">
+                <a:latin typeface="Arial" panose="020B0604020202020204" pitchFamily="34" charset="0"/>
+                <a:ea typeface="Malgun Gothic" panose="020B0503020000020004" pitchFamily="34" charset="-127"/>
+                <a:cs typeface="Arial" panose="020B0604020202020204" pitchFamily="34" charset="0"/>
+              </a:rPr>
+              <a:t>구조</a:t>
+            </a:r>
+            <a:endParaRPr kumimoji="1" lang="ja-JP" altLang="en-US" sz="1400" dirty="0">
+              <a:latin typeface="Arial" panose="020B0604020202020204" pitchFamily="34" charset="0"/>
+              <a:ea typeface="Malgun Gothic" panose="020B0503020000020004" pitchFamily="34" charset="-127"/>
+              <a:cs typeface="Arial" panose="020B0604020202020204" pitchFamily="34" charset="0"/>
+            </a:endParaRPr>
+          </a:p>
+        </p:txBody>
+      </p:sp>
+      <p:sp>
+        <p:nvSpPr>
+          <p:cNvPr id="233" name="テキスト ボックス 18">
+            <a:extLst>
+              <a:ext uri="{FF2B5EF4-FFF2-40B4-BE49-F238E27FC236}">
+                <a16:creationId xmlns:a16="http://schemas.microsoft.com/office/drawing/2014/main" id="{41F142C6-179F-48D3-9DD6-464E39CB7461}"/>
+              </a:ext>
+            </a:extLst>
+          </p:cNvPr>
+          <p:cNvSpPr txBox="1"/>
+          <p:nvPr/>
+        </p:nvSpPr>
+        <p:spPr>
+          <a:xfrm>
+            <a:off x="3927089" y="6298877"/>
+            <a:ext cx="2523858" cy="307777"/>
+          </a:xfrm>
+          <a:prstGeom prst="rect">
+            <a:avLst/>
+          </a:prstGeom>
+          <a:noFill/>
+        </p:spPr>
+        <p:txBody>
+          <a:bodyPr wrap="square" rtlCol="0">
+            <a:spAutoFit/>
+          </a:bodyPr>
+          <a:lstStyle/>
+          <a:p>
+            <a:pPr algn="just"/>
+            <a:r>
+              <a:rPr kumimoji="1" lang="ko-KR" altLang="en-US" sz="1400" dirty="0">
+                <a:latin typeface="Arial" panose="020B0604020202020204" pitchFamily="34" charset="0"/>
+                <a:ea typeface="Malgun Gothic" panose="020B0503020000020004" pitchFamily="34" charset="-127"/>
+                <a:cs typeface="Arial" panose="020B0604020202020204" pitchFamily="34" charset="0"/>
+              </a:rPr>
+              <a:t>커뮤니티의 형식의 부족</a:t>
+            </a:r>
+            <a:endParaRPr kumimoji="1" lang="ja-JP" altLang="en-US" sz="1400" dirty="0">
+              <a:latin typeface="Arial" panose="020B0604020202020204" pitchFamily="34" charset="0"/>
+              <a:ea typeface="Malgun Gothic" panose="020B0503020000020004" pitchFamily="34" charset="-127"/>
+              <a:cs typeface="Arial" panose="020B0604020202020204" pitchFamily="34" charset="0"/>
+            </a:endParaRPr>
+          </a:p>
+        </p:txBody>
+      </p:sp>
+      <p:sp>
+        <p:nvSpPr>
+          <p:cNvPr id="237" name="テキスト ボックス 18">
+            <a:extLst>
+              <a:ext uri="{FF2B5EF4-FFF2-40B4-BE49-F238E27FC236}">
+                <a16:creationId xmlns:a16="http://schemas.microsoft.com/office/drawing/2014/main" id="{7327F9AF-D00D-4062-93F4-3D69F2C54E83}"/>
+              </a:ext>
+            </a:extLst>
+          </p:cNvPr>
+          <p:cNvSpPr txBox="1"/>
+          <p:nvPr/>
+        </p:nvSpPr>
+        <p:spPr>
+          <a:xfrm>
+            <a:off x="6925575" y="6233435"/>
+            <a:ext cx="2177593" cy="307777"/>
+          </a:xfrm>
+          <a:prstGeom prst="rect">
+            <a:avLst/>
+          </a:prstGeom>
+          <a:noFill/>
+        </p:spPr>
+        <p:txBody>
+          <a:bodyPr wrap="square" rtlCol="0">
+            <a:spAutoFit/>
+          </a:bodyPr>
+          <a:lstStyle/>
+          <a:p>
+            <a:pPr algn="just"/>
+            <a:r>
+              <a:rPr lang="ko-KR" altLang="en-US" sz="1400" dirty="0" err="1">
+                <a:latin typeface="Arial" panose="020B0604020202020204" pitchFamily="34" charset="0"/>
+                <a:ea typeface="Malgun Gothic" panose="020B0503020000020004" pitchFamily="34" charset="-127"/>
+                <a:cs typeface="Arial" panose="020B0604020202020204" pitchFamily="34" charset="0"/>
+              </a:rPr>
+              <a:t>옵션별</a:t>
+            </a:r>
+            <a:r>
+              <a:rPr lang="ko-KR" altLang="en-US" sz="1400" dirty="0">
+                <a:latin typeface="Arial" panose="020B0604020202020204" pitchFamily="34" charset="0"/>
+                <a:ea typeface="Malgun Gothic" panose="020B0503020000020004" pitchFamily="34" charset="-127"/>
+                <a:cs typeface="Arial" panose="020B0604020202020204" pitchFamily="34" charset="0"/>
+              </a:rPr>
+              <a:t> 상세검색의 부재</a:t>
+            </a:r>
+            <a:endParaRPr kumimoji="1" lang="ja-JP" altLang="en-US" sz="1400" dirty="0">
+              <a:latin typeface="Arial" panose="020B0604020202020204" pitchFamily="34" charset="0"/>
+              <a:ea typeface="Malgun Gothic" panose="020B0503020000020004" pitchFamily="34" charset="-127"/>
+              <a:cs typeface="Arial" panose="020B0604020202020204" pitchFamily="34" charset="0"/>
+            </a:endParaRPr>
+          </a:p>
+        </p:txBody>
+      </p:sp>
+      <p:sp>
+        <p:nvSpPr>
+          <p:cNvPr id="30" name="テキスト ボックス 18">
+            <a:extLst>
+              <a:ext uri="{FF2B5EF4-FFF2-40B4-BE49-F238E27FC236}">
+                <a16:creationId xmlns:a16="http://schemas.microsoft.com/office/drawing/2014/main" id="{3EA5D56B-EA8B-0527-5B60-C6366042A307}"/>
+              </a:ext>
+            </a:extLst>
+          </p:cNvPr>
+          <p:cNvSpPr txBox="1"/>
+          <p:nvPr/>
+        </p:nvSpPr>
+        <p:spPr>
+          <a:xfrm>
+            <a:off x="9470324" y="6233434"/>
+            <a:ext cx="2363684" cy="523220"/>
+          </a:xfrm>
+          <a:prstGeom prst="rect">
+            <a:avLst/>
+          </a:prstGeom>
+          <a:noFill/>
+        </p:spPr>
+        <p:txBody>
+          <a:bodyPr wrap="square" rtlCol="0">
+            <a:spAutoFit/>
+          </a:bodyPr>
+          <a:lstStyle/>
+          <a:p>
+            <a:pPr algn="just"/>
+            <a:r>
+              <a:rPr kumimoji="1" lang="ko-KR" altLang="en-US" sz="1400" dirty="0">
+                <a:latin typeface="Arial" panose="020B0604020202020204" pitchFamily="34" charset="0"/>
+                <a:ea typeface="Malgun Gothic" panose="020B0503020000020004" pitchFamily="34" charset="-127"/>
+                <a:cs typeface="Arial" panose="020B0604020202020204" pitchFamily="34" charset="0"/>
+              </a:rPr>
+              <a:t>지속적이지 못한 업데이트 및 유지보수</a:t>
+            </a:r>
+            <a:endParaRPr kumimoji="1" lang="ja-JP" altLang="en-US" sz="1400" dirty="0">
+              <a:latin typeface="Arial" panose="020B0604020202020204" pitchFamily="34" charset="0"/>
+              <a:ea typeface="Malgun Gothic" panose="020B0503020000020004" pitchFamily="34" charset="-127"/>
+              <a:cs typeface="Arial" panose="020B0604020202020204" pitchFamily="34" charset="0"/>
+            </a:endParaRPr>
+          </a:p>
+        </p:txBody>
+      </p:sp>
+      <p:cxnSp>
+        <p:nvCxnSpPr>
+          <p:cNvPr id="19" name="직선 연결선 18">
+            <a:extLst>
+              <a:ext uri="{FF2B5EF4-FFF2-40B4-BE49-F238E27FC236}">
+                <a16:creationId xmlns:a16="http://schemas.microsoft.com/office/drawing/2014/main" id="{91B5A2DF-D54D-E00A-31DE-797C4B75A307}"/>
+              </a:ext>
+            </a:extLst>
+          </p:cNvPr>
+          <p:cNvCxnSpPr/>
+          <p:nvPr/>
+        </p:nvCxnSpPr>
+        <p:spPr>
+          <a:xfrm>
+            <a:off x="3431569" y="1314868"/>
+            <a:ext cx="0" cy="5265506"/>
+          </a:xfrm>
+          <a:prstGeom prst="line">
+            <a:avLst/>
+          </a:prstGeom>
+        </p:spPr>
+        <p:style>
+          <a:lnRef idx="1">
+            <a:schemeClr val="accent1"/>
+          </a:lnRef>
+          <a:fillRef idx="0">
+            <a:schemeClr val="accent1"/>
+          </a:fillRef>
+          <a:effectRef idx="0">
+            <a:schemeClr val="accent1"/>
+          </a:effectRef>
+          <a:fontRef idx="minor">
+            <a:schemeClr val="tx1"/>
+          </a:fontRef>
+        </p:style>
+      </p:cxnSp>
+      <p:cxnSp>
+        <p:nvCxnSpPr>
+          <p:cNvPr id="33" name="직선 연결선 32">
+            <a:extLst>
+              <a:ext uri="{FF2B5EF4-FFF2-40B4-BE49-F238E27FC236}">
+                <a16:creationId xmlns:a16="http://schemas.microsoft.com/office/drawing/2014/main" id="{06BC3259-B1F9-9790-6E65-CF8864D1416B}"/>
+              </a:ext>
+            </a:extLst>
+          </p:cNvPr>
+          <p:cNvCxnSpPr/>
+          <p:nvPr/>
+        </p:nvCxnSpPr>
+        <p:spPr>
+          <a:xfrm>
+            <a:off x="6512104" y="1314868"/>
+            <a:ext cx="0" cy="5265506"/>
+          </a:xfrm>
+          <a:prstGeom prst="line">
+            <a:avLst/>
+          </a:prstGeom>
+        </p:spPr>
+        <p:style>
+          <a:lnRef idx="1">
+            <a:schemeClr val="accent1"/>
+          </a:lnRef>
+          <a:fillRef idx="0">
+            <a:schemeClr val="accent1"/>
+          </a:fillRef>
+          <a:effectRef idx="0">
+            <a:schemeClr val="accent1"/>
+          </a:effectRef>
+          <a:fontRef idx="minor">
+            <a:schemeClr val="tx1"/>
+          </a:fontRef>
+        </p:style>
+      </p:cxnSp>
+      <p:pic>
+        <p:nvPicPr>
+          <p:cNvPr id="4" name="그림 3">
+            <a:extLst>
+              <a:ext uri="{FF2B5EF4-FFF2-40B4-BE49-F238E27FC236}">
+                <a16:creationId xmlns:a16="http://schemas.microsoft.com/office/drawing/2014/main" id="{B869BA3D-2E63-D2E4-5701-AD811DCF7D31}"/>
+              </a:ext>
+            </a:extLst>
+          </p:cNvPr>
+          <p:cNvPicPr>
+            <a:picLocks noChangeAspect="1"/>
+          </p:cNvPicPr>
+          <p:nvPr/>
+        </p:nvPicPr>
+        <p:blipFill>
+          <a:blip r:embed="rId2" cstate="screen">
+            <a:extLst>
+              <a:ext uri="{28A0092B-C50C-407E-A947-70E740481C1C}">
+                <a14:useLocalDpi xmlns:a14="http://schemas.microsoft.com/office/drawing/2010/main" val="0"/>
+              </a:ext>
+            </a:extLst>
+          </a:blip>
+          <a:stretch>
+            <a:fillRect/>
+          </a:stretch>
+        </p:blipFill>
+        <p:spPr>
+          <a:xfrm>
+            <a:off x="6983373" y="1423331"/>
+            <a:ext cx="2061998" cy="4582217"/>
+          </a:xfrm>
+          <a:prstGeom prst="rect">
+            <a:avLst/>
+          </a:prstGeom>
+        </p:spPr>
+      </p:pic>
+      <p:pic>
+        <p:nvPicPr>
+          <p:cNvPr id="7" name="그림 6">
+            <a:extLst>
+              <a:ext uri="{FF2B5EF4-FFF2-40B4-BE49-F238E27FC236}">
+                <a16:creationId xmlns:a16="http://schemas.microsoft.com/office/drawing/2014/main" id="{D31E869C-7BC3-9528-21DC-1CE724BE3F0C}"/>
+              </a:ext>
+            </a:extLst>
+          </p:cNvPr>
+          <p:cNvPicPr>
+            <a:picLocks noChangeAspect="1"/>
+          </p:cNvPicPr>
+          <p:nvPr/>
+        </p:nvPicPr>
+        <p:blipFill>
+          <a:blip r:embed="rId3" cstate="screen">
+            <a:extLst>
+              <a:ext uri="{28A0092B-C50C-407E-A947-70E740481C1C}">
+                <a14:useLocalDpi xmlns:a14="http://schemas.microsoft.com/office/drawing/2010/main" val="0"/>
+              </a:ext>
+            </a:extLst>
+          </a:blip>
+          <a:stretch>
+            <a:fillRect/>
+          </a:stretch>
+        </p:blipFill>
+        <p:spPr>
+          <a:xfrm>
+            <a:off x="3917564" y="1423331"/>
+            <a:ext cx="2047273" cy="4549496"/>
+          </a:xfrm>
+          <a:prstGeom prst="rect">
+            <a:avLst/>
+          </a:prstGeom>
+        </p:spPr>
+      </p:pic>
+      <p:pic>
+        <p:nvPicPr>
+          <p:cNvPr id="14" name="그림 13">
+            <a:extLst>
+              <a:ext uri="{FF2B5EF4-FFF2-40B4-BE49-F238E27FC236}">
+                <a16:creationId xmlns:a16="http://schemas.microsoft.com/office/drawing/2014/main" id="{A42008CB-6C48-302C-4F49-0457FFF60190}"/>
+              </a:ext>
+            </a:extLst>
+          </p:cNvPr>
+          <p:cNvPicPr>
+            <a:picLocks noChangeAspect="1"/>
+          </p:cNvPicPr>
+          <p:nvPr/>
+        </p:nvPicPr>
+        <p:blipFill>
+          <a:blip r:embed="rId4" cstate="screen">
+            <a:extLst>
+              <a:ext uri="{28A0092B-C50C-407E-A947-70E740481C1C}">
+                <a14:useLocalDpi xmlns:a14="http://schemas.microsoft.com/office/drawing/2010/main" val="0"/>
+              </a:ext>
+            </a:extLst>
+          </a:blip>
+          <a:stretch>
+            <a:fillRect/>
+          </a:stretch>
+        </p:blipFill>
+        <p:spPr>
+          <a:xfrm>
+            <a:off x="1142759" y="1314868"/>
+            <a:ext cx="2047272" cy="4549494"/>
+          </a:xfrm>
+          <a:prstGeom prst="rect">
+            <a:avLst/>
+          </a:prstGeom>
+        </p:spPr>
+      </p:pic>
+      <p:pic>
+        <p:nvPicPr>
+          <p:cNvPr id="18" name="그림 17">
+            <a:extLst>
+              <a:ext uri="{FF2B5EF4-FFF2-40B4-BE49-F238E27FC236}">
+                <a16:creationId xmlns:a16="http://schemas.microsoft.com/office/drawing/2014/main" id="{A8D89AA0-B069-A44C-EC13-075B62405CA0}"/>
+              </a:ext>
+            </a:extLst>
+          </p:cNvPr>
+          <p:cNvPicPr>
+            <a:picLocks noChangeAspect="1"/>
+          </p:cNvPicPr>
+          <p:nvPr/>
+        </p:nvPicPr>
+        <p:blipFill>
+          <a:blip r:embed="rId5" cstate="screen">
+            <a:extLst>
+              <a:ext uri="{28A0092B-C50C-407E-A947-70E740481C1C}">
+                <a14:useLocalDpi xmlns:a14="http://schemas.microsoft.com/office/drawing/2010/main" val="0"/>
+              </a:ext>
+            </a:extLst>
+          </a:blip>
+          <a:stretch>
+            <a:fillRect/>
+          </a:stretch>
+        </p:blipFill>
+        <p:spPr>
+          <a:xfrm>
+            <a:off x="9621168" y="1423330"/>
+            <a:ext cx="2061997" cy="4582215"/>
+          </a:xfrm>
+          <a:prstGeom prst="rect">
+            <a:avLst/>
+          </a:prstGeom>
+        </p:spPr>
+      </p:pic>
+      <p:cxnSp>
+        <p:nvCxnSpPr>
+          <p:cNvPr id="29" name="직선 연결선 28">
+            <a:extLst>
+              <a:ext uri="{FF2B5EF4-FFF2-40B4-BE49-F238E27FC236}">
+                <a16:creationId xmlns:a16="http://schemas.microsoft.com/office/drawing/2014/main" id="{1F5D434D-36AD-9F2D-9D1D-F8C9B53C011D}"/>
+              </a:ext>
+            </a:extLst>
+          </p:cNvPr>
+          <p:cNvCxnSpPr/>
+          <p:nvPr/>
+        </p:nvCxnSpPr>
+        <p:spPr>
+          <a:xfrm>
+            <a:off x="9336683" y="1314868"/>
+            <a:ext cx="0" cy="5265506"/>
+          </a:xfrm>
+          <a:prstGeom prst="line">
+            <a:avLst/>
+          </a:prstGeom>
+        </p:spPr>
+        <p:style>
+          <a:lnRef idx="1">
+            <a:schemeClr val="accent1"/>
+          </a:lnRef>
+          <a:fillRef idx="0">
+            <a:schemeClr val="accent1"/>
+          </a:fillRef>
+          <a:effectRef idx="0">
+            <a:schemeClr val="accent1"/>
+          </a:effectRef>
+          <a:fontRef idx="minor">
+            <a:schemeClr val="tx1"/>
+          </a:fontRef>
+        </p:style>
+      </p:cxnSp>
+      <p:sp>
+        <p:nvSpPr>
+          <p:cNvPr id="31" name="직사각형 30">
+            <a:extLst>
+              <a:ext uri="{FF2B5EF4-FFF2-40B4-BE49-F238E27FC236}">
+                <a16:creationId xmlns:a16="http://schemas.microsoft.com/office/drawing/2014/main" id="{9C9D108B-A119-B57E-02AC-4B6BC997F2BB}"/>
+              </a:ext>
+            </a:extLst>
+          </p:cNvPr>
+          <p:cNvSpPr/>
+          <p:nvPr/>
+        </p:nvSpPr>
+        <p:spPr>
+          <a:xfrm>
+            <a:off x="-1" y="-1"/>
+            <a:ext cx="4852449" cy="160398"/>
+          </a:xfrm>
+          <a:prstGeom prst="rect">
+            <a:avLst/>
+          </a:prstGeom>
+          <a:ln>
+            <a:noFill/>
+          </a:ln>
+        </p:spPr>
+        <p:style>
+          <a:lnRef idx="2">
+            <a:schemeClr val="accent1">
+              <a:shade val="50000"/>
+            </a:schemeClr>
+          </a:lnRef>
+          <a:fillRef idx="1">
+            <a:schemeClr val="accent1"/>
+          </a:fillRef>
+          <a:effectRef idx="0">
+            <a:schemeClr val="accent1"/>
+          </a:effectRef>
+          <a:fontRef idx="minor">
+            <a:schemeClr val="lt1"/>
+          </a:fontRef>
+        </p:style>
+        <p:txBody>
+          <a:bodyPr rtlCol="0" anchor="ctr"/>
+          <a:lstStyle/>
+          <a:p>
+            <a:pPr algn="ctr"/>
+            <a:endParaRPr lang="ko-KR" altLang="en-US"/>
+          </a:p>
+        </p:txBody>
+      </p:sp>
+      <p:sp>
+        <p:nvSpPr>
+          <p:cNvPr id="32" name="직사각형 31">
+            <a:extLst>
+              <a:ext uri="{FF2B5EF4-FFF2-40B4-BE49-F238E27FC236}">
+                <a16:creationId xmlns:a16="http://schemas.microsoft.com/office/drawing/2014/main" id="{5A08F001-A1BD-8F9A-F024-74C4586EC242}"/>
+              </a:ext>
+            </a:extLst>
+          </p:cNvPr>
+          <p:cNvSpPr/>
+          <p:nvPr/>
+        </p:nvSpPr>
+        <p:spPr>
+          <a:xfrm>
+            <a:off x="9753600" y="-3"/>
+            <a:ext cx="2438400" cy="160423"/>
+          </a:xfrm>
+          <a:prstGeom prst="rect">
+            <a:avLst/>
+          </a:prstGeom>
+          <a:solidFill>
+            <a:schemeClr val="accent3"/>
+          </a:solidFill>
+          <a:ln>
+            <a:noFill/>
+          </a:ln>
+        </p:spPr>
+        <p:style>
+          <a:lnRef idx="2">
+            <a:schemeClr val="accent1">
+              <a:shade val="50000"/>
+            </a:schemeClr>
+          </a:lnRef>
+          <a:fillRef idx="1">
+            <a:schemeClr val="accent1"/>
+          </a:fillRef>
+          <a:effectRef idx="0">
+            <a:schemeClr val="accent1"/>
+          </a:effectRef>
+          <a:fontRef idx="minor">
+            <a:schemeClr val="lt1"/>
+          </a:fontRef>
+        </p:style>
+        <p:txBody>
+          <a:bodyPr rtlCol="0" anchor="ctr"/>
+          <a:lstStyle/>
+          <a:p>
+            <a:pPr algn="ctr"/>
+            <a:endParaRPr lang="ko-KR" altLang="en-US"/>
+          </a:p>
+        </p:txBody>
+      </p:sp>
+      <p:sp>
+        <p:nvSpPr>
+          <p:cNvPr id="37" name="직사각형 36">
+            <a:extLst>
+              <a:ext uri="{FF2B5EF4-FFF2-40B4-BE49-F238E27FC236}">
+                <a16:creationId xmlns:a16="http://schemas.microsoft.com/office/drawing/2014/main" id="{6046D6B9-8BBD-D670-8187-CCF18893FFCB}"/>
+              </a:ext>
+            </a:extLst>
+          </p:cNvPr>
+          <p:cNvSpPr/>
+          <p:nvPr/>
+        </p:nvSpPr>
+        <p:spPr>
+          <a:xfrm>
+            <a:off x="7315200" y="-3"/>
+            <a:ext cx="2438400" cy="160423"/>
+          </a:xfrm>
+          <a:prstGeom prst="rect">
+            <a:avLst/>
+          </a:prstGeom>
+          <a:solidFill>
+            <a:schemeClr val="accent3"/>
+          </a:solidFill>
+          <a:ln>
+            <a:noFill/>
+          </a:ln>
+        </p:spPr>
+        <p:style>
+          <a:lnRef idx="2">
+            <a:schemeClr val="accent1">
+              <a:shade val="50000"/>
+            </a:schemeClr>
+          </a:lnRef>
+          <a:fillRef idx="1">
+            <a:schemeClr val="accent1"/>
+          </a:fillRef>
+          <a:effectRef idx="0">
+            <a:schemeClr val="accent1"/>
+          </a:effectRef>
+          <a:fontRef idx="minor">
+            <a:schemeClr val="lt1"/>
+          </a:fontRef>
+        </p:style>
+        <p:txBody>
+          <a:bodyPr rtlCol="0" anchor="ctr"/>
+          <a:lstStyle/>
+          <a:p>
+            <a:pPr algn="ctr"/>
+            <a:endParaRPr lang="ko-KR" altLang="en-US"/>
+          </a:p>
+        </p:txBody>
+      </p:sp>
+      <p:sp>
+        <p:nvSpPr>
+          <p:cNvPr id="38" name="직사각형 37">
+            <a:extLst>
+              <a:ext uri="{FF2B5EF4-FFF2-40B4-BE49-F238E27FC236}">
+                <a16:creationId xmlns:a16="http://schemas.microsoft.com/office/drawing/2014/main" id="{A5CD2CE0-F70E-C540-8904-17A15A88AE2A}"/>
+              </a:ext>
+            </a:extLst>
+          </p:cNvPr>
+          <p:cNvSpPr/>
+          <p:nvPr/>
+        </p:nvSpPr>
+        <p:spPr>
+          <a:xfrm>
+            <a:off x="4876800" y="0"/>
             <a:ext cx="2438400" cy="160423"/>
           </a:xfrm>
           <a:prstGeom prst="rect">
@@ -37705,7 +41355,7 @@
           <p:cNvPr id="39" name="직사각형 38">
             <a:extLst>
               <a:ext uri="{FF2B5EF4-FFF2-40B4-BE49-F238E27FC236}">
-                <a16:creationId xmlns:a16="http://schemas.microsoft.com/office/drawing/2014/main" id="{52758953-9019-E64F-FD26-114C73D95178}"/>
+                <a16:creationId xmlns:a16="http://schemas.microsoft.com/office/drawing/2014/main" id="{3FE4302E-A70D-185E-237C-65ADF320C845}"/>
               </a:ext>
             </a:extLst>
           </p:cNvPr>
@@ -37714,60 +41364,8 @@
         </p:nvSpPr>
         <p:spPr>
           <a:xfrm>
-            <a:off x="6724683" y="0"/>
-            <a:ext cx="2438400" cy="160423"/>
-          </a:xfrm>
-          <a:prstGeom prst="rect">
-            <a:avLst/>
-          </a:prstGeom>
-          <a:solidFill>
-            <a:schemeClr val="accent3"/>
-          </a:solidFill>
-          <a:ln>
-            <a:noFill/>
-          </a:ln>
-        </p:spPr>
-        <p:style>
-          <a:lnRef idx="2">
-            <a:schemeClr val="accent1">
-              <a:shade val="50000"/>
-            </a:schemeClr>
-          </a:lnRef>
-          <a:fillRef idx="1">
-            <a:schemeClr val="accent1"/>
-          </a:fillRef>
-          <a:effectRef idx="0">
-            <a:schemeClr val="accent1"/>
-          </a:effectRef>
-          <a:fontRef idx="minor">
-            <a:schemeClr val="lt1"/>
-          </a:fontRef>
-        </p:style>
-        <p:txBody>
-          <a:bodyPr rtlCol="0" anchor="ctr"/>
-          <a:lstStyle/>
-          <a:p>
-            <a:pPr algn="ctr"/>
-            <a:endParaRPr lang="ko-KR" altLang="en-US"/>
-          </a:p>
-        </p:txBody>
-      </p:sp>
-      <p:sp>
-        <p:nvSpPr>
-          <p:cNvPr id="40" name="직사각형 39">
-            <a:extLst>
-              <a:ext uri="{FF2B5EF4-FFF2-40B4-BE49-F238E27FC236}">
-                <a16:creationId xmlns:a16="http://schemas.microsoft.com/office/drawing/2014/main" id="{990EFD49-69A8-FAB9-A3C5-9887EDCC23D1}"/>
-              </a:ext>
-            </a:extLst>
-          </p:cNvPr>
-          <p:cNvSpPr/>
-          <p:nvPr/>
-        </p:nvSpPr>
-        <p:spPr>
-          <a:xfrm>
-            <a:off x="9155932" y="652"/>
-            <a:ext cx="604819" cy="159768"/>
+            <a:off x="4852448" y="-3"/>
+            <a:ext cx="45719" cy="160400"/>
           </a:xfrm>
           <a:prstGeom prst="rect">
             <a:avLst/>
@@ -37807,332 +41405,7 @@
     </p:spTree>
     <p:extLst>
       <p:ext uri="{BB962C8B-B14F-4D97-AF65-F5344CB8AC3E}">
-        <p14:creationId xmlns:p14="http://schemas.microsoft.com/office/powerpoint/2010/main" val="2187801951"/>
-      </p:ext>
-    </p:extLst>
-  </p:cSld>
-  <p:clrMapOvr>
-    <a:masterClrMapping/>
-  </p:clrMapOvr>
-  <mc:AlternateContent xmlns:mc="http://schemas.openxmlformats.org/markup-compatibility/2006" xmlns:p159="http://schemas.microsoft.com/office/powerpoint/2015/09/main">
-    <mc:Choice Requires="p159">
-      <p:transition xmlns:p14="http://schemas.microsoft.com/office/powerpoint/2010/main" spd="slow" p14:dur="2000">
-        <p159:morph option="byObject"/>
-      </p:transition>
-    </mc:Choice>
-    <mc:Fallback xmlns="">
-      <p:transition spd="slow">
-        <p:fade/>
-      </p:transition>
-    </mc:Fallback>
-  </mc:AlternateContent>
-</p:sld>
-</file>
-
-<file path=ppt/slides/slide9.xml><?xml version="1.0" encoding="utf-8"?>
-<p:sld xmlns:a="http://schemas.openxmlformats.org/drawingml/2006/main" xmlns:r="http://schemas.openxmlformats.org/officeDocument/2006/relationships" xmlns:p="http://schemas.openxmlformats.org/presentationml/2006/main">
-  <p:cSld>
-    <p:spTree>
-      <p:nvGrpSpPr>
-        <p:cNvPr id="1" name=""/>
-        <p:cNvGrpSpPr/>
-        <p:nvPr/>
-      </p:nvGrpSpPr>
-      <p:grpSpPr>
-        <a:xfrm>
-          <a:off x="0" y="0"/>
-          <a:ext cx="0" cy="0"/>
-          <a:chOff x="0" y="0"/>
-          <a:chExt cx="0" cy="0"/>
-        </a:xfrm>
-      </p:grpSpPr>
-      <p:pic>
-        <p:nvPicPr>
-          <p:cNvPr id="3" name="그림 2">
-            <a:extLst>
-              <a:ext uri="{FF2B5EF4-FFF2-40B4-BE49-F238E27FC236}">
-                <a16:creationId xmlns:a16="http://schemas.microsoft.com/office/drawing/2014/main" id="{4AF0F17C-FC18-4643-9928-A34703BA4C95}"/>
-              </a:ext>
-            </a:extLst>
-          </p:cNvPr>
-          <p:cNvPicPr>
-            <a:picLocks noChangeAspect="1"/>
-          </p:cNvPicPr>
-          <p:nvPr/>
-        </p:nvPicPr>
-        <p:blipFill rotWithShape="1">
-          <a:blip r:embed="rId2" cstate="screen">
-            <a:extLst>
-              <a:ext uri="{28A0092B-C50C-407E-A947-70E740481C1C}">
-                <a14:useLocalDpi xmlns:a14="http://schemas.microsoft.com/office/drawing/2010/main" val="0"/>
-              </a:ext>
-            </a:extLst>
-          </a:blip>
-          <a:srcRect/>
-          <a:stretch/>
-        </p:blipFill>
-        <p:spPr>
-          <a:xfrm>
-            <a:off x="0" y="0"/>
-            <a:ext cx="12192000" cy="6858000"/>
-          </a:xfrm>
-          <a:prstGeom prst="rect">
-            <a:avLst/>
-          </a:prstGeom>
-        </p:spPr>
-      </p:pic>
-      <p:sp>
-        <p:nvSpPr>
-          <p:cNvPr id="7" name="TextBox 6">
-            <a:extLst>
-              <a:ext uri="{FF2B5EF4-FFF2-40B4-BE49-F238E27FC236}">
-                <a16:creationId xmlns:a16="http://schemas.microsoft.com/office/drawing/2014/main" id="{C61AB87D-ADA5-49F5-BDA9-2D3455D30BCF}"/>
-              </a:ext>
-            </a:extLst>
-          </p:cNvPr>
-          <p:cNvSpPr txBox="1"/>
-          <p:nvPr/>
-        </p:nvSpPr>
-        <p:spPr>
-          <a:xfrm>
-            <a:off x="9811098" y="6588607"/>
-            <a:ext cx="2390399" cy="246221"/>
-          </a:xfrm>
-          <a:prstGeom prst="rect">
-            <a:avLst/>
-          </a:prstGeom>
-          <a:noFill/>
-        </p:spPr>
-        <p:txBody>
-          <a:bodyPr wrap="none" rtlCol="0">
-            <a:spAutoFit/>
-          </a:bodyPr>
-          <a:lstStyle/>
-          <a:p>
-            <a:pPr algn="r"/>
-            <a:r>
-              <a:rPr lang="en-US" altLang="ko-KR" sz="1000">
-                <a:solidFill>
-                  <a:schemeClr val="bg1"/>
-                </a:solidFill>
-                <a:latin typeface="Arial" panose="020B0604020202020204" pitchFamily="34" charset="0"/>
-                <a:cs typeface="Arial" panose="020B0604020202020204" pitchFamily="34" charset="0"/>
-              </a:rPr>
-              <a:t>ⓒSaebyeol Yu.</a:t>
-            </a:r>
-            <a:r>
-              <a:rPr lang="ko-KR" altLang="en-US" sz="1000">
-                <a:solidFill>
-                  <a:schemeClr val="bg1"/>
-                </a:solidFill>
-                <a:latin typeface="Arial" panose="020B0604020202020204" pitchFamily="34" charset="0"/>
-                <a:cs typeface="Arial" panose="020B0604020202020204" pitchFamily="34" charset="0"/>
-              </a:rPr>
-              <a:t> </a:t>
-            </a:r>
-            <a:r>
-              <a:rPr lang="en-US" altLang="ko-KR" sz="1000" err="1">
-                <a:solidFill>
-                  <a:schemeClr val="bg1"/>
-                </a:solidFill>
-                <a:latin typeface="Arial" panose="020B0604020202020204" pitchFamily="34" charset="0"/>
-                <a:cs typeface="Arial" panose="020B0604020202020204" pitchFamily="34" charset="0"/>
-              </a:rPr>
-              <a:t>Saebyeol’s</a:t>
-            </a:r>
-            <a:r>
-              <a:rPr lang="ko-KR" altLang="en-US" sz="1000">
-                <a:solidFill>
-                  <a:schemeClr val="bg1"/>
-                </a:solidFill>
-                <a:latin typeface="Arial" panose="020B0604020202020204" pitchFamily="34" charset="0"/>
-                <a:cs typeface="Arial" panose="020B0604020202020204" pitchFamily="34" charset="0"/>
-              </a:rPr>
-              <a:t> </a:t>
-            </a:r>
-            <a:r>
-              <a:rPr lang="en-US" altLang="ko-KR" sz="1000">
-                <a:solidFill>
-                  <a:schemeClr val="bg1"/>
-                </a:solidFill>
-                <a:latin typeface="Arial" panose="020B0604020202020204" pitchFamily="34" charset="0"/>
-                <a:cs typeface="Arial" panose="020B0604020202020204" pitchFamily="34" charset="0"/>
-              </a:rPr>
-              <a:t>PowerPoint</a:t>
-            </a:r>
-            <a:endParaRPr lang="ko-KR" altLang="en-US" sz="1000">
-              <a:solidFill>
-                <a:schemeClr val="bg1"/>
-              </a:solidFill>
-              <a:latin typeface="Arial" panose="020B0604020202020204" pitchFamily="34" charset="0"/>
-              <a:cs typeface="Arial" panose="020B0604020202020204" pitchFamily="34" charset="0"/>
-            </a:endParaRPr>
-          </a:p>
-        </p:txBody>
-      </p:sp>
-      <p:sp>
-        <p:nvSpPr>
-          <p:cNvPr id="8" name="직사각형 7">
-            <a:extLst>
-              <a:ext uri="{FF2B5EF4-FFF2-40B4-BE49-F238E27FC236}">
-                <a16:creationId xmlns:a16="http://schemas.microsoft.com/office/drawing/2014/main" id="{400491FE-F21D-4481-BC36-5BF0EE82CF41}"/>
-              </a:ext>
-            </a:extLst>
-          </p:cNvPr>
-          <p:cNvSpPr/>
-          <p:nvPr/>
-        </p:nvSpPr>
-        <p:spPr>
-          <a:xfrm>
-            <a:off x="0" y="0"/>
-            <a:ext cx="12192000" cy="6858000"/>
-          </a:xfrm>
-          <a:prstGeom prst="rect">
-            <a:avLst/>
-          </a:prstGeom>
-          <a:solidFill>
-            <a:schemeClr val="accent5">
-              <a:lumMod val="50000"/>
-              <a:alpha val="60000"/>
-            </a:schemeClr>
-          </a:solidFill>
-        </p:spPr>
-        <p:style>
-          <a:lnRef idx="2">
-            <a:schemeClr val="accent1">
-              <a:shade val="50000"/>
-            </a:schemeClr>
-          </a:lnRef>
-          <a:fillRef idx="1">
-            <a:schemeClr val="accent1"/>
-          </a:fillRef>
-          <a:effectRef idx="0">
-            <a:schemeClr val="accent1"/>
-          </a:effectRef>
-          <a:fontRef idx="minor">
-            <a:schemeClr val="lt1"/>
-          </a:fontRef>
-        </p:style>
-        <p:txBody>
-          <a:bodyPr rtlCol="0" anchor="ctr"/>
-          <a:lstStyle/>
-          <a:p>
-            <a:pPr algn="ctr"/>
-            <a:endParaRPr lang="ko-KR" altLang="en-US"/>
-          </a:p>
-        </p:txBody>
-      </p:sp>
-      <p:grpSp>
-        <p:nvGrpSpPr>
-          <p:cNvPr id="9" name="그룹 8">
-            <a:extLst>
-              <a:ext uri="{FF2B5EF4-FFF2-40B4-BE49-F238E27FC236}">
-                <a16:creationId xmlns:a16="http://schemas.microsoft.com/office/drawing/2014/main" id="{6DBDD5CB-B3CE-497E-8B7B-49BC6661C3BF}"/>
-              </a:ext>
-            </a:extLst>
-          </p:cNvPr>
-          <p:cNvGrpSpPr/>
-          <p:nvPr/>
-        </p:nvGrpSpPr>
-        <p:grpSpPr>
-          <a:xfrm>
-            <a:off x="4503257" y="2579222"/>
-            <a:ext cx="3185487" cy="1699555"/>
-            <a:chOff x="4503257" y="2117558"/>
-            <a:chExt cx="3185487" cy="1699555"/>
-          </a:xfrm>
-        </p:grpSpPr>
-        <p:sp>
-          <p:nvSpPr>
-            <p:cNvPr id="10" name="TextBox 9">
-              <a:extLst>
-                <a:ext uri="{FF2B5EF4-FFF2-40B4-BE49-F238E27FC236}">
-                  <a16:creationId xmlns:a16="http://schemas.microsoft.com/office/drawing/2014/main" id="{3482747F-3DD6-4BB3-A2D1-442486C7EA04}"/>
-                </a:ext>
-              </a:extLst>
-            </p:cNvPr>
-            <p:cNvSpPr txBox="1"/>
-            <p:nvPr/>
-          </p:nvSpPr>
-          <p:spPr>
-            <a:xfrm>
-              <a:off x="4798209" y="2117558"/>
-              <a:ext cx="2728632" cy="923330"/>
-            </a:xfrm>
-            <a:prstGeom prst="rect">
-              <a:avLst/>
-            </a:prstGeom>
-            <a:noFill/>
-          </p:spPr>
-          <p:txBody>
-            <a:bodyPr wrap="none" rtlCol="0">
-              <a:spAutoFit/>
-            </a:bodyPr>
-            <a:lstStyle/>
-            <a:p>
-              <a:r>
-                <a:rPr lang="en-US" altLang="ko-KR" sz="5400">
-                  <a:solidFill>
-                    <a:schemeClr val="bg1"/>
-                  </a:solidFill>
-                  <a:latin typeface="+mj-lt"/>
-                </a:rPr>
-                <a:t>Part 2.</a:t>
-              </a:r>
-              <a:endParaRPr lang="ko-KR" altLang="en-US" sz="5400">
-                <a:solidFill>
-                  <a:schemeClr val="bg1"/>
-                </a:solidFill>
-                <a:latin typeface="+mj-lt"/>
-              </a:endParaRPr>
-            </a:p>
-          </p:txBody>
-        </p:sp>
-        <p:sp>
-          <p:nvSpPr>
-            <p:cNvPr id="11" name="TextBox 10">
-              <a:extLst>
-                <a:ext uri="{FF2B5EF4-FFF2-40B4-BE49-F238E27FC236}">
-                  <a16:creationId xmlns:a16="http://schemas.microsoft.com/office/drawing/2014/main" id="{DC7A67CC-F92B-4DF7-8973-3969389967A2}"/>
-                </a:ext>
-              </a:extLst>
-            </p:cNvPr>
-            <p:cNvSpPr txBox="1"/>
-            <p:nvPr/>
-          </p:nvSpPr>
-          <p:spPr>
-            <a:xfrm>
-              <a:off x="4503257" y="3109227"/>
-              <a:ext cx="3185487" cy="707886"/>
-            </a:xfrm>
-            <a:prstGeom prst="rect">
-              <a:avLst/>
-            </a:prstGeom>
-            <a:noFill/>
-          </p:spPr>
-          <p:txBody>
-            <a:bodyPr wrap="none" rtlCol="0">
-              <a:spAutoFit/>
-            </a:bodyPr>
-            <a:lstStyle/>
-            <a:p>
-              <a:pPr algn="ctr"/>
-              <a:r>
-                <a:rPr lang="ko-KR" altLang="en-US" sz="4000" spc="-300">
-                  <a:solidFill>
-                    <a:schemeClr val="bg1"/>
-                  </a:solidFill>
-                </a:rPr>
-                <a:t>특장점 및 기능</a:t>
-              </a:r>
-            </a:p>
-          </p:txBody>
-        </p:sp>
-      </p:grpSp>
-    </p:spTree>
-    <p:extLst>
-      <p:ext uri="{BB962C8B-B14F-4D97-AF65-F5344CB8AC3E}">
-        <p14:creationId xmlns:p14="http://schemas.microsoft.com/office/powerpoint/2010/main" val="201256539"/>
+        <p14:creationId xmlns:p14="http://schemas.microsoft.com/office/powerpoint/2010/main" val="2451165023"/>
       </p:ext>
     </p:extLst>
   </p:cSld>
